--- a/icones-ui-ux-github .pptx
+++ b/icones-ui-ux-github .pptx
@@ -3586,7 +3586,7 @@
             <a:r>
               <a:rPr lang="pt-BR" sz="2400" dirty="0" err="1">
                 <a:solidFill>
-                  <a:srgbClr val="E89B26"/>
+                  <a:srgbClr val="B5DE00"/>
                 </a:solidFill>
                 <a:latin typeface="Tahoma" panose="020B0604030504040204" pitchFamily="34" charset="0"/>
                 <a:ea typeface="Tahoma" panose="020B0604030504040204" pitchFamily="34" charset="0"/>
@@ -3596,7 +3596,7 @@
             </a:r>
             <a:endParaRPr lang="pt-BR" sz="2400" dirty="0">
               <a:solidFill>
-                <a:srgbClr val="E89B26"/>
+                <a:srgbClr val="B5DE00"/>
               </a:solidFill>
               <a:latin typeface="Tahoma" panose="020B0604030504040204" pitchFamily="34" charset="0"/>
               <a:ea typeface="Tahoma" panose="020B0604030504040204" pitchFamily="34" charset="0"/>
@@ -3605,6 +3605,185 @@
           </a:p>
         </p:txBody>
       </p:sp>
+      <p:sp>
+        <p:nvSpPr>
+          <p:cNvPr id="2" name="Retângulo 1">
+            <a:extLst>
+              <a:ext uri="{FF2B5EF4-FFF2-40B4-BE49-F238E27FC236}">
+                <a16:creationId xmlns:a16="http://schemas.microsoft.com/office/drawing/2014/main" id="{3AC63CC5-DAE8-433A-BBBC-A8718D7D9FED}"/>
+              </a:ext>
+            </a:extLst>
+          </p:cNvPr>
+          <p:cNvSpPr/>
+          <p:nvPr/>
+        </p:nvSpPr>
+        <p:spPr>
+          <a:xfrm>
+            <a:off x="0" y="0"/>
+            <a:ext cx="1979612" cy="1979613"/>
+          </a:xfrm>
+          <a:prstGeom prst="rect">
+            <a:avLst/>
+          </a:prstGeom>
+          <a:noFill/>
+          <a:ln w="15875">
+            <a:solidFill>
+              <a:schemeClr val="bg1">
+                <a:lumMod val="65000"/>
+              </a:schemeClr>
+            </a:solidFill>
+          </a:ln>
+        </p:spPr>
+        <p:style>
+          <a:lnRef idx="2">
+            <a:schemeClr val="accent1">
+              <a:shade val="50000"/>
+            </a:schemeClr>
+          </a:lnRef>
+          <a:fillRef idx="1">
+            <a:schemeClr val="accent1"/>
+          </a:fillRef>
+          <a:effectRef idx="0">
+            <a:schemeClr val="accent1"/>
+          </a:effectRef>
+          <a:fontRef idx="minor">
+            <a:schemeClr val="lt1"/>
+          </a:fontRef>
+        </p:style>
+        <p:txBody>
+          <a:bodyPr rtlCol="0" anchor="ctr"/>
+          <a:lstStyle/>
+          <a:p>
+            <a:pPr algn="ctr"/>
+            <a:endParaRPr lang="pt-BR"/>
+          </a:p>
+        </p:txBody>
+      </p:sp>
+      <p:grpSp>
+        <p:nvGrpSpPr>
+          <p:cNvPr id="8" name="Agrupar 7">
+            <a:extLst>
+              <a:ext uri="{FF2B5EF4-FFF2-40B4-BE49-F238E27FC236}">
+                <a16:creationId xmlns:a16="http://schemas.microsoft.com/office/drawing/2014/main" id="{BD0CD874-CB81-4638-BDE4-CF4B4181792F}"/>
+              </a:ext>
+            </a:extLst>
+          </p:cNvPr>
+          <p:cNvGrpSpPr/>
+          <p:nvPr/>
+        </p:nvGrpSpPr>
+        <p:grpSpPr>
+          <a:xfrm>
+            <a:off x="-246392" y="36254"/>
+            <a:ext cx="161800" cy="422289"/>
+            <a:chOff x="-246392" y="36254"/>
+            <a:chExt cx="161800" cy="422289"/>
+          </a:xfrm>
+        </p:grpSpPr>
+        <p:sp>
+          <p:nvSpPr>
+            <p:cNvPr id="6" name="Retângulo 5">
+              <a:extLst>
+                <a:ext uri="{FF2B5EF4-FFF2-40B4-BE49-F238E27FC236}">
+                  <a16:creationId xmlns:a16="http://schemas.microsoft.com/office/drawing/2014/main" id="{7F9D782E-96F2-4379-8E44-71006B78A728}"/>
+                </a:ext>
+              </a:extLst>
+            </p:cNvPr>
+            <p:cNvSpPr/>
+            <p:nvPr/>
+          </p:nvSpPr>
+          <p:spPr>
+            <a:xfrm>
+              <a:off x="-241692" y="36254"/>
+              <a:ext cx="157100" cy="185297"/>
+            </a:xfrm>
+            <a:prstGeom prst="rect">
+              <a:avLst/>
+            </a:prstGeom>
+            <a:solidFill>
+              <a:srgbClr val="B5DE00"/>
+            </a:solidFill>
+            <a:ln>
+              <a:noFill/>
+            </a:ln>
+          </p:spPr>
+          <p:style>
+            <a:lnRef idx="2">
+              <a:schemeClr val="accent1">
+                <a:shade val="50000"/>
+              </a:schemeClr>
+            </a:lnRef>
+            <a:fillRef idx="1">
+              <a:schemeClr val="accent1"/>
+            </a:fillRef>
+            <a:effectRef idx="0">
+              <a:schemeClr val="accent1"/>
+            </a:effectRef>
+            <a:fontRef idx="minor">
+              <a:schemeClr val="lt1"/>
+            </a:fontRef>
+          </p:style>
+          <p:txBody>
+            <a:bodyPr rtlCol="0" anchor="ctr"/>
+            <a:lstStyle/>
+            <a:p>
+              <a:pPr algn="ctr"/>
+              <a:endParaRPr lang="pt-BR"/>
+            </a:p>
+          </p:txBody>
+        </p:sp>
+        <p:sp>
+          <p:nvSpPr>
+            <p:cNvPr id="7" name="Retângulo 6">
+              <a:extLst>
+                <a:ext uri="{FF2B5EF4-FFF2-40B4-BE49-F238E27FC236}">
+                  <a16:creationId xmlns:a16="http://schemas.microsoft.com/office/drawing/2014/main" id="{602722E6-AFAF-483F-A211-690545AE516B}"/>
+                </a:ext>
+              </a:extLst>
+            </p:cNvPr>
+            <p:cNvSpPr/>
+            <p:nvPr/>
+          </p:nvSpPr>
+          <p:spPr>
+            <a:xfrm>
+              <a:off x="-246392" y="273246"/>
+              <a:ext cx="157100" cy="185297"/>
+            </a:xfrm>
+            <a:prstGeom prst="rect">
+              <a:avLst/>
+            </a:prstGeom>
+            <a:solidFill>
+              <a:srgbClr val="34977E"/>
+            </a:solidFill>
+            <a:ln>
+              <a:noFill/>
+            </a:ln>
+          </p:spPr>
+          <p:style>
+            <a:lnRef idx="2">
+              <a:schemeClr val="accent1">
+                <a:shade val="50000"/>
+              </a:schemeClr>
+            </a:lnRef>
+            <a:fillRef idx="1">
+              <a:schemeClr val="accent1"/>
+            </a:fillRef>
+            <a:effectRef idx="0">
+              <a:schemeClr val="accent1"/>
+            </a:effectRef>
+            <a:fontRef idx="minor">
+              <a:schemeClr val="lt1"/>
+            </a:fontRef>
+          </p:style>
+          <p:txBody>
+            <a:bodyPr rtlCol="0" anchor="ctr"/>
+            <a:lstStyle/>
+            <a:p>
+              <a:pPr algn="ctr"/>
+              <a:endParaRPr lang="pt-BR"/>
+            </a:p>
+          </p:txBody>
+        </p:sp>
+      </p:grpSp>
     </p:spTree>
     <p:extLst>
       <p:ext uri="{BB962C8B-B14F-4D97-AF65-F5344CB8AC3E}">
@@ -3675,7 +3854,7 @@
             <a:r>
               <a:rPr lang="pt-BR" sz="2400" dirty="0" err="1">
                 <a:solidFill>
-                  <a:srgbClr val="E89B26"/>
+                  <a:srgbClr val="B5DE00"/>
                 </a:solidFill>
                 <a:latin typeface="Tahoma" panose="020B0604030504040204" pitchFamily="34" charset="0"/>
                 <a:ea typeface="Tahoma" panose="020B0604030504040204" pitchFamily="34" charset="0"/>
@@ -3685,7 +3864,7 @@
             </a:r>
             <a:endParaRPr lang="pt-BR" sz="2400" dirty="0">
               <a:solidFill>
-                <a:srgbClr val="E89B26"/>
+                <a:srgbClr val="B5DE00"/>
               </a:solidFill>
               <a:latin typeface="Tahoma" panose="020B0604030504040204" pitchFamily="34" charset="0"/>
               <a:ea typeface="Tahoma" panose="020B0604030504040204" pitchFamily="34" charset="0"/>
@@ -3694,6 +3873,185 @@
           </a:p>
         </p:txBody>
       </p:sp>
+      <p:sp>
+        <p:nvSpPr>
+          <p:cNvPr id="3" name="Retângulo 2">
+            <a:extLst>
+              <a:ext uri="{FF2B5EF4-FFF2-40B4-BE49-F238E27FC236}">
+                <a16:creationId xmlns:a16="http://schemas.microsoft.com/office/drawing/2014/main" id="{7DF643DA-8151-48AC-A3F8-9A85CCAFF573}"/>
+              </a:ext>
+            </a:extLst>
+          </p:cNvPr>
+          <p:cNvSpPr/>
+          <p:nvPr/>
+        </p:nvSpPr>
+        <p:spPr>
+          <a:xfrm>
+            <a:off x="0" y="0"/>
+            <a:ext cx="1979612" cy="1979613"/>
+          </a:xfrm>
+          <a:prstGeom prst="rect">
+            <a:avLst/>
+          </a:prstGeom>
+          <a:noFill/>
+          <a:ln w="15875">
+            <a:solidFill>
+              <a:schemeClr val="bg1">
+                <a:lumMod val="65000"/>
+              </a:schemeClr>
+            </a:solidFill>
+          </a:ln>
+        </p:spPr>
+        <p:style>
+          <a:lnRef idx="2">
+            <a:schemeClr val="accent1">
+              <a:shade val="50000"/>
+            </a:schemeClr>
+          </a:lnRef>
+          <a:fillRef idx="1">
+            <a:schemeClr val="accent1"/>
+          </a:fillRef>
+          <a:effectRef idx="0">
+            <a:schemeClr val="accent1"/>
+          </a:effectRef>
+          <a:fontRef idx="minor">
+            <a:schemeClr val="lt1"/>
+          </a:fontRef>
+        </p:style>
+        <p:txBody>
+          <a:bodyPr rtlCol="0" anchor="ctr"/>
+          <a:lstStyle/>
+          <a:p>
+            <a:pPr algn="ctr"/>
+            <a:endParaRPr lang="pt-BR"/>
+          </a:p>
+        </p:txBody>
+      </p:sp>
+      <p:grpSp>
+        <p:nvGrpSpPr>
+          <p:cNvPr id="5" name="Agrupar 4">
+            <a:extLst>
+              <a:ext uri="{FF2B5EF4-FFF2-40B4-BE49-F238E27FC236}">
+                <a16:creationId xmlns:a16="http://schemas.microsoft.com/office/drawing/2014/main" id="{E4260147-AE77-46B5-9171-7E89A510040D}"/>
+              </a:ext>
+            </a:extLst>
+          </p:cNvPr>
+          <p:cNvGrpSpPr/>
+          <p:nvPr/>
+        </p:nvGrpSpPr>
+        <p:grpSpPr>
+          <a:xfrm>
+            <a:off x="-246392" y="36254"/>
+            <a:ext cx="161800" cy="422289"/>
+            <a:chOff x="-246392" y="36254"/>
+            <a:chExt cx="161800" cy="422289"/>
+          </a:xfrm>
+        </p:grpSpPr>
+        <p:sp>
+          <p:nvSpPr>
+            <p:cNvPr id="6" name="Retângulo 5">
+              <a:extLst>
+                <a:ext uri="{FF2B5EF4-FFF2-40B4-BE49-F238E27FC236}">
+                  <a16:creationId xmlns:a16="http://schemas.microsoft.com/office/drawing/2014/main" id="{BA44BA47-7E9D-4DE2-AB99-34F4A7404E30}"/>
+                </a:ext>
+              </a:extLst>
+            </p:cNvPr>
+            <p:cNvSpPr/>
+            <p:nvPr/>
+          </p:nvSpPr>
+          <p:spPr>
+            <a:xfrm>
+              <a:off x="-241692" y="36254"/>
+              <a:ext cx="157100" cy="185297"/>
+            </a:xfrm>
+            <a:prstGeom prst="rect">
+              <a:avLst/>
+            </a:prstGeom>
+            <a:solidFill>
+              <a:srgbClr val="B5DE00"/>
+            </a:solidFill>
+            <a:ln>
+              <a:noFill/>
+            </a:ln>
+          </p:spPr>
+          <p:style>
+            <a:lnRef idx="2">
+              <a:schemeClr val="accent1">
+                <a:shade val="50000"/>
+              </a:schemeClr>
+            </a:lnRef>
+            <a:fillRef idx="1">
+              <a:schemeClr val="accent1"/>
+            </a:fillRef>
+            <a:effectRef idx="0">
+              <a:schemeClr val="accent1"/>
+            </a:effectRef>
+            <a:fontRef idx="minor">
+              <a:schemeClr val="lt1"/>
+            </a:fontRef>
+          </p:style>
+          <p:txBody>
+            <a:bodyPr rtlCol="0" anchor="ctr"/>
+            <a:lstStyle/>
+            <a:p>
+              <a:pPr algn="ctr"/>
+              <a:endParaRPr lang="pt-BR"/>
+            </a:p>
+          </p:txBody>
+        </p:sp>
+        <p:sp>
+          <p:nvSpPr>
+            <p:cNvPr id="7" name="Retângulo 6">
+              <a:extLst>
+                <a:ext uri="{FF2B5EF4-FFF2-40B4-BE49-F238E27FC236}">
+                  <a16:creationId xmlns:a16="http://schemas.microsoft.com/office/drawing/2014/main" id="{95C2F476-9DBA-4AF9-ADD0-851074907201}"/>
+                </a:ext>
+              </a:extLst>
+            </p:cNvPr>
+            <p:cNvSpPr/>
+            <p:nvPr/>
+          </p:nvSpPr>
+          <p:spPr>
+            <a:xfrm>
+              <a:off x="-246392" y="273246"/>
+              <a:ext cx="157100" cy="185297"/>
+            </a:xfrm>
+            <a:prstGeom prst="rect">
+              <a:avLst/>
+            </a:prstGeom>
+            <a:solidFill>
+              <a:srgbClr val="34977E"/>
+            </a:solidFill>
+            <a:ln>
+              <a:noFill/>
+            </a:ln>
+          </p:spPr>
+          <p:style>
+            <a:lnRef idx="2">
+              <a:schemeClr val="accent1">
+                <a:shade val="50000"/>
+              </a:schemeClr>
+            </a:lnRef>
+            <a:fillRef idx="1">
+              <a:schemeClr val="accent1"/>
+            </a:fillRef>
+            <a:effectRef idx="0">
+              <a:schemeClr val="accent1"/>
+            </a:effectRef>
+            <a:fontRef idx="minor">
+              <a:schemeClr val="lt1"/>
+            </a:fontRef>
+          </p:style>
+          <p:txBody>
+            <a:bodyPr rtlCol="0" anchor="ctr"/>
+            <a:lstStyle/>
+            <a:p>
+              <a:pPr algn="ctr"/>
+              <a:endParaRPr lang="pt-BR"/>
+            </a:p>
+          </p:txBody>
+        </p:sp>
+      </p:grpSp>
     </p:spTree>
     <p:extLst>
       <p:ext uri="{BB962C8B-B14F-4D97-AF65-F5344CB8AC3E}">
@@ -3746,7 +4104,7 @@
         </p:nvSpPr>
         <p:spPr>
           <a:xfrm>
-            <a:off x="-1" y="721401"/>
+            <a:off x="-1" y="605879"/>
             <a:ext cx="1979613" cy="769441"/>
           </a:xfrm>
           <a:prstGeom prst="rect">
@@ -3760,6 +4118,7 @@
           </a:bodyPr>
           <a:lstStyle/>
           <a:p>
+            <a:pPr algn="ctr"/>
             <a:r>
               <a:rPr lang="pt-BR" sz="2000" dirty="0">
                 <a:solidFill>
@@ -3769,10 +4128,22 @@
                 <a:ea typeface="Tahoma" panose="020B0604030504040204" pitchFamily="34" charset="0"/>
                 <a:cs typeface="Tahoma" panose="020B0604030504040204" pitchFamily="34" charset="0"/>
               </a:rPr>
-              <a:t> Cloud &amp; Edge</a:t>
-            </a:r>
-          </a:p>
-          <a:p>
+              <a:t> </a:t>
+            </a:r>
+            <a:r>
+              <a:rPr lang="pt-BR" sz="2000" dirty="0">
+                <a:solidFill>
+                  <a:srgbClr val="B5DE00"/>
+                </a:solidFill>
+                <a:latin typeface="Tahoma" panose="020B0604030504040204" pitchFamily="34" charset="0"/>
+                <a:ea typeface="Tahoma" panose="020B0604030504040204" pitchFamily="34" charset="0"/>
+                <a:cs typeface="Tahoma" panose="020B0604030504040204" pitchFamily="34" charset="0"/>
+              </a:rPr>
+              <a:t>Cloud &amp; Edge</a:t>
+            </a:r>
+          </a:p>
+          <a:p>
+            <a:pPr algn="ctr"/>
             <a:r>
               <a:rPr lang="pt-BR" sz="2400" dirty="0">
                 <a:solidFill>
@@ -3787,7 +4158,7 @@
             <a:r>
               <a:rPr lang="pt-BR" sz="2400" dirty="0" err="1">
                 <a:solidFill>
-                  <a:srgbClr val="E89B26"/>
+                  <a:srgbClr val="34977E"/>
                 </a:solidFill>
                 <a:latin typeface="Tahoma" panose="020B0604030504040204" pitchFamily="34" charset="0"/>
                 <a:ea typeface="Tahoma" panose="020B0604030504040204" pitchFamily="34" charset="0"/>
@@ -3797,7 +4168,7 @@
             </a:r>
             <a:endParaRPr lang="pt-BR" sz="2400" dirty="0">
               <a:solidFill>
-                <a:srgbClr val="E89B26"/>
+                <a:srgbClr val="34977E"/>
               </a:solidFill>
               <a:latin typeface="Tahoma" panose="020B0604030504040204" pitchFamily="34" charset="0"/>
               <a:ea typeface="Tahoma" panose="020B0604030504040204" pitchFamily="34" charset="0"/>
@@ -3806,6 +4177,185 @@
           </a:p>
         </p:txBody>
       </p:sp>
+      <p:sp>
+        <p:nvSpPr>
+          <p:cNvPr id="3" name="Retângulo 2">
+            <a:extLst>
+              <a:ext uri="{FF2B5EF4-FFF2-40B4-BE49-F238E27FC236}">
+                <a16:creationId xmlns:a16="http://schemas.microsoft.com/office/drawing/2014/main" id="{51C7FECB-AB17-420D-8BA3-C5F3E5809328}"/>
+              </a:ext>
+            </a:extLst>
+          </p:cNvPr>
+          <p:cNvSpPr/>
+          <p:nvPr/>
+        </p:nvSpPr>
+        <p:spPr>
+          <a:xfrm>
+            <a:off x="0" y="0"/>
+            <a:ext cx="1979612" cy="1979613"/>
+          </a:xfrm>
+          <a:prstGeom prst="rect">
+            <a:avLst/>
+          </a:prstGeom>
+          <a:noFill/>
+          <a:ln w="15875">
+            <a:solidFill>
+              <a:schemeClr val="bg1">
+                <a:lumMod val="65000"/>
+              </a:schemeClr>
+            </a:solidFill>
+          </a:ln>
+        </p:spPr>
+        <p:style>
+          <a:lnRef idx="2">
+            <a:schemeClr val="accent1">
+              <a:shade val="50000"/>
+            </a:schemeClr>
+          </a:lnRef>
+          <a:fillRef idx="1">
+            <a:schemeClr val="accent1"/>
+          </a:fillRef>
+          <a:effectRef idx="0">
+            <a:schemeClr val="accent1"/>
+          </a:effectRef>
+          <a:fontRef idx="minor">
+            <a:schemeClr val="lt1"/>
+          </a:fontRef>
+        </p:style>
+        <p:txBody>
+          <a:bodyPr rtlCol="0" anchor="ctr"/>
+          <a:lstStyle/>
+          <a:p>
+            <a:pPr algn="ctr"/>
+            <a:endParaRPr lang="pt-BR"/>
+          </a:p>
+        </p:txBody>
+      </p:sp>
+      <p:grpSp>
+        <p:nvGrpSpPr>
+          <p:cNvPr id="5" name="Agrupar 4">
+            <a:extLst>
+              <a:ext uri="{FF2B5EF4-FFF2-40B4-BE49-F238E27FC236}">
+                <a16:creationId xmlns:a16="http://schemas.microsoft.com/office/drawing/2014/main" id="{EA8FFE4E-BE54-4267-98B4-78DFF87310BF}"/>
+              </a:ext>
+            </a:extLst>
+          </p:cNvPr>
+          <p:cNvGrpSpPr/>
+          <p:nvPr/>
+        </p:nvGrpSpPr>
+        <p:grpSpPr>
+          <a:xfrm>
+            <a:off x="-246392" y="36254"/>
+            <a:ext cx="161800" cy="422289"/>
+            <a:chOff x="-246392" y="36254"/>
+            <a:chExt cx="161800" cy="422289"/>
+          </a:xfrm>
+        </p:grpSpPr>
+        <p:sp>
+          <p:nvSpPr>
+            <p:cNvPr id="6" name="Retângulo 5">
+              <a:extLst>
+                <a:ext uri="{FF2B5EF4-FFF2-40B4-BE49-F238E27FC236}">
+                  <a16:creationId xmlns:a16="http://schemas.microsoft.com/office/drawing/2014/main" id="{99D89A96-48FD-4E5F-A192-246491AF313C}"/>
+                </a:ext>
+              </a:extLst>
+            </p:cNvPr>
+            <p:cNvSpPr/>
+            <p:nvPr/>
+          </p:nvSpPr>
+          <p:spPr>
+            <a:xfrm>
+              <a:off x="-241692" y="36254"/>
+              <a:ext cx="157100" cy="185297"/>
+            </a:xfrm>
+            <a:prstGeom prst="rect">
+              <a:avLst/>
+            </a:prstGeom>
+            <a:solidFill>
+              <a:srgbClr val="B5DE00"/>
+            </a:solidFill>
+            <a:ln>
+              <a:noFill/>
+            </a:ln>
+          </p:spPr>
+          <p:style>
+            <a:lnRef idx="2">
+              <a:schemeClr val="accent1">
+                <a:shade val="50000"/>
+              </a:schemeClr>
+            </a:lnRef>
+            <a:fillRef idx="1">
+              <a:schemeClr val="accent1"/>
+            </a:fillRef>
+            <a:effectRef idx="0">
+              <a:schemeClr val="accent1"/>
+            </a:effectRef>
+            <a:fontRef idx="minor">
+              <a:schemeClr val="lt1"/>
+            </a:fontRef>
+          </p:style>
+          <p:txBody>
+            <a:bodyPr rtlCol="0" anchor="ctr"/>
+            <a:lstStyle/>
+            <a:p>
+              <a:pPr algn="ctr"/>
+              <a:endParaRPr lang="pt-BR"/>
+            </a:p>
+          </p:txBody>
+        </p:sp>
+        <p:sp>
+          <p:nvSpPr>
+            <p:cNvPr id="7" name="Retângulo 6">
+              <a:extLst>
+                <a:ext uri="{FF2B5EF4-FFF2-40B4-BE49-F238E27FC236}">
+                  <a16:creationId xmlns:a16="http://schemas.microsoft.com/office/drawing/2014/main" id="{E967C132-D0BE-470E-AB3D-FB9C2B3B2393}"/>
+                </a:ext>
+              </a:extLst>
+            </p:cNvPr>
+            <p:cNvSpPr/>
+            <p:nvPr/>
+          </p:nvSpPr>
+          <p:spPr>
+            <a:xfrm>
+              <a:off x="-246392" y="273246"/>
+              <a:ext cx="157100" cy="185297"/>
+            </a:xfrm>
+            <a:prstGeom prst="rect">
+              <a:avLst/>
+            </a:prstGeom>
+            <a:solidFill>
+              <a:srgbClr val="34977E"/>
+            </a:solidFill>
+            <a:ln>
+              <a:noFill/>
+            </a:ln>
+          </p:spPr>
+          <p:style>
+            <a:lnRef idx="2">
+              <a:schemeClr val="accent1">
+                <a:shade val="50000"/>
+              </a:schemeClr>
+            </a:lnRef>
+            <a:fillRef idx="1">
+              <a:schemeClr val="accent1"/>
+            </a:fillRef>
+            <a:effectRef idx="0">
+              <a:schemeClr val="accent1"/>
+            </a:effectRef>
+            <a:fontRef idx="minor">
+              <a:schemeClr val="lt1"/>
+            </a:fontRef>
+          </p:style>
+          <p:txBody>
+            <a:bodyPr rtlCol="0" anchor="ctr"/>
+            <a:lstStyle/>
+            <a:p>
+              <a:pPr algn="ctr"/>
+              <a:endParaRPr lang="pt-BR"/>
+            </a:p>
+          </p:txBody>
+        </p:sp>
+      </p:grpSp>
     </p:spTree>
     <p:extLst>
       <p:ext uri="{BB962C8B-B14F-4D97-AF65-F5344CB8AC3E}">
@@ -3876,7 +4426,7 @@
             <a:r>
               <a:rPr lang="pt-BR" sz="2400" dirty="0" err="1">
                 <a:solidFill>
-                  <a:srgbClr val="E89B26"/>
+                  <a:srgbClr val="B5DE00"/>
                 </a:solidFill>
                 <a:latin typeface="Tahoma" panose="020B0604030504040204" pitchFamily="34" charset="0"/>
                 <a:ea typeface="Tahoma" panose="020B0604030504040204" pitchFamily="34" charset="0"/>
@@ -3886,7 +4436,7 @@
             </a:r>
             <a:endParaRPr lang="pt-BR" sz="2400" dirty="0">
               <a:solidFill>
-                <a:srgbClr val="E89B26"/>
+                <a:srgbClr val="B5DE00"/>
               </a:solidFill>
               <a:latin typeface="Tahoma" panose="020B0604030504040204" pitchFamily="34" charset="0"/>
               <a:ea typeface="Tahoma" panose="020B0604030504040204" pitchFamily="34" charset="0"/>
@@ -3895,6 +4445,185 @@
           </a:p>
         </p:txBody>
       </p:sp>
+      <p:sp>
+        <p:nvSpPr>
+          <p:cNvPr id="3" name="Retângulo 2">
+            <a:extLst>
+              <a:ext uri="{FF2B5EF4-FFF2-40B4-BE49-F238E27FC236}">
+                <a16:creationId xmlns:a16="http://schemas.microsoft.com/office/drawing/2014/main" id="{8CAA7DA7-5674-4F4F-B09D-815A13C7737A}"/>
+              </a:ext>
+            </a:extLst>
+          </p:cNvPr>
+          <p:cNvSpPr/>
+          <p:nvPr/>
+        </p:nvSpPr>
+        <p:spPr>
+          <a:xfrm>
+            <a:off x="0" y="0"/>
+            <a:ext cx="1979612" cy="1979613"/>
+          </a:xfrm>
+          <a:prstGeom prst="rect">
+            <a:avLst/>
+          </a:prstGeom>
+          <a:noFill/>
+          <a:ln w="15875">
+            <a:solidFill>
+              <a:schemeClr val="bg1">
+                <a:lumMod val="65000"/>
+              </a:schemeClr>
+            </a:solidFill>
+          </a:ln>
+        </p:spPr>
+        <p:style>
+          <a:lnRef idx="2">
+            <a:schemeClr val="accent1">
+              <a:shade val="50000"/>
+            </a:schemeClr>
+          </a:lnRef>
+          <a:fillRef idx="1">
+            <a:schemeClr val="accent1"/>
+          </a:fillRef>
+          <a:effectRef idx="0">
+            <a:schemeClr val="accent1"/>
+          </a:effectRef>
+          <a:fontRef idx="minor">
+            <a:schemeClr val="lt1"/>
+          </a:fontRef>
+        </p:style>
+        <p:txBody>
+          <a:bodyPr rtlCol="0" anchor="ctr"/>
+          <a:lstStyle/>
+          <a:p>
+            <a:pPr algn="ctr"/>
+            <a:endParaRPr lang="pt-BR"/>
+          </a:p>
+        </p:txBody>
+      </p:sp>
+      <p:grpSp>
+        <p:nvGrpSpPr>
+          <p:cNvPr id="5" name="Agrupar 4">
+            <a:extLst>
+              <a:ext uri="{FF2B5EF4-FFF2-40B4-BE49-F238E27FC236}">
+                <a16:creationId xmlns:a16="http://schemas.microsoft.com/office/drawing/2014/main" id="{95F8CDA3-3D17-480C-BAA0-544656FEEA00}"/>
+              </a:ext>
+            </a:extLst>
+          </p:cNvPr>
+          <p:cNvGrpSpPr/>
+          <p:nvPr/>
+        </p:nvGrpSpPr>
+        <p:grpSpPr>
+          <a:xfrm>
+            <a:off x="-246392" y="36254"/>
+            <a:ext cx="161800" cy="422289"/>
+            <a:chOff x="-246392" y="36254"/>
+            <a:chExt cx="161800" cy="422289"/>
+          </a:xfrm>
+        </p:grpSpPr>
+        <p:sp>
+          <p:nvSpPr>
+            <p:cNvPr id="6" name="Retângulo 5">
+              <a:extLst>
+                <a:ext uri="{FF2B5EF4-FFF2-40B4-BE49-F238E27FC236}">
+                  <a16:creationId xmlns:a16="http://schemas.microsoft.com/office/drawing/2014/main" id="{C73A74EB-D21D-49A5-9181-E3EBD7A4EE8A}"/>
+                </a:ext>
+              </a:extLst>
+            </p:cNvPr>
+            <p:cNvSpPr/>
+            <p:nvPr/>
+          </p:nvSpPr>
+          <p:spPr>
+            <a:xfrm>
+              <a:off x="-241692" y="36254"/>
+              <a:ext cx="157100" cy="185297"/>
+            </a:xfrm>
+            <a:prstGeom prst="rect">
+              <a:avLst/>
+            </a:prstGeom>
+            <a:solidFill>
+              <a:srgbClr val="B5DE00"/>
+            </a:solidFill>
+            <a:ln>
+              <a:noFill/>
+            </a:ln>
+          </p:spPr>
+          <p:style>
+            <a:lnRef idx="2">
+              <a:schemeClr val="accent1">
+                <a:shade val="50000"/>
+              </a:schemeClr>
+            </a:lnRef>
+            <a:fillRef idx="1">
+              <a:schemeClr val="accent1"/>
+            </a:fillRef>
+            <a:effectRef idx="0">
+              <a:schemeClr val="accent1"/>
+            </a:effectRef>
+            <a:fontRef idx="minor">
+              <a:schemeClr val="lt1"/>
+            </a:fontRef>
+          </p:style>
+          <p:txBody>
+            <a:bodyPr rtlCol="0" anchor="ctr"/>
+            <a:lstStyle/>
+            <a:p>
+              <a:pPr algn="ctr"/>
+              <a:endParaRPr lang="pt-BR"/>
+            </a:p>
+          </p:txBody>
+        </p:sp>
+        <p:sp>
+          <p:nvSpPr>
+            <p:cNvPr id="7" name="Retângulo 6">
+              <a:extLst>
+                <a:ext uri="{FF2B5EF4-FFF2-40B4-BE49-F238E27FC236}">
+                  <a16:creationId xmlns:a16="http://schemas.microsoft.com/office/drawing/2014/main" id="{6DA47CFF-046A-4E8C-9A1F-5BF8B03C304A}"/>
+                </a:ext>
+              </a:extLst>
+            </p:cNvPr>
+            <p:cNvSpPr/>
+            <p:nvPr/>
+          </p:nvSpPr>
+          <p:spPr>
+            <a:xfrm>
+              <a:off x="-246392" y="273246"/>
+              <a:ext cx="157100" cy="185297"/>
+            </a:xfrm>
+            <a:prstGeom prst="rect">
+              <a:avLst/>
+            </a:prstGeom>
+            <a:solidFill>
+              <a:srgbClr val="34977E"/>
+            </a:solidFill>
+            <a:ln>
+              <a:noFill/>
+            </a:ln>
+          </p:spPr>
+          <p:style>
+            <a:lnRef idx="2">
+              <a:schemeClr val="accent1">
+                <a:shade val="50000"/>
+              </a:schemeClr>
+            </a:lnRef>
+            <a:fillRef idx="1">
+              <a:schemeClr val="accent1"/>
+            </a:fillRef>
+            <a:effectRef idx="0">
+              <a:schemeClr val="accent1"/>
+            </a:effectRef>
+            <a:fontRef idx="minor">
+              <a:schemeClr val="lt1"/>
+            </a:fontRef>
+          </p:style>
+          <p:txBody>
+            <a:bodyPr rtlCol="0" anchor="ctr"/>
+            <a:lstStyle/>
+            <a:p>
+              <a:pPr algn="ctr"/>
+              <a:endParaRPr lang="pt-BR"/>
+            </a:p>
+          </p:txBody>
+        </p:sp>
+      </p:grpSp>
     </p:spTree>
     <p:extLst>
       <p:ext uri="{BB962C8B-B14F-4D97-AF65-F5344CB8AC3E}">
@@ -3947,7 +4676,7 @@
         </p:nvSpPr>
         <p:spPr>
           <a:xfrm>
-            <a:off x="-1" y="758973"/>
+            <a:off x="-1" y="635863"/>
             <a:ext cx="1979613" cy="707886"/>
           </a:xfrm>
           <a:prstGeom prst="rect">
@@ -3965,7 +4694,7 @@
             <a:r>
               <a:rPr lang="pt-BR" sz="4000" dirty="0" err="1">
                 <a:solidFill>
-                  <a:srgbClr val="E89B26"/>
+                  <a:srgbClr val="B5DE00"/>
                 </a:solidFill>
                 <a:latin typeface="Tahoma" panose="020B0604030504040204" pitchFamily="34" charset="0"/>
                 <a:ea typeface="Tahoma" panose="020B0604030504040204" pitchFamily="34" charset="0"/>
@@ -3975,7 +4704,7 @@
             </a:r>
             <a:endParaRPr lang="pt-BR" sz="4000" dirty="0">
               <a:solidFill>
-                <a:srgbClr val="E89B26"/>
+                <a:srgbClr val="B5DE00"/>
               </a:solidFill>
               <a:latin typeface="Tahoma" panose="020B0604030504040204" pitchFamily="34" charset="0"/>
               <a:ea typeface="Tahoma" panose="020B0604030504040204" pitchFamily="34" charset="0"/>
@@ -3984,6 +4713,185 @@
           </a:p>
         </p:txBody>
       </p:sp>
+      <p:sp>
+        <p:nvSpPr>
+          <p:cNvPr id="3" name="Retângulo 2">
+            <a:extLst>
+              <a:ext uri="{FF2B5EF4-FFF2-40B4-BE49-F238E27FC236}">
+                <a16:creationId xmlns:a16="http://schemas.microsoft.com/office/drawing/2014/main" id="{2C286A72-09BF-40F0-8DB3-5422DBDB5C46}"/>
+              </a:ext>
+            </a:extLst>
+          </p:cNvPr>
+          <p:cNvSpPr/>
+          <p:nvPr/>
+        </p:nvSpPr>
+        <p:spPr>
+          <a:xfrm>
+            <a:off x="0" y="0"/>
+            <a:ext cx="1979612" cy="1979613"/>
+          </a:xfrm>
+          <a:prstGeom prst="rect">
+            <a:avLst/>
+          </a:prstGeom>
+          <a:noFill/>
+          <a:ln w="15875">
+            <a:solidFill>
+              <a:schemeClr val="bg1">
+                <a:lumMod val="65000"/>
+              </a:schemeClr>
+            </a:solidFill>
+          </a:ln>
+        </p:spPr>
+        <p:style>
+          <a:lnRef idx="2">
+            <a:schemeClr val="accent1">
+              <a:shade val="50000"/>
+            </a:schemeClr>
+          </a:lnRef>
+          <a:fillRef idx="1">
+            <a:schemeClr val="accent1"/>
+          </a:fillRef>
+          <a:effectRef idx="0">
+            <a:schemeClr val="accent1"/>
+          </a:effectRef>
+          <a:fontRef idx="minor">
+            <a:schemeClr val="lt1"/>
+          </a:fontRef>
+        </p:style>
+        <p:txBody>
+          <a:bodyPr rtlCol="0" anchor="ctr"/>
+          <a:lstStyle/>
+          <a:p>
+            <a:pPr algn="ctr"/>
+            <a:endParaRPr lang="pt-BR"/>
+          </a:p>
+        </p:txBody>
+      </p:sp>
+      <p:grpSp>
+        <p:nvGrpSpPr>
+          <p:cNvPr id="5" name="Agrupar 4">
+            <a:extLst>
+              <a:ext uri="{FF2B5EF4-FFF2-40B4-BE49-F238E27FC236}">
+                <a16:creationId xmlns:a16="http://schemas.microsoft.com/office/drawing/2014/main" id="{4A2BD3CA-3165-458E-BC43-CBF07822EC27}"/>
+              </a:ext>
+            </a:extLst>
+          </p:cNvPr>
+          <p:cNvGrpSpPr/>
+          <p:nvPr/>
+        </p:nvGrpSpPr>
+        <p:grpSpPr>
+          <a:xfrm>
+            <a:off x="-246392" y="36254"/>
+            <a:ext cx="161800" cy="422289"/>
+            <a:chOff x="-246392" y="36254"/>
+            <a:chExt cx="161800" cy="422289"/>
+          </a:xfrm>
+        </p:grpSpPr>
+        <p:sp>
+          <p:nvSpPr>
+            <p:cNvPr id="6" name="Retângulo 5">
+              <a:extLst>
+                <a:ext uri="{FF2B5EF4-FFF2-40B4-BE49-F238E27FC236}">
+                  <a16:creationId xmlns:a16="http://schemas.microsoft.com/office/drawing/2014/main" id="{DC420D35-083D-4467-AE53-B2EBF5BF73E1}"/>
+                </a:ext>
+              </a:extLst>
+            </p:cNvPr>
+            <p:cNvSpPr/>
+            <p:nvPr/>
+          </p:nvSpPr>
+          <p:spPr>
+            <a:xfrm>
+              <a:off x="-241692" y="36254"/>
+              <a:ext cx="157100" cy="185297"/>
+            </a:xfrm>
+            <a:prstGeom prst="rect">
+              <a:avLst/>
+            </a:prstGeom>
+            <a:solidFill>
+              <a:srgbClr val="B5DE00"/>
+            </a:solidFill>
+            <a:ln>
+              <a:noFill/>
+            </a:ln>
+          </p:spPr>
+          <p:style>
+            <a:lnRef idx="2">
+              <a:schemeClr val="accent1">
+                <a:shade val="50000"/>
+              </a:schemeClr>
+            </a:lnRef>
+            <a:fillRef idx="1">
+              <a:schemeClr val="accent1"/>
+            </a:fillRef>
+            <a:effectRef idx="0">
+              <a:schemeClr val="accent1"/>
+            </a:effectRef>
+            <a:fontRef idx="minor">
+              <a:schemeClr val="lt1"/>
+            </a:fontRef>
+          </p:style>
+          <p:txBody>
+            <a:bodyPr rtlCol="0" anchor="ctr"/>
+            <a:lstStyle/>
+            <a:p>
+              <a:pPr algn="ctr"/>
+              <a:endParaRPr lang="pt-BR"/>
+            </a:p>
+          </p:txBody>
+        </p:sp>
+        <p:sp>
+          <p:nvSpPr>
+            <p:cNvPr id="7" name="Retângulo 6">
+              <a:extLst>
+                <a:ext uri="{FF2B5EF4-FFF2-40B4-BE49-F238E27FC236}">
+                  <a16:creationId xmlns:a16="http://schemas.microsoft.com/office/drawing/2014/main" id="{CCFCE40B-B5D9-4567-83C2-104E4DD30E0A}"/>
+                </a:ext>
+              </a:extLst>
+            </p:cNvPr>
+            <p:cNvSpPr/>
+            <p:nvPr/>
+          </p:nvSpPr>
+          <p:spPr>
+            <a:xfrm>
+              <a:off x="-246392" y="273246"/>
+              <a:ext cx="157100" cy="185297"/>
+            </a:xfrm>
+            <a:prstGeom prst="rect">
+              <a:avLst/>
+            </a:prstGeom>
+            <a:solidFill>
+              <a:srgbClr val="34977E"/>
+            </a:solidFill>
+            <a:ln>
+              <a:noFill/>
+            </a:ln>
+          </p:spPr>
+          <p:style>
+            <a:lnRef idx="2">
+              <a:schemeClr val="accent1">
+                <a:shade val="50000"/>
+              </a:schemeClr>
+            </a:lnRef>
+            <a:fillRef idx="1">
+              <a:schemeClr val="accent1"/>
+            </a:fillRef>
+            <a:effectRef idx="0">
+              <a:schemeClr val="accent1"/>
+            </a:effectRef>
+            <a:fontRef idx="minor">
+              <a:schemeClr val="lt1"/>
+            </a:fontRef>
+          </p:style>
+          <p:txBody>
+            <a:bodyPr rtlCol="0" anchor="ctr"/>
+            <a:lstStyle/>
+            <a:p>
+              <a:pPr algn="ctr"/>
+              <a:endParaRPr lang="pt-BR"/>
+            </a:p>
+          </p:txBody>
+        </p:sp>
+      </p:grpSp>
     </p:spTree>
     <p:extLst>
       <p:ext uri="{BB962C8B-B14F-4D97-AF65-F5344CB8AC3E}">
@@ -4036,7 +4944,7 @@
         </p:nvSpPr>
         <p:spPr>
           <a:xfrm>
-            <a:off x="0" y="681119"/>
+            <a:off x="793" y="574307"/>
             <a:ext cx="1979613" cy="830997"/>
           </a:xfrm>
           <a:prstGeom prst="rect">
@@ -4050,6 +4958,7 @@
           </a:bodyPr>
           <a:lstStyle/>
           <a:p>
+            <a:pPr algn="ctr"/>
             <a:r>
               <a:rPr lang="pt-BR" sz="2400" dirty="0">
                 <a:solidFill>
@@ -4059,10 +4968,22 @@
                 <a:ea typeface="Tahoma" panose="020B0604030504040204" pitchFamily="34" charset="0"/>
                 <a:cs typeface="Tahoma" panose="020B0604030504040204" pitchFamily="34" charset="0"/>
               </a:rPr>
-              <a:t> Data</a:t>
-            </a:r>
-          </a:p>
-          <a:p>
+              <a:t> </a:t>
+            </a:r>
+            <a:r>
+              <a:rPr lang="pt-BR" sz="2400" dirty="0">
+                <a:solidFill>
+                  <a:srgbClr val="B5DE00"/>
+                </a:solidFill>
+                <a:latin typeface="Tahoma" panose="020B0604030504040204" pitchFamily="34" charset="0"/>
+                <a:ea typeface="Tahoma" panose="020B0604030504040204" pitchFamily="34" charset="0"/>
+                <a:cs typeface="Tahoma" panose="020B0604030504040204" pitchFamily="34" charset="0"/>
+              </a:rPr>
+              <a:t>Data</a:t>
+            </a:r>
+          </a:p>
+          <a:p>
+            <a:pPr algn="ctr"/>
             <a:r>
               <a:rPr lang="pt-BR" sz="2400" dirty="0">
                 <a:solidFill>
@@ -4072,11 +4993,201 @@
                 <a:ea typeface="Tahoma" panose="020B0604030504040204" pitchFamily="34" charset="0"/>
                 <a:cs typeface="Tahoma" panose="020B0604030504040204" pitchFamily="34" charset="0"/>
               </a:rPr>
-              <a:t> Science</a:t>
-            </a:r>
-          </a:p>
-        </p:txBody>
-      </p:sp>
+              <a:t> </a:t>
+            </a:r>
+            <a:r>
+              <a:rPr lang="pt-BR" sz="2400" dirty="0">
+                <a:solidFill>
+                  <a:srgbClr val="34977E"/>
+                </a:solidFill>
+                <a:latin typeface="Tahoma" panose="020B0604030504040204" pitchFamily="34" charset="0"/>
+                <a:ea typeface="Tahoma" panose="020B0604030504040204" pitchFamily="34" charset="0"/>
+                <a:cs typeface="Tahoma" panose="020B0604030504040204" pitchFamily="34" charset="0"/>
+              </a:rPr>
+              <a:t>Science</a:t>
+            </a:r>
+          </a:p>
+        </p:txBody>
+      </p:sp>
+      <p:sp>
+        <p:nvSpPr>
+          <p:cNvPr id="3" name="Retângulo 2">
+            <a:extLst>
+              <a:ext uri="{FF2B5EF4-FFF2-40B4-BE49-F238E27FC236}">
+                <a16:creationId xmlns:a16="http://schemas.microsoft.com/office/drawing/2014/main" id="{74A7C29D-F332-4D13-B29C-BC8CDDDD31F2}"/>
+              </a:ext>
+            </a:extLst>
+          </p:cNvPr>
+          <p:cNvSpPr/>
+          <p:nvPr/>
+        </p:nvSpPr>
+        <p:spPr>
+          <a:xfrm>
+            <a:off x="0" y="0"/>
+            <a:ext cx="1979612" cy="1979613"/>
+          </a:xfrm>
+          <a:prstGeom prst="rect">
+            <a:avLst/>
+          </a:prstGeom>
+          <a:noFill/>
+          <a:ln w="15875">
+            <a:solidFill>
+              <a:schemeClr val="bg1">
+                <a:lumMod val="65000"/>
+              </a:schemeClr>
+            </a:solidFill>
+          </a:ln>
+        </p:spPr>
+        <p:style>
+          <a:lnRef idx="2">
+            <a:schemeClr val="accent1">
+              <a:shade val="50000"/>
+            </a:schemeClr>
+          </a:lnRef>
+          <a:fillRef idx="1">
+            <a:schemeClr val="accent1"/>
+          </a:fillRef>
+          <a:effectRef idx="0">
+            <a:schemeClr val="accent1"/>
+          </a:effectRef>
+          <a:fontRef idx="minor">
+            <a:schemeClr val="lt1"/>
+          </a:fontRef>
+        </p:style>
+        <p:txBody>
+          <a:bodyPr rtlCol="0" anchor="ctr"/>
+          <a:lstStyle/>
+          <a:p>
+            <a:pPr algn="ctr"/>
+            <a:endParaRPr lang="pt-BR"/>
+          </a:p>
+        </p:txBody>
+      </p:sp>
+      <p:grpSp>
+        <p:nvGrpSpPr>
+          <p:cNvPr id="5" name="Agrupar 4">
+            <a:extLst>
+              <a:ext uri="{FF2B5EF4-FFF2-40B4-BE49-F238E27FC236}">
+                <a16:creationId xmlns:a16="http://schemas.microsoft.com/office/drawing/2014/main" id="{20D61A81-8AD5-48B9-9997-0DC2C43FA11A}"/>
+              </a:ext>
+            </a:extLst>
+          </p:cNvPr>
+          <p:cNvGrpSpPr/>
+          <p:nvPr/>
+        </p:nvGrpSpPr>
+        <p:grpSpPr>
+          <a:xfrm>
+            <a:off x="-246392" y="36254"/>
+            <a:ext cx="161800" cy="422289"/>
+            <a:chOff x="-246392" y="36254"/>
+            <a:chExt cx="161800" cy="422289"/>
+          </a:xfrm>
+        </p:grpSpPr>
+        <p:sp>
+          <p:nvSpPr>
+            <p:cNvPr id="6" name="Retângulo 5">
+              <a:extLst>
+                <a:ext uri="{FF2B5EF4-FFF2-40B4-BE49-F238E27FC236}">
+                  <a16:creationId xmlns:a16="http://schemas.microsoft.com/office/drawing/2014/main" id="{D23E42C2-6FEB-4E0C-95D5-830EC55023D9}"/>
+                </a:ext>
+              </a:extLst>
+            </p:cNvPr>
+            <p:cNvSpPr/>
+            <p:nvPr/>
+          </p:nvSpPr>
+          <p:spPr>
+            <a:xfrm>
+              <a:off x="-241692" y="36254"/>
+              <a:ext cx="157100" cy="185297"/>
+            </a:xfrm>
+            <a:prstGeom prst="rect">
+              <a:avLst/>
+            </a:prstGeom>
+            <a:solidFill>
+              <a:srgbClr val="B5DE00"/>
+            </a:solidFill>
+            <a:ln>
+              <a:noFill/>
+            </a:ln>
+          </p:spPr>
+          <p:style>
+            <a:lnRef idx="2">
+              <a:schemeClr val="accent1">
+                <a:shade val="50000"/>
+              </a:schemeClr>
+            </a:lnRef>
+            <a:fillRef idx="1">
+              <a:schemeClr val="accent1"/>
+            </a:fillRef>
+            <a:effectRef idx="0">
+              <a:schemeClr val="accent1"/>
+            </a:effectRef>
+            <a:fontRef idx="minor">
+              <a:schemeClr val="lt1"/>
+            </a:fontRef>
+          </p:style>
+          <p:txBody>
+            <a:bodyPr rtlCol="0" anchor="ctr"/>
+            <a:lstStyle/>
+            <a:p>
+              <a:pPr algn="ctr"/>
+              <a:endParaRPr lang="pt-BR"/>
+            </a:p>
+          </p:txBody>
+        </p:sp>
+        <p:sp>
+          <p:nvSpPr>
+            <p:cNvPr id="7" name="Retângulo 6">
+              <a:extLst>
+                <a:ext uri="{FF2B5EF4-FFF2-40B4-BE49-F238E27FC236}">
+                  <a16:creationId xmlns:a16="http://schemas.microsoft.com/office/drawing/2014/main" id="{CB66BA8E-5C18-48A3-BF5B-F3703F94F814}"/>
+                </a:ext>
+              </a:extLst>
+            </p:cNvPr>
+            <p:cNvSpPr/>
+            <p:nvPr/>
+          </p:nvSpPr>
+          <p:spPr>
+            <a:xfrm>
+              <a:off x="-246392" y="273246"/>
+              <a:ext cx="157100" cy="185297"/>
+            </a:xfrm>
+            <a:prstGeom prst="rect">
+              <a:avLst/>
+            </a:prstGeom>
+            <a:solidFill>
+              <a:srgbClr val="34977E"/>
+            </a:solidFill>
+            <a:ln>
+              <a:noFill/>
+            </a:ln>
+          </p:spPr>
+          <p:style>
+            <a:lnRef idx="2">
+              <a:schemeClr val="accent1">
+                <a:shade val="50000"/>
+              </a:schemeClr>
+            </a:lnRef>
+            <a:fillRef idx="1">
+              <a:schemeClr val="accent1"/>
+            </a:fillRef>
+            <a:effectRef idx="0">
+              <a:schemeClr val="accent1"/>
+            </a:effectRef>
+            <a:fontRef idx="minor">
+              <a:schemeClr val="lt1"/>
+            </a:fontRef>
+          </p:style>
+          <p:txBody>
+            <a:bodyPr rtlCol="0" anchor="ctr"/>
+            <a:lstStyle/>
+            <a:p>
+              <a:pPr algn="ctr"/>
+              <a:endParaRPr lang="pt-BR"/>
+            </a:p>
+          </p:txBody>
+        </p:sp>
+      </p:grpSp>
     </p:spTree>
     <p:extLst>
       <p:ext uri="{BB962C8B-B14F-4D97-AF65-F5344CB8AC3E}">
@@ -4129,7 +5240,7 @@
         </p:nvSpPr>
         <p:spPr>
           <a:xfrm>
-            <a:off x="-1" y="644865"/>
+            <a:off x="-1" y="575101"/>
             <a:ext cx="1979613" cy="830997"/>
           </a:xfrm>
           <a:prstGeom prst="rect">
@@ -4143,6 +5254,7 @@
           </a:bodyPr>
           <a:lstStyle/>
           <a:p>
+            <a:pPr algn="ctr"/>
             <a:r>
               <a:rPr lang="pt-BR" sz="2400" dirty="0">
                 <a:solidFill>
@@ -4157,7 +5269,7 @@
             <a:r>
               <a:rPr lang="pt-BR" sz="2400" dirty="0" err="1">
                 <a:solidFill>
-                  <a:schemeClr val="bg1"/>
+                  <a:srgbClr val="B5DE00"/>
                 </a:solidFill>
                 <a:latin typeface="Tahoma" panose="020B0604030504040204" pitchFamily="34" charset="0"/>
                 <a:ea typeface="Tahoma" panose="020B0604030504040204" pitchFamily="34" charset="0"/>
@@ -4167,7 +5279,7 @@
             </a:r>
             <a:endParaRPr lang="pt-BR" sz="2400" dirty="0">
               <a:solidFill>
-                <a:schemeClr val="bg1"/>
+                <a:srgbClr val="B5DE00"/>
               </a:solidFill>
               <a:latin typeface="Tahoma" panose="020B0604030504040204" pitchFamily="34" charset="0"/>
               <a:ea typeface="Tahoma" panose="020B0604030504040204" pitchFamily="34" charset="0"/>
@@ -4175,6 +5287,7 @@
             </a:endParaRPr>
           </a:p>
           <a:p>
+            <a:pPr algn="ctr"/>
             <a:r>
               <a:rPr lang="pt-BR" sz="2400" dirty="0">
                 <a:solidFill>
@@ -4184,12 +5297,23 @@
                 <a:ea typeface="Tahoma" panose="020B0604030504040204" pitchFamily="34" charset="0"/>
                 <a:cs typeface="Tahoma" panose="020B0604030504040204" pitchFamily="34" charset="0"/>
               </a:rPr>
-              <a:t> &amp; </a:t>
+              <a:t> </a:t>
+            </a:r>
+            <a:r>
+              <a:rPr lang="pt-BR" sz="2400" dirty="0">
+                <a:solidFill>
+                  <a:srgbClr val="34977E"/>
+                </a:solidFill>
+                <a:latin typeface="Tahoma" panose="020B0604030504040204" pitchFamily="34" charset="0"/>
+                <a:ea typeface="Tahoma" panose="020B0604030504040204" pitchFamily="34" charset="0"/>
+                <a:cs typeface="Tahoma" panose="020B0604030504040204" pitchFamily="34" charset="0"/>
+              </a:rPr>
+              <a:t>&amp; </a:t>
             </a:r>
             <a:r>
               <a:rPr lang="pt-BR" sz="2400" dirty="0" err="1">
                 <a:solidFill>
-                  <a:srgbClr val="E89B26"/>
+                  <a:srgbClr val="34977E"/>
                 </a:solidFill>
                 <a:latin typeface="Tahoma" panose="020B0604030504040204" pitchFamily="34" charset="0"/>
                 <a:ea typeface="Tahoma" panose="020B0604030504040204" pitchFamily="34" charset="0"/>
@@ -4199,7 +5323,7 @@
             </a:r>
             <a:endParaRPr lang="pt-BR" sz="2400" dirty="0">
               <a:solidFill>
-                <a:srgbClr val="E89B26"/>
+                <a:srgbClr val="34977E"/>
               </a:solidFill>
               <a:latin typeface="Tahoma" panose="020B0604030504040204" pitchFamily="34" charset="0"/>
               <a:ea typeface="Tahoma" panose="020B0604030504040204" pitchFamily="34" charset="0"/>
@@ -4208,6 +5332,185 @@
           </a:p>
         </p:txBody>
       </p:sp>
+      <p:sp>
+        <p:nvSpPr>
+          <p:cNvPr id="3" name="Retângulo 2">
+            <a:extLst>
+              <a:ext uri="{FF2B5EF4-FFF2-40B4-BE49-F238E27FC236}">
+                <a16:creationId xmlns:a16="http://schemas.microsoft.com/office/drawing/2014/main" id="{12D4FB0B-6491-4CBB-BC47-68D214663259}"/>
+              </a:ext>
+            </a:extLst>
+          </p:cNvPr>
+          <p:cNvSpPr/>
+          <p:nvPr/>
+        </p:nvSpPr>
+        <p:spPr>
+          <a:xfrm>
+            <a:off x="0" y="0"/>
+            <a:ext cx="1979612" cy="1979613"/>
+          </a:xfrm>
+          <a:prstGeom prst="rect">
+            <a:avLst/>
+          </a:prstGeom>
+          <a:noFill/>
+          <a:ln w="15875">
+            <a:solidFill>
+              <a:schemeClr val="bg1">
+                <a:lumMod val="65000"/>
+              </a:schemeClr>
+            </a:solidFill>
+          </a:ln>
+        </p:spPr>
+        <p:style>
+          <a:lnRef idx="2">
+            <a:schemeClr val="accent1">
+              <a:shade val="50000"/>
+            </a:schemeClr>
+          </a:lnRef>
+          <a:fillRef idx="1">
+            <a:schemeClr val="accent1"/>
+          </a:fillRef>
+          <a:effectRef idx="0">
+            <a:schemeClr val="accent1"/>
+          </a:effectRef>
+          <a:fontRef idx="minor">
+            <a:schemeClr val="lt1"/>
+          </a:fontRef>
+        </p:style>
+        <p:txBody>
+          <a:bodyPr rtlCol="0" anchor="ctr"/>
+          <a:lstStyle/>
+          <a:p>
+            <a:pPr algn="ctr"/>
+            <a:endParaRPr lang="pt-BR"/>
+          </a:p>
+        </p:txBody>
+      </p:sp>
+      <p:grpSp>
+        <p:nvGrpSpPr>
+          <p:cNvPr id="5" name="Agrupar 4">
+            <a:extLst>
+              <a:ext uri="{FF2B5EF4-FFF2-40B4-BE49-F238E27FC236}">
+                <a16:creationId xmlns:a16="http://schemas.microsoft.com/office/drawing/2014/main" id="{29AB1F1E-3A55-41EA-A79A-48A8DCB62801}"/>
+              </a:ext>
+            </a:extLst>
+          </p:cNvPr>
+          <p:cNvGrpSpPr/>
+          <p:nvPr/>
+        </p:nvGrpSpPr>
+        <p:grpSpPr>
+          <a:xfrm>
+            <a:off x="-246392" y="36254"/>
+            <a:ext cx="161800" cy="422289"/>
+            <a:chOff x="-246392" y="36254"/>
+            <a:chExt cx="161800" cy="422289"/>
+          </a:xfrm>
+        </p:grpSpPr>
+        <p:sp>
+          <p:nvSpPr>
+            <p:cNvPr id="6" name="Retângulo 5">
+              <a:extLst>
+                <a:ext uri="{FF2B5EF4-FFF2-40B4-BE49-F238E27FC236}">
+                  <a16:creationId xmlns:a16="http://schemas.microsoft.com/office/drawing/2014/main" id="{4B7A87EC-C1FE-49E4-9D21-8422702CC1DD}"/>
+                </a:ext>
+              </a:extLst>
+            </p:cNvPr>
+            <p:cNvSpPr/>
+            <p:nvPr/>
+          </p:nvSpPr>
+          <p:spPr>
+            <a:xfrm>
+              <a:off x="-241692" y="36254"/>
+              <a:ext cx="157100" cy="185297"/>
+            </a:xfrm>
+            <a:prstGeom prst="rect">
+              <a:avLst/>
+            </a:prstGeom>
+            <a:solidFill>
+              <a:srgbClr val="B5DE00"/>
+            </a:solidFill>
+            <a:ln>
+              <a:noFill/>
+            </a:ln>
+          </p:spPr>
+          <p:style>
+            <a:lnRef idx="2">
+              <a:schemeClr val="accent1">
+                <a:shade val="50000"/>
+              </a:schemeClr>
+            </a:lnRef>
+            <a:fillRef idx="1">
+              <a:schemeClr val="accent1"/>
+            </a:fillRef>
+            <a:effectRef idx="0">
+              <a:schemeClr val="accent1"/>
+            </a:effectRef>
+            <a:fontRef idx="minor">
+              <a:schemeClr val="lt1"/>
+            </a:fontRef>
+          </p:style>
+          <p:txBody>
+            <a:bodyPr rtlCol="0" anchor="ctr"/>
+            <a:lstStyle/>
+            <a:p>
+              <a:pPr algn="ctr"/>
+              <a:endParaRPr lang="pt-BR"/>
+            </a:p>
+          </p:txBody>
+        </p:sp>
+        <p:sp>
+          <p:nvSpPr>
+            <p:cNvPr id="7" name="Retângulo 6">
+              <a:extLst>
+                <a:ext uri="{FF2B5EF4-FFF2-40B4-BE49-F238E27FC236}">
+                  <a16:creationId xmlns:a16="http://schemas.microsoft.com/office/drawing/2014/main" id="{538B2BC2-75CB-49A5-9169-2A1F715EC3B8}"/>
+                </a:ext>
+              </a:extLst>
+            </p:cNvPr>
+            <p:cNvSpPr/>
+            <p:nvPr/>
+          </p:nvSpPr>
+          <p:spPr>
+            <a:xfrm>
+              <a:off x="-246392" y="273246"/>
+              <a:ext cx="157100" cy="185297"/>
+            </a:xfrm>
+            <a:prstGeom prst="rect">
+              <a:avLst/>
+            </a:prstGeom>
+            <a:solidFill>
+              <a:srgbClr val="34977E"/>
+            </a:solidFill>
+            <a:ln>
+              <a:noFill/>
+            </a:ln>
+          </p:spPr>
+          <p:style>
+            <a:lnRef idx="2">
+              <a:schemeClr val="accent1">
+                <a:shade val="50000"/>
+              </a:schemeClr>
+            </a:lnRef>
+            <a:fillRef idx="1">
+              <a:schemeClr val="accent1"/>
+            </a:fillRef>
+            <a:effectRef idx="0">
+              <a:schemeClr val="accent1"/>
+            </a:effectRef>
+            <a:fontRef idx="minor">
+              <a:schemeClr val="lt1"/>
+            </a:fontRef>
+          </p:style>
+          <p:txBody>
+            <a:bodyPr rtlCol="0" anchor="ctr"/>
+            <a:lstStyle/>
+            <a:p>
+              <a:pPr algn="ctr"/>
+              <a:endParaRPr lang="pt-BR"/>
+            </a:p>
+          </p:txBody>
+        </p:sp>
+      </p:grpSp>
     </p:spTree>
     <p:extLst>
       <p:ext uri="{BB962C8B-B14F-4D97-AF65-F5344CB8AC3E}">
@@ -4260,7 +5563,7 @@
         </p:nvSpPr>
         <p:spPr>
           <a:xfrm>
-            <a:off x="0" y="685148"/>
+            <a:off x="0" y="574307"/>
             <a:ext cx="1979613" cy="830997"/>
           </a:xfrm>
           <a:prstGeom prst="rect">
@@ -4274,6 +5577,7 @@
           </a:bodyPr>
           <a:lstStyle/>
           <a:p>
+            <a:pPr algn="ctr"/>
             <a:r>
               <a:rPr lang="pt-BR" sz="2400" dirty="0">
                 <a:solidFill>
@@ -4283,10 +5587,22 @@
                 <a:ea typeface="Tahoma" panose="020B0604030504040204" pitchFamily="34" charset="0"/>
                 <a:cs typeface="Tahoma" panose="020B0604030504040204" pitchFamily="34" charset="0"/>
               </a:rPr>
-              <a:t> Quantum</a:t>
-            </a:r>
-          </a:p>
-          <a:p>
+              <a:t> </a:t>
+            </a:r>
+            <a:r>
+              <a:rPr lang="pt-BR" sz="2400" dirty="0">
+                <a:solidFill>
+                  <a:srgbClr val="B5DE00"/>
+                </a:solidFill>
+                <a:latin typeface="Tahoma" panose="020B0604030504040204" pitchFamily="34" charset="0"/>
+                <a:ea typeface="Tahoma" panose="020B0604030504040204" pitchFamily="34" charset="0"/>
+                <a:cs typeface="Tahoma" panose="020B0604030504040204" pitchFamily="34" charset="0"/>
+              </a:rPr>
+              <a:t>Quantum</a:t>
+            </a:r>
+          </a:p>
+          <a:p>
+            <a:pPr algn="ctr"/>
             <a:r>
               <a:rPr lang="pt-BR" sz="2400" dirty="0">
                 <a:solidFill>
@@ -4301,7 +5617,7 @@
             <a:r>
               <a:rPr lang="pt-BR" sz="2400" dirty="0" err="1">
                 <a:solidFill>
-                  <a:srgbClr val="E89B26"/>
+                  <a:srgbClr val="34977E"/>
                 </a:solidFill>
                 <a:latin typeface="Tahoma" panose="020B0604030504040204" pitchFamily="34" charset="0"/>
                 <a:ea typeface="Tahoma" panose="020B0604030504040204" pitchFamily="34" charset="0"/>
@@ -4311,7 +5627,7 @@
             </a:r>
             <a:endParaRPr lang="pt-BR" sz="2400" dirty="0">
               <a:solidFill>
-                <a:srgbClr val="E89B26"/>
+                <a:srgbClr val="34977E"/>
               </a:solidFill>
               <a:latin typeface="Tahoma" panose="020B0604030504040204" pitchFamily="34" charset="0"/>
               <a:ea typeface="Tahoma" panose="020B0604030504040204" pitchFamily="34" charset="0"/>
@@ -4320,6 +5636,185 @@
           </a:p>
         </p:txBody>
       </p:sp>
+      <p:sp>
+        <p:nvSpPr>
+          <p:cNvPr id="3" name="Retângulo 2">
+            <a:extLst>
+              <a:ext uri="{FF2B5EF4-FFF2-40B4-BE49-F238E27FC236}">
+                <a16:creationId xmlns:a16="http://schemas.microsoft.com/office/drawing/2014/main" id="{3C030ADF-D9D4-4B0A-B155-F682443E5165}"/>
+              </a:ext>
+            </a:extLst>
+          </p:cNvPr>
+          <p:cNvSpPr/>
+          <p:nvPr/>
+        </p:nvSpPr>
+        <p:spPr>
+          <a:xfrm>
+            <a:off x="0" y="0"/>
+            <a:ext cx="1979612" cy="1979613"/>
+          </a:xfrm>
+          <a:prstGeom prst="rect">
+            <a:avLst/>
+          </a:prstGeom>
+          <a:noFill/>
+          <a:ln w="15875">
+            <a:solidFill>
+              <a:schemeClr val="bg1">
+                <a:lumMod val="65000"/>
+              </a:schemeClr>
+            </a:solidFill>
+          </a:ln>
+        </p:spPr>
+        <p:style>
+          <a:lnRef idx="2">
+            <a:schemeClr val="accent1">
+              <a:shade val="50000"/>
+            </a:schemeClr>
+          </a:lnRef>
+          <a:fillRef idx="1">
+            <a:schemeClr val="accent1"/>
+          </a:fillRef>
+          <a:effectRef idx="0">
+            <a:schemeClr val="accent1"/>
+          </a:effectRef>
+          <a:fontRef idx="minor">
+            <a:schemeClr val="lt1"/>
+          </a:fontRef>
+        </p:style>
+        <p:txBody>
+          <a:bodyPr rtlCol="0" anchor="ctr"/>
+          <a:lstStyle/>
+          <a:p>
+            <a:pPr algn="ctr"/>
+            <a:endParaRPr lang="pt-BR"/>
+          </a:p>
+        </p:txBody>
+      </p:sp>
+      <p:grpSp>
+        <p:nvGrpSpPr>
+          <p:cNvPr id="5" name="Agrupar 4">
+            <a:extLst>
+              <a:ext uri="{FF2B5EF4-FFF2-40B4-BE49-F238E27FC236}">
+                <a16:creationId xmlns:a16="http://schemas.microsoft.com/office/drawing/2014/main" id="{2D03CE55-8E43-42F4-8666-DC1A29871297}"/>
+              </a:ext>
+            </a:extLst>
+          </p:cNvPr>
+          <p:cNvGrpSpPr/>
+          <p:nvPr/>
+        </p:nvGrpSpPr>
+        <p:grpSpPr>
+          <a:xfrm>
+            <a:off x="-246392" y="36254"/>
+            <a:ext cx="161800" cy="422289"/>
+            <a:chOff x="-246392" y="36254"/>
+            <a:chExt cx="161800" cy="422289"/>
+          </a:xfrm>
+        </p:grpSpPr>
+        <p:sp>
+          <p:nvSpPr>
+            <p:cNvPr id="6" name="Retângulo 5">
+              <a:extLst>
+                <a:ext uri="{FF2B5EF4-FFF2-40B4-BE49-F238E27FC236}">
+                  <a16:creationId xmlns:a16="http://schemas.microsoft.com/office/drawing/2014/main" id="{AB58E100-6C79-4309-B08A-B0C99D8DCF5A}"/>
+                </a:ext>
+              </a:extLst>
+            </p:cNvPr>
+            <p:cNvSpPr/>
+            <p:nvPr/>
+          </p:nvSpPr>
+          <p:spPr>
+            <a:xfrm>
+              <a:off x="-241692" y="36254"/>
+              <a:ext cx="157100" cy="185297"/>
+            </a:xfrm>
+            <a:prstGeom prst="rect">
+              <a:avLst/>
+            </a:prstGeom>
+            <a:solidFill>
+              <a:srgbClr val="B5DE00"/>
+            </a:solidFill>
+            <a:ln>
+              <a:noFill/>
+            </a:ln>
+          </p:spPr>
+          <p:style>
+            <a:lnRef idx="2">
+              <a:schemeClr val="accent1">
+                <a:shade val="50000"/>
+              </a:schemeClr>
+            </a:lnRef>
+            <a:fillRef idx="1">
+              <a:schemeClr val="accent1"/>
+            </a:fillRef>
+            <a:effectRef idx="0">
+              <a:schemeClr val="accent1"/>
+            </a:effectRef>
+            <a:fontRef idx="minor">
+              <a:schemeClr val="lt1"/>
+            </a:fontRef>
+          </p:style>
+          <p:txBody>
+            <a:bodyPr rtlCol="0" anchor="ctr"/>
+            <a:lstStyle/>
+            <a:p>
+              <a:pPr algn="ctr"/>
+              <a:endParaRPr lang="pt-BR"/>
+            </a:p>
+          </p:txBody>
+        </p:sp>
+        <p:sp>
+          <p:nvSpPr>
+            <p:cNvPr id="7" name="Retângulo 6">
+              <a:extLst>
+                <a:ext uri="{FF2B5EF4-FFF2-40B4-BE49-F238E27FC236}">
+                  <a16:creationId xmlns:a16="http://schemas.microsoft.com/office/drawing/2014/main" id="{4CB5DC5F-AD89-477A-A8C2-3ADA0F6972FD}"/>
+                </a:ext>
+              </a:extLst>
+            </p:cNvPr>
+            <p:cNvSpPr/>
+            <p:nvPr/>
+          </p:nvSpPr>
+          <p:spPr>
+            <a:xfrm>
+              <a:off x="-246392" y="273246"/>
+              <a:ext cx="157100" cy="185297"/>
+            </a:xfrm>
+            <a:prstGeom prst="rect">
+              <a:avLst/>
+            </a:prstGeom>
+            <a:solidFill>
+              <a:srgbClr val="34977E"/>
+            </a:solidFill>
+            <a:ln>
+              <a:noFill/>
+            </a:ln>
+          </p:spPr>
+          <p:style>
+            <a:lnRef idx="2">
+              <a:schemeClr val="accent1">
+                <a:shade val="50000"/>
+              </a:schemeClr>
+            </a:lnRef>
+            <a:fillRef idx="1">
+              <a:schemeClr val="accent1"/>
+            </a:fillRef>
+            <a:effectRef idx="0">
+              <a:schemeClr val="accent1"/>
+            </a:effectRef>
+            <a:fontRef idx="minor">
+              <a:schemeClr val="lt1"/>
+            </a:fontRef>
+          </p:style>
+          <p:txBody>
+            <a:bodyPr rtlCol="0" anchor="ctr"/>
+            <a:lstStyle/>
+            <a:p>
+              <a:pPr algn="ctr"/>
+              <a:endParaRPr lang="pt-BR"/>
+            </a:p>
+          </p:txBody>
+        </p:sp>
+      </p:grpSp>
     </p:spTree>
     <p:extLst>
       <p:ext uri="{BB962C8B-B14F-4D97-AF65-F5344CB8AC3E}">
@@ -4372,7 +5867,7 @@
         </p:nvSpPr>
         <p:spPr>
           <a:xfrm>
-            <a:off x="0" y="644866"/>
+            <a:off x="-1" y="575101"/>
             <a:ext cx="1979613" cy="830997"/>
           </a:xfrm>
           <a:prstGeom prst="rect">
@@ -4386,6 +5881,7 @@
           </a:bodyPr>
           <a:lstStyle/>
           <a:p>
+            <a:pPr algn="ctr"/>
             <a:r>
               <a:rPr lang="pt-BR" sz="2400" dirty="0">
                 <a:solidFill>
@@ -4395,10 +5891,22 @@
                 <a:ea typeface="Tahoma" panose="020B0604030504040204" pitchFamily="34" charset="0"/>
                 <a:cs typeface="Tahoma" panose="020B0604030504040204" pitchFamily="34" charset="0"/>
               </a:rPr>
-              <a:t>  Software</a:t>
-            </a:r>
-          </a:p>
-          <a:p>
+              <a:t>  </a:t>
+            </a:r>
+            <a:r>
+              <a:rPr lang="pt-BR" sz="2400" dirty="0">
+                <a:solidFill>
+                  <a:srgbClr val="B5DE00"/>
+                </a:solidFill>
+                <a:latin typeface="Tahoma" panose="020B0604030504040204" pitchFamily="34" charset="0"/>
+                <a:ea typeface="Tahoma" panose="020B0604030504040204" pitchFamily="34" charset="0"/>
+                <a:cs typeface="Tahoma" panose="020B0604030504040204" pitchFamily="34" charset="0"/>
+              </a:rPr>
+              <a:t>Software</a:t>
+            </a:r>
+          </a:p>
+          <a:p>
+            <a:pPr algn="ctr"/>
             <a:r>
               <a:rPr lang="pt-BR" sz="2400" dirty="0">
                 <a:solidFill>
@@ -4413,7 +5921,7 @@
             <a:r>
               <a:rPr lang="pt-BR" sz="2400" dirty="0" err="1">
                 <a:solidFill>
-                  <a:srgbClr val="E89B26"/>
+                  <a:srgbClr val="34977E"/>
                 </a:solidFill>
                 <a:latin typeface="Tahoma" panose="020B0604030504040204" pitchFamily="34" charset="0"/>
                 <a:ea typeface="Tahoma" panose="020B0604030504040204" pitchFamily="34" charset="0"/>
@@ -4423,7 +5931,7 @@
             </a:r>
             <a:endParaRPr lang="pt-BR" sz="2400" dirty="0">
               <a:solidFill>
-                <a:srgbClr val="E89B26"/>
+                <a:srgbClr val="34977E"/>
               </a:solidFill>
               <a:latin typeface="Tahoma" panose="020B0604030504040204" pitchFamily="34" charset="0"/>
               <a:ea typeface="Tahoma" panose="020B0604030504040204" pitchFamily="34" charset="0"/>
@@ -4432,6 +5940,185 @@
           </a:p>
         </p:txBody>
       </p:sp>
+      <p:sp>
+        <p:nvSpPr>
+          <p:cNvPr id="3" name="Retângulo 2">
+            <a:extLst>
+              <a:ext uri="{FF2B5EF4-FFF2-40B4-BE49-F238E27FC236}">
+                <a16:creationId xmlns:a16="http://schemas.microsoft.com/office/drawing/2014/main" id="{641C25F2-E9F6-425B-9390-C60C774AC14C}"/>
+              </a:ext>
+            </a:extLst>
+          </p:cNvPr>
+          <p:cNvSpPr/>
+          <p:nvPr/>
+        </p:nvSpPr>
+        <p:spPr>
+          <a:xfrm>
+            <a:off x="0" y="0"/>
+            <a:ext cx="1979612" cy="1979613"/>
+          </a:xfrm>
+          <a:prstGeom prst="rect">
+            <a:avLst/>
+          </a:prstGeom>
+          <a:noFill/>
+          <a:ln w="15875">
+            <a:solidFill>
+              <a:schemeClr val="bg1">
+                <a:lumMod val="65000"/>
+              </a:schemeClr>
+            </a:solidFill>
+          </a:ln>
+        </p:spPr>
+        <p:style>
+          <a:lnRef idx="2">
+            <a:schemeClr val="accent1">
+              <a:shade val="50000"/>
+            </a:schemeClr>
+          </a:lnRef>
+          <a:fillRef idx="1">
+            <a:schemeClr val="accent1"/>
+          </a:fillRef>
+          <a:effectRef idx="0">
+            <a:schemeClr val="accent1"/>
+          </a:effectRef>
+          <a:fontRef idx="minor">
+            <a:schemeClr val="lt1"/>
+          </a:fontRef>
+        </p:style>
+        <p:txBody>
+          <a:bodyPr rtlCol="0" anchor="ctr"/>
+          <a:lstStyle/>
+          <a:p>
+            <a:pPr algn="ctr"/>
+            <a:endParaRPr lang="pt-BR"/>
+          </a:p>
+        </p:txBody>
+      </p:sp>
+      <p:grpSp>
+        <p:nvGrpSpPr>
+          <p:cNvPr id="5" name="Agrupar 4">
+            <a:extLst>
+              <a:ext uri="{FF2B5EF4-FFF2-40B4-BE49-F238E27FC236}">
+                <a16:creationId xmlns:a16="http://schemas.microsoft.com/office/drawing/2014/main" id="{454ED3D0-C988-463A-88A6-F1593334D3D5}"/>
+              </a:ext>
+            </a:extLst>
+          </p:cNvPr>
+          <p:cNvGrpSpPr/>
+          <p:nvPr/>
+        </p:nvGrpSpPr>
+        <p:grpSpPr>
+          <a:xfrm>
+            <a:off x="-246392" y="36254"/>
+            <a:ext cx="161800" cy="422289"/>
+            <a:chOff x="-246392" y="36254"/>
+            <a:chExt cx="161800" cy="422289"/>
+          </a:xfrm>
+        </p:grpSpPr>
+        <p:sp>
+          <p:nvSpPr>
+            <p:cNvPr id="6" name="Retângulo 5">
+              <a:extLst>
+                <a:ext uri="{FF2B5EF4-FFF2-40B4-BE49-F238E27FC236}">
+                  <a16:creationId xmlns:a16="http://schemas.microsoft.com/office/drawing/2014/main" id="{5FEE4092-1891-4912-9160-0F0CB9714208}"/>
+                </a:ext>
+              </a:extLst>
+            </p:cNvPr>
+            <p:cNvSpPr/>
+            <p:nvPr/>
+          </p:nvSpPr>
+          <p:spPr>
+            <a:xfrm>
+              <a:off x="-241692" y="36254"/>
+              <a:ext cx="157100" cy="185297"/>
+            </a:xfrm>
+            <a:prstGeom prst="rect">
+              <a:avLst/>
+            </a:prstGeom>
+            <a:solidFill>
+              <a:srgbClr val="B5DE00"/>
+            </a:solidFill>
+            <a:ln>
+              <a:noFill/>
+            </a:ln>
+          </p:spPr>
+          <p:style>
+            <a:lnRef idx="2">
+              <a:schemeClr val="accent1">
+                <a:shade val="50000"/>
+              </a:schemeClr>
+            </a:lnRef>
+            <a:fillRef idx="1">
+              <a:schemeClr val="accent1"/>
+            </a:fillRef>
+            <a:effectRef idx="0">
+              <a:schemeClr val="accent1"/>
+            </a:effectRef>
+            <a:fontRef idx="minor">
+              <a:schemeClr val="lt1"/>
+            </a:fontRef>
+          </p:style>
+          <p:txBody>
+            <a:bodyPr rtlCol="0" anchor="ctr"/>
+            <a:lstStyle/>
+            <a:p>
+              <a:pPr algn="ctr"/>
+              <a:endParaRPr lang="pt-BR"/>
+            </a:p>
+          </p:txBody>
+        </p:sp>
+        <p:sp>
+          <p:nvSpPr>
+            <p:cNvPr id="7" name="Retângulo 6">
+              <a:extLst>
+                <a:ext uri="{FF2B5EF4-FFF2-40B4-BE49-F238E27FC236}">
+                  <a16:creationId xmlns:a16="http://schemas.microsoft.com/office/drawing/2014/main" id="{EC6F7F15-9F0D-4E16-A901-F50F62941B38}"/>
+                </a:ext>
+              </a:extLst>
+            </p:cNvPr>
+            <p:cNvSpPr/>
+            <p:nvPr/>
+          </p:nvSpPr>
+          <p:spPr>
+            <a:xfrm>
+              <a:off x="-246392" y="273246"/>
+              <a:ext cx="157100" cy="185297"/>
+            </a:xfrm>
+            <a:prstGeom prst="rect">
+              <a:avLst/>
+            </a:prstGeom>
+            <a:solidFill>
+              <a:srgbClr val="34977E"/>
+            </a:solidFill>
+            <a:ln>
+              <a:noFill/>
+            </a:ln>
+          </p:spPr>
+          <p:style>
+            <a:lnRef idx="2">
+              <a:schemeClr val="accent1">
+                <a:shade val="50000"/>
+              </a:schemeClr>
+            </a:lnRef>
+            <a:fillRef idx="1">
+              <a:schemeClr val="accent1"/>
+            </a:fillRef>
+            <a:effectRef idx="0">
+              <a:schemeClr val="accent1"/>
+            </a:effectRef>
+            <a:fontRef idx="minor">
+              <a:schemeClr val="lt1"/>
+            </a:fontRef>
+          </p:style>
+          <p:txBody>
+            <a:bodyPr rtlCol="0" anchor="ctr"/>
+            <a:lstStyle/>
+            <a:p>
+              <a:pPr algn="ctr"/>
+              <a:endParaRPr lang="pt-BR"/>
+            </a:p>
+          </p:txBody>
+        </p:sp>
+      </p:grpSp>
     </p:spTree>
     <p:extLst>
       <p:ext uri="{BB962C8B-B14F-4D97-AF65-F5344CB8AC3E}">
@@ -4484,7 +6171,7 @@
         </p:nvSpPr>
         <p:spPr>
           <a:xfrm>
-            <a:off x="0" y="608838"/>
+            <a:off x="0" y="575101"/>
             <a:ext cx="1979613" cy="830997"/>
           </a:xfrm>
           <a:prstGeom prst="rect">
@@ -4498,6 +6185,7 @@
           </a:bodyPr>
           <a:lstStyle/>
           <a:p>
+            <a:pPr algn="ctr"/>
             <a:r>
               <a:rPr lang="pt-BR" sz="2400" dirty="0">
                 <a:solidFill>
@@ -4507,10 +6195,22 @@
                 <a:ea typeface="Tahoma" panose="020B0604030504040204" pitchFamily="34" charset="0"/>
                 <a:cs typeface="Tahoma" panose="020B0604030504040204" pitchFamily="34" charset="0"/>
               </a:rPr>
-              <a:t> Software</a:t>
-            </a:r>
-          </a:p>
-          <a:p>
+              <a:t> </a:t>
+            </a:r>
+            <a:r>
+              <a:rPr lang="pt-BR" sz="2400" dirty="0">
+                <a:solidFill>
+                  <a:srgbClr val="B5DE00"/>
+                </a:solidFill>
+                <a:latin typeface="Tahoma" panose="020B0604030504040204" pitchFamily="34" charset="0"/>
+                <a:ea typeface="Tahoma" panose="020B0604030504040204" pitchFamily="34" charset="0"/>
+                <a:cs typeface="Tahoma" panose="020B0604030504040204" pitchFamily="34" charset="0"/>
+              </a:rPr>
+              <a:t>Software</a:t>
+            </a:r>
+          </a:p>
+          <a:p>
+            <a:pPr algn="ctr"/>
             <a:r>
               <a:rPr lang="pt-BR" sz="2400" dirty="0">
                 <a:solidFill>
@@ -4525,7 +6225,7 @@
             <a:r>
               <a:rPr lang="pt-BR" sz="2400" dirty="0" err="1">
                 <a:solidFill>
-                  <a:srgbClr val="E89B26"/>
+                  <a:srgbClr val="34977E"/>
                 </a:solidFill>
                 <a:latin typeface="Tahoma" panose="020B0604030504040204" pitchFamily="34" charset="0"/>
                 <a:ea typeface="Tahoma" panose="020B0604030504040204" pitchFamily="34" charset="0"/>
@@ -4535,7 +6235,7 @@
             </a:r>
             <a:endParaRPr lang="pt-BR" sz="2400" dirty="0">
               <a:solidFill>
-                <a:srgbClr val="E89B26"/>
+                <a:srgbClr val="34977E"/>
               </a:solidFill>
               <a:latin typeface="Tahoma" panose="020B0604030504040204" pitchFamily="34" charset="0"/>
               <a:ea typeface="Tahoma" panose="020B0604030504040204" pitchFamily="34" charset="0"/>
@@ -4544,6 +6244,185 @@
           </a:p>
         </p:txBody>
       </p:sp>
+      <p:sp>
+        <p:nvSpPr>
+          <p:cNvPr id="3" name="Retângulo 2">
+            <a:extLst>
+              <a:ext uri="{FF2B5EF4-FFF2-40B4-BE49-F238E27FC236}">
+                <a16:creationId xmlns:a16="http://schemas.microsoft.com/office/drawing/2014/main" id="{5807823B-1F8B-460E-BE24-42E6818B7AEF}"/>
+              </a:ext>
+            </a:extLst>
+          </p:cNvPr>
+          <p:cNvSpPr/>
+          <p:nvPr/>
+        </p:nvSpPr>
+        <p:spPr>
+          <a:xfrm>
+            <a:off x="0" y="0"/>
+            <a:ext cx="1979612" cy="1979613"/>
+          </a:xfrm>
+          <a:prstGeom prst="rect">
+            <a:avLst/>
+          </a:prstGeom>
+          <a:noFill/>
+          <a:ln w="15875">
+            <a:solidFill>
+              <a:schemeClr val="bg1">
+                <a:lumMod val="65000"/>
+              </a:schemeClr>
+            </a:solidFill>
+          </a:ln>
+        </p:spPr>
+        <p:style>
+          <a:lnRef idx="2">
+            <a:schemeClr val="accent1">
+              <a:shade val="50000"/>
+            </a:schemeClr>
+          </a:lnRef>
+          <a:fillRef idx="1">
+            <a:schemeClr val="accent1"/>
+          </a:fillRef>
+          <a:effectRef idx="0">
+            <a:schemeClr val="accent1"/>
+          </a:effectRef>
+          <a:fontRef idx="minor">
+            <a:schemeClr val="lt1"/>
+          </a:fontRef>
+        </p:style>
+        <p:txBody>
+          <a:bodyPr rtlCol="0" anchor="ctr"/>
+          <a:lstStyle/>
+          <a:p>
+            <a:pPr algn="ctr"/>
+            <a:endParaRPr lang="pt-BR"/>
+          </a:p>
+        </p:txBody>
+      </p:sp>
+      <p:grpSp>
+        <p:nvGrpSpPr>
+          <p:cNvPr id="5" name="Agrupar 4">
+            <a:extLst>
+              <a:ext uri="{FF2B5EF4-FFF2-40B4-BE49-F238E27FC236}">
+                <a16:creationId xmlns:a16="http://schemas.microsoft.com/office/drawing/2014/main" id="{6ABA2BAF-3379-4317-A134-8B0435F5FAE1}"/>
+              </a:ext>
+            </a:extLst>
+          </p:cNvPr>
+          <p:cNvGrpSpPr/>
+          <p:nvPr/>
+        </p:nvGrpSpPr>
+        <p:grpSpPr>
+          <a:xfrm>
+            <a:off x="-246392" y="36254"/>
+            <a:ext cx="161800" cy="422289"/>
+            <a:chOff x="-246392" y="36254"/>
+            <a:chExt cx="161800" cy="422289"/>
+          </a:xfrm>
+        </p:grpSpPr>
+        <p:sp>
+          <p:nvSpPr>
+            <p:cNvPr id="6" name="Retângulo 5">
+              <a:extLst>
+                <a:ext uri="{FF2B5EF4-FFF2-40B4-BE49-F238E27FC236}">
+                  <a16:creationId xmlns:a16="http://schemas.microsoft.com/office/drawing/2014/main" id="{A8947149-B424-4D20-A080-E84FE6E53718}"/>
+                </a:ext>
+              </a:extLst>
+            </p:cNvPr>
+            <p:cNvSpPr/>
+            <p:nvPr/>
+          </p:nvSpPr>
+          <p:spPr>
+            <a:xfrm>
+              <a:off x="-241692" y="36254"/>
+              <a:ext cx="157100" cy="185297"/>
+            </a:xfrm>
+            <a:prstGeom prst="rect">
+              <a:avLst/>
+            </a:prstGeom>
+            <a:solidFill>
+              <a:srgbClr val="B5DE00"/>
+            </a:solidFill>
+            <a:ln>
+              <a:noFill/>
+            </a:ln>
+          </p:spPr>
+          <p:style>
+            <a:lnRef idx="2">
+              <a:schemeClr val="accent1">
+                <a:shade val="50000"/>
+              </a:schemeClr>
+            </a:lnRef>
+            <a:fillRef idx="1">
+              <a:schemeClr val="accent1"/>
+            </a:fillRef>
+            <a:effectRef idx="0">
+              <a:schemeClr val="accent1"/>
+            </a:effectRef>
+            <a:fontRef idx="minor">
+              <a:schemeClr val="lt1"/>
+            </a:fontRef>
+          </p:style>
+          <p:txBody>
+            <a:bodyPr rtlCol="0" anchor="ctr"/>
+            <a:lstStyle/>
+            <a:p>
+              <a:pPr algn="ctr"/>
+              <a:endParaRPr lang="pt-BR"/>
+            </a:p>
+          </p:txBody>
+        </p:sp>
+        <p:sp>
+          <p:nvSpPr>
+            <p:cNvPr id="7" name="Retângulo 6">
+              <a:extLst>
+                <a:ext uri="{FF2B5EF4-FFF2-40B4-BE49-F238E27FC236}">
+                  <a16:creationId xmlns:a16="http://schemas.microsoft.com/office/drawing/2014/main" id="{3F50E660-6D91-4A8D-AA04-E43BA92789F3}"/>
+                </a:ext>
+              </a:extLst>
+            </p:cNvPr>
+            <p:cNvSpPr/>
+            <p:nvPr/>
+          </p:nvSpPr>
+          <p:spPr>
+            <a:xfrm>
+              <a:off x="-246392" y="273246"/>
+              <a:ext cx="157100" cy="185297"/>
+            </a:xfrm>
+            <a:prstGeom prst="rect">
+              <a:avLst/>
+            </a:prstGeom>
+            <a:solidFill>
+              <a:srgbClr val="34977E"/>
+            </a:solidFill>
+            <a:ln>
+              <a:noFill/>
+            </a:ln>
+          </p:spPr>
+          <p:style>
+            <a:lnRef idx="2">
+              <a:schemeClr val="accent1">
+                <a:shade val="50000"/>
+              </a:schemeClr>
+            </a:lnRef>
+            <a:fillRef idx="1">
+              <a:schemeClr val="accent1"/>
+            </a:fillRef>
+            <a:effectRef idx="0">
+              <a:schemeClr val="accent1"/>
+            </a:effectRef>
+            <a:fontRef idx="minor">
+              <a:schemeClr val="lt1"/>
+            </a:fontRef>
+          </p:style>
+          <p:txBody>
+            <a:bodyPr rtlCol="0" anchor="ctr"/>
+            <a:lstStyle/>
+            <a:p>
+              <a:pPr algn="ctr"/>
+              <a:endParaRPr lang="pt-BR"/>
+            </a:p>
+          </p:txBody>
+        </p:sp>
+      </p:grpSp>
     </p:spTree>
     <p:extLst>
       <p:ext uri="{BB962C8B-B14F-4D97-AF65-F5344CB8AC3E}">
@@ -4614,7 +6493,7 @@
             <a:r>
               <a:rPr lang="pt-BR" sz="2400" dirty="0" err="1">
                 <a:solidFill>
-                  <a:srgbClr val="E89B26"/>
+                  <a:srgbClr val="B5DE00"/>
                 </a:solidFill>
                 <a:latin typeface="Tahoma" panose="020B0604030504040204" pitchFamily="34" charset="0"/>
                 <a:ea typeface="Tahoma" panose="020B0604030504040204" pitchFamily="34" charset="0"/>
@@ -4624,7 +6503,7 @@
             </a:r>
             <a:endParaRPr lang="pt-BR" sz="2400" dirty="0">
               <a:solidFill>
-                <a:srgbClr val="E89B26"/>
+                <a:srgbClr val="B5DE00"/>
               </a:solidFill>
               <a:latin typeface="Tahoma" panose="020B0604030504040204" pitchFamily="34" charset="0"/>
               <a:ea typeface="Tahoma" panose="020B0604030504040204" pitchFamily="34" charset="0"/>
@@ -4633,6 +6512,185 @@
           </a:p>
         </p:txBody>
       </p:sp>
+      <p:sp>
+        <p:nvSpPr>
+          <p:cNvPr id="3" name="Retângulo 2">
+            <a:extLst>
+              <a:ext uri="{FF2B5EF4-FFF2-40B4-BE49-F238E27FC236}">
+                <a16:creationId xmlns:a16="http://schemas.microsoft.com/office/drawing/2014/main" id="{1DCC2B7C-ADD0-42BE-8BCB-CDE8C63A77AE}"/>
+              </a:ext>
+            </a:extLst>
+          </p:cNvPr>
+          <p:cNvSpPr/>
+          <p:nvPr/>
+        </p:nvSpPr>
+        <p:spPr>
+          <a:xfrm>
+            <a:off x="0" y="0"/>
+            <a:ext cx="1979612" cy="1979613"/>
+          </a:xfrm>
+          <a:prstGeom prst="rect">
+            <a:avLst/>
+          </a:prstGeom>
+          <a:noFill/>
+          <a:ln w="15875">
+            <a:solidFill>
+              <a:schemeClr val="bg1">
+                <a:lumMod val="65000"/>
+              </a:schemeClr>
+            </a:solidFill>
+          </a:ln>
+        </p:spPr>
+        <p:style>
+          <a:lnRef idx="2">
+            <a:schemeClr val="accent1">
+              <a:shade val="50000"/>
+            </a:schemeClr>
+          </a:lnRef>
+          <a:fillRef idx="1">
+            <a:schemeClr val="accent1"/>
+          </a:fillRef>
+          <a:effectRef idx="0">
+            <a:schemeClr val="accent1"/>
+          </a:effectRef>
+          <a:fontRef idx="minor">
+            <a:schemeClr val="lt1"/>
+          </a:fontRef>
+        </p:style>
+        <p:txBody>
+          <a:bodyPr rtlCol="0" anchor="ctr"/>
+          <a:lstStyle/>
+          <a:p>
+            <a:pPr algn="ctr"/>
+            <a:endParaRPr lang="pt-BR"/>
+          </a:p>
+        </p:txBody>
+      </p:sp>
+      <p:grpSp>
+        <p:nvGrpSpPr>
+          <p:cNvPr id="5" name="Agrupar 4">
+            <a:extLst>
+              <a:ext uri="{FF2B5EF4-FFF2-40B4-BE49-F238E27FC236}">
+                <a16:creationId xmlns:a16="http://schemas.microsoft.com/office/drawing/2014/main" id="{A0522D5E-4009-4F3B-A7B9-6DC5845B2B65}"/>
+              </a:ext>
+            </a:extLst>
+          </p:cNvPr>
+          <p:cNvGrpSpPr/>
+          <p:nvPr/>
+        </p:nvGrpSpPr>
+        <p:grpSpPr>
+          <a:xfrm>
+            <a:off x="-246392" y="36254"/>
+            <a:ext cx="161800" cy="422289"/>
+            <a:chOff x="-246392" y="36254"/>
+            <a:chExt cx="161800" cy="422289"/>
+          </a:xfrm>
+        </p:grpSpPr>
+        <p:sp>
+          <p:nvSpPr>
+            <p:cNvPr id="6" name="Retângulo 5">
+              <a:extLst>
+                <a:ext uri="{FF2B5EF4-FFF2-40B4-BE49-F238E27FC236}">
+                  <a16:creationId xmlns:a16="http://schemas.microsoft.com/office/drawing/2014/main" id="{6FBB669D-47EB-4BCD-94DA-FE9FB442341C}"/>
+                </a:ext>
+              </a:extLst>
+            </p:cNvPr>
+            <p:cNvSpPr/>
+            <p:nvPr/>
+          </p:nvSpPr>
+          <p:spPr>
+            <a:xfrm>
+              <a:off x="-241692" y="36254"/>
+              <a:ext cx="157100" cy="185297"/>
+            </a:xfrm>
+            <a:prstGeom prst="rect">
+              <a:avLst/>
+            </a:prstGeom>
+            <a:solidFill>
+              <a:srgbClr val="B5DE00"/>
+            </a:solidFill>
+            <a:ln>
+              <a:noFill/>
+            </a:ln>
+          </p:spPr>
+          <p:style>
+            <a:lnRef idx="2">
+              <a:schemeClr val="accent1">
+                <a:shade val="50000"/>
+              </a:schemeClr>
+            </a:lnRef>
+            <a:fillRef idx="1">
+              <a:schemeClr val="accent1"/>
+            </a:fillRef>
+            <a:effectRef idx="0">
+              <a:schemeClr val="accent1"/>
+            </a:effectRef>
+            <a:fontRef idx="minor">
+              <a:schemeClr val="lt1"/>
+            </a:fontRef>
+          </p:style>
+          <p:txBody>
+            <a:bodyPr rtlCol="0" anchor="ctr"/>
+            <a:lstStyle/>
+            <a:p>
+              <a:pPr algn="ctr"/>
+              <a:endParaRPr lang="pt-BR"/>
+            </a:p>
+          </p:txBody>
+        </p:sp>
+        <p:sp>
+          <p:nvSpPr>
+            <p:cNvPr id="7" name="Retângulo 6">
+              <a:extLst>
+                <a:ext uri="{FF2B5EF4-FFF2-40B4-BE49-F238E27FC236}">
+                  <a16:creationId xmlns:a16="http://schemas.microsoft.com/office/drawing/2014/main" id="{DA7B543F-8FCE-4666-A7D8-93A24F4E75C0}"/>
+                </a:ext>
+              </a:extLst>
+            </p:cNvPr>
+            <p:cNvSpPr/>
+            <p:nvPr/>
+          </p:nvSpPr>
+          <p:spPr>
+            <a:xfrm>
+              <a:off x="-246392" y="273246"/>
+              <a:ext cx="157100" cy="185297"/>
+            </a:xfrm>
+            <a:prstGeom prst="rect">
+              <a:avLst/>
+            </a:prstGeom>
+            <a:solidFill>
+              <a:srgbClr val="34977E"/>
+            </a:solidFill>
+            <a:ln>
+              <a:noFill/>
+            </a:ln>
+          </p:spPr>
+          <p:style>
+            <a:lnRef idx="2">
+              <a:schemeClr val="accent1">
+                <a:shade val="50000"/>
+              </a:schemeClr>
+            </a:lnRef>
+            <a:fillRef idx="1">
+              <a:schemeClr val="accent1"/>
+            </a:fillRef>
+            <a:effectRef idx="0">
+              <a:schemeClr val="accent1"/>
+            </a:effectRef>
+            <a:fontRef idx="minor">
+              <a:schemeClr val="lt1"/>
+            </a:fontRef>
+          </p:style>
+          <p:txBody>
+            <a:bodyPr rtlCol="0" anchor="ctr"/>
+            <a:lstStyle/>
+            <a:p>
+              <a:pPr algn="ctr"/>
+              <a:endParaRPr lang="pt-BR"/>
+            </a:p>
+          </p:txBody>
+        </p:sp>
+      </p:grpSp>
     </p:spTree>
     <p:extLst>
       <p:ext uri="{BB962C8B-B14F-4D97-AF65-F5344CB8AC3E}">
@@ -4703,7 +6761,7 @@
             <a:r>
               <a:rPr lang="pt-BR" sz="2400" dirty="0" err="1">
                 <a:solidFill>
-                  <a:srgbClr val="E89B26"/>
+                  <a:srgbClr val="B5DE00"/>
                 </a:solidFill>
                 <a:latin typeface="Tahoma" panose="020B0604030504040204" pitchFamily="34" charset="0"/>
                 <a:ea typeface="Tahoma" panose="020B0604030504040204" pitchFamily="34" charset="0"/>
@@ -4713,7 +6771,7 @@
             </a:r>
             <a:endParaRPr lang="pt-BR" sz="2400" dirty="0">
               <a:solidFill>
-                <a:srgbClr val="E89B26"/>
+                <a:srgbClr val="B5DE00"/>
               </a:solidFill>
               <a:latin typeface="Tahoma" panose="020B0604030504040204" pitchFamily="34" charset="0"/>
               <a:ea typeface="Tahoma" panose="020B0604030504040204" pitchFamily="34" charset="0"/>
@@ -4722,6 +6780,185 @@
           </a:p>
         </p:txBody>
       </p:sp>
+      <p:sp>
+        <p:nvSpPr>
+          <p:cNvPr id="3" name="Retângulo 2">
+            <a:extLst>
+              <a:ext uri="{FF2B5EF4-FFF2-40B4-BE49-F238E27FC236}">
+                <a16:creationId xmlns:a16="http://schemas.microsoft.com/office/drawing/2014/main" id="{34EC900F-3C78-4838-9440-0C7EF0B00E58}"/>
+              </a:ext>
+            </a:extLst>
+          </p:cNvPr>
+          <p:cNvSpPr/>
+          <p:nvPr/>
+        </p:nvSpPr>
+        <p:spPr>
+          <a:xfrm>
+            <a:off x="0" y="0"/>
+            <a:ext cx="1979612" cy="1979613"/>
+          </a:xfrm>
+          <a:prstGeom prst="rect">
+            <a:avLst/>
+          </a:prstGeom>
+          <a:noFill/>
+          <a:ln w="15875">
+            <a:solidFill>
+              <a:schemeClr val="bg1">
+                <a:lumMod val="65000"/>
+              </a:schemeClr>
+            </a:solidFill>
+          </a:ln>
+        </p:spPr>
+        <p:style>
+          <a:lnRef idx="2">
+            <a:schemeClr val="accent1">
+              <a:shade val="50000"/>
+            </a:schemeClr>
+          </a:lnRef>
+          <a:fillRef idx="1">
+            <a:schemeClr val="accent1"/>
+          </a:fillRef>
+          <a:effectRef idx="0">
+            <a:schemeClr val="accent1"/>
+          </a:effectRef>
+          <a:fontRef idx="minor">
+            <a:schemeClr val="lt1"/>
+          </a:fontRef>
+        </p:style>
+        <p:txBody>
+          <a:bodyPr rtlCol="0" anchor="ctr"/>
+          <a:lstStyle/>
+          <a:p>
+            <a:pPr algn="ctr"/>
+            <a:endParaRPr lang="pt-BR"/>
+          </a:p>
+        </p:txBody>
+      </p:sp>
+      <p:grpSp>
+        <p:nvGrpSpPr>
+          <p:cNvPr id="5" name="Agrupar 4">
+            <a:extLst>
+              <a:ext uri="{FF2B5EF4-FFF2-40B4-BE49-F238E27FC236}">
+                <a16:creationId xmlns:a16="http://schemas.microsoft.com/office/drawing/2014/main" id="{BC7DCB1A-0434-4490-A7C5-65955BE16F42}"/>
+              </a:ext>
+            </a:extLst>
+          </p:cNvPr>
+          <p:cNvGrpSpPr/>
+          <p:nvPr/>
+        </p:nvGrpSpPr>
+        <p:grpSpPr>
+          <a:xfrm>
+            <a:off x="-246392" y="36254"/>
+            <a:ext cx="161800" cy="422289"/>
+            <a:chOff x="-246392" y="36254"/>
+            <a:chExt cx="161800" cy="422289"/>
+          </a:xfrm>
+        </p:grpSpPr>
+        <p:sp>
+          <p:nvSpPr>
+            <p:cNvPr id="6" name="Retângulo 5">
+              <a:extLst>
+                <a:ext uri="{FF2B5EF4-FFF2-40B4-BE49-F238E27FC236}">
+                  <a16:creationId xmlns:a16="http://schemas.microsoft.com/office/drawing/2014/main" id="{6B3A5869-3290-42BF-8110-F2AA140B6007}"/>
+                </a:ext>
+              </a:extLst>
+            </p:cNvPr>
+            <p:cNvSpPr/>
+            <p:nvPr/>
+          </p:nvSpPr>
+          <p:spPr>
+            <a:xfrm>
+              <a:off x="-241692" y="36254"/>
+              <a:ext cx="157100" cy="185297"/>
+            </a:xfrm>
+            <a:prstGeom prst="rect">
+              <a:avLst/>
+            </a:prstGeom>
+            <a:solidFill>
+              <a:srgbClr val="B5DE00"/>
+            </a:solidFill>
+            <a:ln>
+              <a:noFill/>
+            </a:ln>
+          </p:spPr>
+          <p:style>
+            <a:lnRef idx="2">
+              <a:schemeClr val="accent1">
+                <a:shade val="50000"/>
+              </a:schemeClr>
+            </a:lnRef>
+            <a:fillRef idx="1">
+              <a:schemeClr val="accent1"/>
+            </a:fillRef>
+            <a:effectRef idx="0">
+              <a:schemeClr val="accent1"/>
+            </a:effectRef>
+            <a:fontRef idx="minor">
+              <a:schemeClr val="lt1"/>
+            </a:fontRef>
+          </p:style>
+          <p:txBody>
+            <a:bodyPr rtlCol="0" anchor="ctr"/>
+            <a:lstStyle/>
+            <a:p>
+              <a:pPr algn="ctr"/>
+              <a:endParaRPr lang="pt-BR"/>
+            </a:p>
+          </p:txBody>
+        </p:sp>
+        <p:sp>
+          <p:nvSpPr>
+            <p:cNvPr id="7" name="Retângulo 6">
+              <a:extLst>
+                <a:ext uri="{FF2B5EF4-FFF2-40B4-BE49-F238E27FC236}">
+                  <a16:creationId xmlns:a16="http://schemas.microsoft.com/office/drawing/2014/main" id="{8D618934-34B5-4FA3-9C28-BA270D65E817}"/>
+                </a:ext>
+              </a:extLst>
+            </p:cNvPr>
+            <p:cNvSpPr/>
+            <p:nvPr/>
+          </p:nvSpPr>
+          <p:spPr>
+            <a:xfrm>
+              <a:off x="-246392" y="273246"/>
+              <a:ext cx="157100" cy="185297"/>
+            </a:xfrm>
+            <a:prstGeom prst="rect">
+              <a:avLst/>
+            </a:prstGeom>
+            <a:solidFill>
+              <a:srgbClr val="34977E"/>
+            </a:solidFill>
+            <a:ln>
+              <a:noFill/>
+            </a:ln>
+          </p:spPr>
+          <p:style>
+            <a:lnRef idx="2">
+              <a:schemeClr val="accent1">
+                <a:shade val="50000"/>
+              </a:schemeClr>
+            </a:lnRef>
+            <a:fillRef idx="1">
+              <a:schemeClr val="accent1"/>
+            </a:fillRef>
+            <a:effectRef idx="0">
+              <a:schemeClr val="accent1"/>
+            </a:effectRef>
+            <a:fontRef idx="minor">
+              <a:schemeClr val="lt1"/>
+            </a:fontRef>
+          </p:style>
+          <p:txBody>
+            <a:bodyPr rtlCol="0" anchor="ctr"/>
+            <a:lstStyle/>
+            <a:p>
+              <a:pPr algn="ctr"/>
+              <a:endParaRPr lang="pt-BR"/>
+            </a:p>
+          </p:txBody>
+        </p:sp>
+      </p:grpSp>
     </p:spTree>
     <p:extLst>
       <p:ext uri="{BB962C8B-B14F-4D97-AF65-F5344CB8AC3E}">
@@ -4792,7 +7029,7 @@
             <a:r>
               <a:rPr lang="pt-BR" sz="2400" dirty="0" err="1">
                 <a:solidFill>
-                  <a:srgbClr val="E89B26"/>
+                  <a:srgbClr val="B5DE00"/>
                 </a:solidFill>
                 <a:latin typeface="Tahoma" panose="020B0604030504040204" pitchFamily="34" charset="0"/>
                 <a:ea typeface="Tahoma" panose="020B0604030504040204" pitchFamily="34" charset="0"/>
@@ -4802,7 +7039,7 @@
             </a:r>
             <a:endParaRPr lang="pt-BR" sz="2400" dirty="0">
               <a:solidFill>
-                <a:srgbClr val="E89B26"/>
+                <a:srgbClr val="B5DE00"/>
               </a:solidFill>
               <a:latin typeface="Tahoma" panose="020B0604030504040204" pitchFamily="34" charset="0"/>
               <a:ea typeface="Tahoma" panose="020B0604030504040204" pitchFamily="34" charset="0"/>
@@ -4811,6 +7048,185 @@
           </a:p>
         </p:txBody>
       </p:sp>
+      <p:sp>
+        <p:nvSpPr>
+          <p:cNvPr id="3" name="Retângulo 2">
+            <a:extLst>
+              <a:ext uri="{FF2B5EF4-FFF2-40B4-BE49-F238E27FC236}">
+                <a16:creationId xmlns:a16="http://schemas.microsoft.com/office/drawing/2014/main" id="{A9FA8840-5F0C-47A3-949B-7D88321CF6A9}"/>
+              </a:ext>
+            </a:extLst>
+          </p:cNvPr>
+          <p:cNvSpPr/>
+          <p:nvPr/>
+        </p:nvSpPr>
+        <p:spPr>
+          <a:xfrm>
+            <a:off x="0" y="0"/>
+            <a:ext cx="1979612" cy="1979613"/>
+          </a:xfrm>
+          <a:prstGeom prst="rect">
+            <a:avLst/>
+          </a:prstGeom>
+          <a:noFill/>
+          <a:ln w="15875">
+            <a:solidFill>
+              <a:schemeClr val="bg1">
+                <a:lumMod val="65000"/>
+              </a:schemeClr>
+            </a:solidFill>
+          </a:ln>
+        </p:spPr>
+        <p:style>
+          <a:lnRef idx="2">
+            <a:schemeClr val="accent1">
+              <a:shade val="50000"/>
+            </a:schemeClr>
+          </a:lnRef>
+          <a:fillRef idx="1">
+            <a:schemeClr val="accent1"/>
+          </a:fillRef>
+          <a:effectRef idx="0">
+            <a:schemeClr val="accent1"/>
+          </a:effectRef>
+          <a:fontRef idx="minor">
+            <a:schemeClr val="lt1"/>
+          </a:fontRef>
+        </p:style>
+        <p:txBody>
+          <a:bodyPr rtlCol="0" anchor="ctr"/>
+          <a:lstStyle/>
+          <a:p>
+            <a:pPr algn="ctr"/>
+            <a:endParaRPr lang="pt-BR"/>
+          </a:p>
+        </p:txBody>
+      </p:sp>
+      <p:grpSp>
+        <p:nvGrpSpPr>
+          <p:cNvPr id="5" name="Agrupar 4">
+            <a:extLst>
+              <a:ext uri="{FF2B5EF4-FFF2-40B4-BE49-F238E27FC236}">
+                <a16:creationId xmlns:a16="http://schemas.microsoft.com/office/drawing/2014/main" id="{4498F74C-8403-4B30-922B-57B8A8913C60}"/>
+              </a:ext>
+            </a:extLst>
+          </p:cNvPr>
+          <p:cNvGrpSpPr/>
+          <p:nvPr/>
+        </p:nvGrpSpPr>
+        <p:grpSpPr>
+          <a:xfrm>
+            <a:off x="-246392" y="36254"/>
+            <a:ext cx="161800" cy="422289"/>
+            <a:chOff x="-246392" y="36254"/>
+            <a:chExt cx="161800" cy="422289"/>
+          </a:xfrm>
+        </p:grpSpPr>
+        <p:sp>
+          <p:nvSpPr>
+            <p:cNvPr id="6" name="Retângulo 5">
+              <a:extLst>
+                <a:ext uri="{FF2B5EF4-FFF2-40B4-BE49-F238E27FC236}">
+                  <a16:creationId xmlns:a16="http://schemas.microsoft.com/office/drawing/2014/main" id="{38DAFD0D-AA3F-45AF-A020-4171D68152E1}"/>
+                </a:ext>
+              </a:extLst>
+            </p:cNvPr>
+            <p:cNvSpPr/>
+            <p:nvPr/>
+          </p:nvSpPr>
+          <p:spPr>
+            <a:xfrm>
+              <a:off x="-241692" y="36254"/>
+              <a:ext cx="157100" cy="185297"/>
+            </a:xfrm>
+            <a:prstGeom prst="rect">
+              <a:avLst/>
+            </a:prstGeom>
+            <a:solidFill>
+              <a:srgbClr val="B5DE00"/>
+            </a:solidFill>
+            <a:ln>
+              <a:noFill/>
+            </a:ln>
+          </p:spPr>
+          <p:style>
+            <a:lnRef idx="2">
+              <a:schemeClr val="accent1">
+                <a:shade val="50000"/>
+              </a:schemeClr>
+            </a:lnRef>
+            <a:fillRef idx="1">
+              <a:schemeClr val="accent1"/>
+            </a:fillRef>
+            <a:effectRef idx="0">
+              <a:schemeClr val="accent1"/>
+            </a:effectRef>
+            <a:fontRef idx="minor">
+              <a:schemeClr val="lt1"/>
+            </a:fontRef>
+          </p:style>
+          <p:txBody>
+            <a:bodyPr rtlCol="0" anchor="ctr"/>
+            <a:lstStyle/>
+            <a:p>
+              <a:pPr algn="ctr"/>
+              <a:endParaRPr lang="pt-BR"/>
+            </a:p>
+          </p:txBody>
+        </p:sp>
+        <p:sp>
+          <p:nvSpPr>
+            <p:cNvPr id="7" name="Retângulo 6">
+              <a:extLst>
+                <a:ext uri="{FF2B5EF4-FFF2-40B4-BE49-F238E27FC236}">
+                  <a16:creationId xmlns:a16="http://schemas.microsoft.com/office/drawing/2014/main" id="{B04F8F2C-931B-472A-8242-B9F2B69F552A}"/>
+                </a:ext>
+              </a:extLst>
+            </p:cNvPr>
+            <p:cNvSpPr/>
+            <p:nvPr/>
+          </p:nvSpPr>
+          <p:spPr>
+            <a:xfrm>
+              <a:off x="-246392" y="273246"/>
+              <a:ext cx="157100" cy="185297"/>
+            </a:xfrm>
+            <a:prstGeom prst="rect">
+              <a:avLst/>
+            </a:prstGeom>
+            <a:solidFill>
+              <a:srgbClr val="34977E"/>
+            </a:solidFill>
+            <a:ln>
+              <a:noFill/>
+            </a:ln>
+          </p:spPr>
+          <p:style>
+            <a:lnRef idx="2">
+              <a:schemeClr val="accent1">
+                <a:shade val="50000"/>
+              </a:schemeClr>
+            </a:lnRef>
+            <a:fillRef idx="1">
+              <a:schemeClr val="accent1"/>
+            </a:fillRef>
+            <a:effectRef idx="0">
+              <a:schemeClr val="accent1"/>
+            </a:effectRef>
+            <a:fontRef idx="minor">
+              <a:schemeClr val="lt1"/>
+            </a:fontRef>
+          </p:style>
+          <p:txBody>
+            <a:bodyPr rtlCol="0" anchor="ctr"/>
+            <a:lstStyle/>
+            <a:p>
+              <a:pPr algn="ctr"/>
+              <a:endParaRPr lang="pt-BR"/>
+            </a:p>
+          </p:txBody>
+        </p:sp>
+      </p:grpSp>
     </p:spTree>
     <p:extLst>
       <p:ext uri="{BB962C8B-B14F-4D97-AF65-F5344CB8AC3E}">
@@ -4863,8 +7279,8 @@
         </p:nvSpPr>
         <p:spPr>
           <a:xfrm>
-            <a:off x="-1" y="758973"/>
-            <a:ext cx="1979613" cy="461665"/>
+            <a:off x="-1" y="574307"/>
+            <a:ext cx="1979613" cy="830997"/>
           </a:xfrm>
           <a:prstGeom prst="rect">
             <a:avLst/>
@@ -4879,9 +7295,23 @@
           <a:p>
             <a:pPr algn="ctr"/>
             <a:r>
+              <a:rPr lang="pt-BR" sz="2400" dirty="0">
+                <a:solidFill>
+                  <a:srgbClr val="B5DE00"/>
+                </a:solidFill>
+                <a:latin typeface="Tahoma" panose="020B0604030504040204" pitchFamily="34" charset="0"/>
+                <a:ea typeface="Tahoma" panose="020B0604030504040204" pitchFamily="34" charset="0"/>
+                <a:cs typeface="Tahoma" panose="020B0604030504040204" pitchFamily="34" charset="0"/>
+              </a:rPr>
+              <a:t>Data &amp;</a:t>
+            </a:r>
+          </a:p>
+          <a:p>
+            <a:pPr algn="ctr"/>
+            <a:r>
               <a:rPr lang="pt-BR" sz="2400" dirty="0" err="1">
                 <a:solidFill>
-                  <a:srgbClr val="E89B26"/>
+                  <a:srgbClr val="34977E"/>
                 </a:solidFill>
                 <a:latin typeface="Tahoma" panose="020B0604030504040204" pitchFamily="34" charset="0"/>
                 <a:ea typeface="Tahoma" panose="020B0604030504040204" pitchFamily="34" charset="0"/>
@@ -4891,7 +7321,7 @@
             </a:r>
             <a:endParaRPr lang="pt-BR" sz="2400" dirty="0">
               <a:solidFill>
-                <a:srgbClr val="E89B26"/>
+                <a:srgbClr val="34977E"/>
               </a:solidFill>
               <a:latin typeface="Tahoma" panose="020B0604030504040204" pitchFamily="34" charset="0"/>
               <a:ea typeface="Tahoma" panose="020B0604030504040204" pitchFamily="34" charset="0"/>
@@ -4900,6 +7330,185 @@
           </a:p>
         </p:txBody>
       </p:sp>
+      <p:sp>
+        <p:nvSpPr>
+          <p:cNvPr id="5" name="Retângulo 4">
+            <a:extLst>
+              <a:ext uri="{FF2B5EF4-FFF2-40B4-BE49-F238E27FC236}">
+                <a16:creationId xmlns:a16="http://schemas.microsoft.com/office/drawing/2014/main" id="{C1DD6101-5A66-4792-9D59-8601EAB59F00}"/>
+              </a:ext>
+            </a:extLst>
+          </p:cNvPr>
+          <p:cNvSpPr/>
+          <p:nvPr/>
+        </p:nvSpPr>
+        <p:spPr>
+          <a:xfrm>
+            <a:off x="0" y="0"/>
+            <a:ext cx="1979612" cy="1979613"/>
+          </a:xfrm>
+          <a:prstGeom prst="rect">
+            <a:avLst/>
+          </a:prstGeom>
+          <a:noFill/>
+          <a:ln w="15875">
+            <a:solidFill>
+              <a:schemeClr val="bg1">
+                <a:lumMod val="65000"/>
+              </a:schemeClr>
+            </a:solidFill>
+          </a:ln>
+        </p:spPr>
+        <p:style>
+          <a:lnRef idx="2">
+            <a:schemeClr val="accent1">
+              <a:shade val="50000"/>
+            </a:schemeClr>
+          </a:lnRef>
+          <a:fillRef idx="1">
+            <a:schemeClr val="accent1"/>
+          </a:fillRef>
+          <a:effectRef idx="0">
+            <a:schemeClr val="accent1"/>
+          </a:effectRef>
+          <a:fontRef idx="minor">
+            <a:schemeClr val="lt1"/>
+          </a:fontRef>
+        </p:style>
+        <p:txBody>
+          <a:bodyPr rtlCol="0" anchor="ctr"/>
+          <a:lstStyle/>
+          <a:p>
+            <a:pPr algn="ctr"/>
+            <a:endParaRPr lang="pt-BR"/>
+          </a:p>
+        </p:txBody>
+      </p:sp>
+      <p:grpSp>
+        <p:nvGrpSpPr>
+          <p:cNvPr id="6" name="Agrupar 5">
+            <a:extLst>
+              <a:ext uri="{FF2B5EF4-FFF2-40B4-BE49-F238E27FC236}">
+                <a16:creationId xmlns:a16="http://schemas.microsoft.com/office/drawing/2014/main" id="{C3107B12-CB82-46EE-9C86-7358419BA15D}"/>
+              </a:ext>
+            </a:extLst>
+          </p:cNvPr>
+          <p:cNvGrpSpPr/>
+          <p:nvPr/>
+        </p:nvGrpSpPr>
+        <p:grpSpPr>
+          <a:xfrm>
+            <a:off x="-246392" y="36254"/>
+            <a:ext cx="161800" cy="422289"/>
+            <a:chOff x="-246392" y="36254"/>
+            <a:chExt cx="161800" cy="422289"/>
+          </a:xfrm>
+        </p:grpSpPr>
+        <p:sp>
+          <p:nvSpPr>
+            <p:cNvPr id="7" name="Retângulo 6">
+              <a:extLst>
+                <a:ext uri="{FF2B5EF4-FFF2-40B4-BE49-F238E27FC236}">
+                  <a16:creationId xmlns:a16="http://schemas.microsoft.com/office/drawing/2014/main" id="{756BD13E-F482-4073-91A2-4DAF4394489B}"/>
+                </a:ext>
+              </a:extLst>
+            </p:cNvPr>
+            <p:cNvSpPr/>
+            <p:nvPr/>
+          </p:nvSpPr>
+          <p:spPr>
+            <a:xfrm>
+              <a:off x="-241692" y="36254"/>
+              <a:ext cx="157100" cy="185297"/>
+            </a:xfrm>
+            <a:prstGeom prst="rect">
+              <a:avLst/>
+            </a:prstGeom>
+            <a:solidFill>
+              <a:srgbClr val="B5DE00"/>
+            </a:solidFill>
+            <a:ln>
+              <a:noFill/>
+            </a:ln>
+          </p:spPr>
+          <p:style>
+            <a:lnRef idx="2">
+              <a:schemeClr val="accent1">
+                <a:shade val="50000"/>
+              </a:schemeClr>
+            </a:lnRef>
+            <a:fillRef idx="1">
+              <a:schemeClr val="accent1"/>
+            </a:fillRef>
+            <a:effectRef idx="0">
+              <a:schemeClr val="accent1"/>
+            </a:effectRef>
+            <a:fontRef idx="minor">
+              <a:schemeClr val="lt1"/>
+            </a:fontRef>
+          </p:style>
+          <p:txBody>
+            <a:bodyPr rtlCol="0" anchor="ctr"/>
+            <a:lstStyle/>
+            <a:p>
+              <a:pPr algn="ctr"/>
+              <a:endParaRPr lang="pt-BR"/>
+            </a:p>
+          </p:txBody>
+        </p:sp>
+        <p:sp>
+          <p:nvSpPr>
+            <p:cNvPr id="8" name="Retângulo 7">
+              <a:extLst>
+                <a:ext uri="{FF2B5EF4-FFF2-40B4-BE49-F238E27FC236}">
+                  <a16:creationId xmlns:a16="http://schemas.microsoft.com/office/drawing/2014/main" id="{E519286F-36D8-4CA0-AEB4-784482E98262}"/>
+                </a:ext>
+              </a:extLst>
+            </p:cNvPr>
+            <p:cNvSpPr/>
+            <p:nvPr/>
+          </p:nvSpPr>
+          <p:spPr>
+            <a:xfrm>
+              <a:off x="-246392" y="273246"/>
+              <a:ext cx="157100" cy="185297"/>
+            </a:xfrm>
+            <a:prstGeom prst="rect">
+              <a:avLst/>
+            </a:prstGeom>
+            <a:solidFill>
+              <a:srgbClr val="34977E"/>
+            </a:solidFill>
+            <a:ln>
+              <a:noFill/>
+            </a:ln>
+          </p:spPr>
+          <p:style>
+            <a:lnRef idx="2">
+              <a:schemeClr val="accent1">
+                <a:shade val="50000"/>
+              </a:schemeClr>
+            </a:lnRef>
+            <a:fillRef idx="1">
+              <a:schemeClr val="accent1"/>
+            </a:fillRef>
+            <a:effectRef idx="0">
+              <a:schemeClr val="accent1"/>
+            </a:effectRef>
+            <a:fontRef idx="minor">
+              <a:schemeClr val="lt1"/>
+            </a:fontRef>
+          </p:style>
+          <p:txBody>
+            <a:bodyPr rtlCol="0" anchor="ctr"/>
+            <a:lstStyle/>
+            <a:p>
+              <a:pPr algn="ctr"/>
+              <a:endParaRPr lang="pt-BR"/>
+            </a:p>
+          </p:txBody>
+        </p:sp>
+      </p:grpSp>
     </p:spTree>
     <p:extLst>
       <p:ext uri="{BB962C8B-B14F-4D97-AF65-F5344CB8AC3E}">
@@ -4970,7 +7579,7 @@
             <a:r>
               <a:rPr lang="pt-BR" sz="2400" dirty="0">
                 <a:solidFill>
-                  <a:srgbClr val="E89B26"/>
+                  <a:srgbClr val="B5DE00"/>
                 </a:solidFill>
                 <a:latin typeface="Tahoma" panose="020B0604030504040204" pitchFamily="34" charset="0"/>
                 <a:ea typeface="Tahoma" panose="020B0604030504040204" pitchFamily="34" charset="0"/>
@@ -4981,6 +7590,185 @@
           </a:p>
         </p:txBody>
       </p:sp>
+      <p:sp>
+        <p:nvSpPr>
+          <p:cNvPr id="6" name="Retângulo 5">
+            <a:extLst>
+              <a:ext uri="{FF2B5EF4-FFF2-40B4-BE49-F238E27FC236}">
+                <a16:creationId xmlns:a16="http://schemas.microsoft.com/office/drawing/2014/main" id="{D455C981-6C90-49A5-A4F0-99435347731C}"/>
+              </a:ext>
+            </a:extLst>
+          </p:cNvPr>
+          <p:cNvSpPr/>
+          <p:nvPr/>
+        </p:nvSpPr>
+        <p:spPr>
+          <a:xfrm>
+            <a:off x="0" y="0"/>
+            <a:ext cx="1979612" cy="1979613"/>
+          </a:xfrm>
+          <a:prstGeom prst="rect">
+            <a:avLst/>
+          </a:prstGeom>
+          <a:noFill/>
+          <a:ln w="15875">
+            <a:solidFill>
+              <a:schemeClr val="bg1">
+                <a:lumMod val="65000"/>
+              </a:schemeClr>
+            </a:solidFill>
+          </a:ln>
+        </p:spPr>
+        <p:style>
+          <a:lnRef idx="2">
+            <a:schemeClr val="accent1">
+              <a:shade val="50000"/>
+            </a:schemeClr>
+          </a:lnRef>
+          <a:fillRef idx="1">
+            <a:schemeClr val="accent1"/>
+          </a:fillRef>
+          <a:effectRef idx="0">
+            <a:schemeClr val="accent1"/>
+          </a:effectRef>
+          <a:fontRef idx="minor">
+            <a:schemeClr val="lt1"/>
+          </a:fontRef>
+        </p:style>
+        <p:txBody>
+          <a:bodyPr rtlCol="0" anchor="ctr"/>
+          <a:lstStyle/>
+          <a:p>
+            <a:pPr algn="ctr"/>
+            <a:endParaRPr lang="pt-BR"/>
+          </a:p>
+        </p:txBody>
+      </p:sp>
+      <p:grpSp>
+        <p:nvGrpSpPr>
+          <p:cNvPr id="7" name="Agrupar 6">
+            <a:extLst>
+              <a:ext uri="{FF2B5EF4-FFF2-40B4-BE49-F238E27FC236}">
+                <a16:creationId xmlns:a16="http://schemas.microsoft.com/office/drawing/2014/main" id="{A2E8FCC9-C34A-4D3A-9756-E720BF2E2DF0}"/>
+              </a:ext>
+            </a:extLst>
+          </p:cNvPr>
+          <p:cNvGrpSpPr/>
+          <p:nvPr/>
+        </p:nvGrpSpPr>
+        <p:grpSpPr>
+          <a:xfrm>
+            <a:off x="-246392" y="36254"/>
+            <a:ext cx="161800" cy="422289"/>
+            <a:chOff x="-246392" y="36254"/>
+            <a:chExt cx="161800" cy="422289"/>
+          </a:xfrm>
+        </p:grpSpPr>
+        <p:sp>
+          <p:nvSpPr>
+            <p:cNvPr id="8" name="Retângulo 7">
+              <a:extLst>
+                <a:ext uri="{FF2B5EF4-FFF2-40B4-BE49-F238E27FC236}">
+                  <a16:creationId xmlns:a16="http://schemas.microsoft.com/office/drawing/2014/main" id="{C1257C45-9BD3-4FEC-9DC8-D46B5EC3030F}"/>
+                </a:ext>
+              </a:extLst>
+            </p:cNvPr>
+            <p:cNvSpPr/>
+            <p:nvPr/>
+          </p:nvSpPr>
+          <p:spPr>
+            <a:xfrm>
+              <a:off x="-241692" y="36254"/>
+              <a:ext cx="157100" cy="185297"/>
+            </a:xfrm>
+            <a:prstGeom prst="rect">
+              <a:avLst/>
+            </a:prstGeom>
+            <a:solidFill>
+              <a:srgbClr val="B5DE00"/>
+            </a:solidFill>
+            <a:ln>
+              <a:noFill/>
+            </a:ln>
+          </p:spPr>
+          <p:style>
+            <a:lnRef idx="2">
+              <a:schemeClr val="accent1">
+                <a:shade val="50000"/>
+              </a:schemeClr>
+            </a:lnRef>
+            <a:fillRef idx="1">
+              <a:schemeClr val="accent1"/>
+            </a:fillRef>
+            <a:effectRef idx="0">
+              <a:schemeClr val="accent1"/>
+            </a:effectRef>
+            <a:fontRef idx="minor">
+              <a:schemeClr val="lt1"/>
+            </a:fontRef>
+          </p:style>
+          <p:txBody>
+            <a:bodyPr rtlCol="0" anchor="ctr"/>
+            <a:lstStyle/>
+            <a:p>
+              <a:pPr algn="ctr"/>
+              <a:endParaRPr lang="pt-BR"/>
+            </a:p>
+          </p:txBody>
+        </p:sp>
+        <p:sp>
+          <p:nvSpPr>
+            <p:cNvPr id="9" name="Retângulo 8">
+              <a:extLst>
+                <a:ext uri="{FF2B5EF4-FFF2-40B4-BE49-F238E27FC236}">
+                  <a16:creationId xmlns:a16="http://schemas.microsoft.com/office/drawing/2014/main" id="{566DA9BC-C3EA-4E07-8C71-C7BCE3651ADD}"/>
+                </a:ext>
+              </a:extLst>
+            </p:cNvPr>
+            <p:cNvSpPr/>
+            <p:nvPr/>
+          </p:nvSpPr>
+          <p:spPr>
+            <a:xfrm>
+              <a:off x="-246392" y="273246"/>
+              <a:ext cx="157100" cy="185297"/>
+            </a:xfrm>
+            <a:prstGeom prst="rect">
+              <a:avLst/>
+            </a:prstGeom>
+            <a:solidFill>
+              <a:srgbClr val="34977E"/>
+            </a:solidFill>
+            <a:ln>
+              <a:noFill/>
+            </a:ln>
+          </p:spPr>
+          <p:style>
+            <a:lnRef idx="2">
+              <a:schemeClr val="accent1">
+                <a:shade val="50000"/>
+              </a:schemeClr>
+            </a:lnRef>
+            <a:fillRef idx="1">
+              <a:schemeClr val="accent1"/>
+            </a:fillRef>
+            <a:effectRef idx="0">
+              <a:schemeClr val="accent1"/>
+            </a:effectRef>
+            <a:fontRef idx="minor">
+              <a:schemeClr val="lt1"/>
+            </a:fontRef>
+          </p:style>
+          <p:txBody>
+            <a:bodyPr rtlCol="0" anchor="ctr"/>
+            <a:lstStyle/>
+            <a:p>
+              <a:pPr algn="ctr"/>
+              <a:endParaRPr lang="pt-BR"/>
+            </a:p>
+          </p:txBody>
+        </p:sp>
+      </p:grpSp>
     </p:spTree>
     <p:extLst>
       <p:ext uri="{BB962C8B-B14F-4D97-AF65-F5344CB8AC3E}">
@@ -5051,7 +7839,7 @@
             <a:r>
               <a:rPr lang="pt-BR" sz="2400" dirty="0" err="1">
                 <a:solidFill>
-                  <a:srgbClr val="E89B26"/>
+                  <a:srgbClr val="B5DE00"/>
                 </a:solidFill>
                 <a:latin typeface="Tahoma" panose="020B0604030504040204" pitchFamily="34" charset="0"/>
                 <a:ea typeface="Tahoma" panose="020B0604030504040204" pitchFamily="34" charset="0"/>
@@ -5061,7 +7849,7 @@
             </a:r>
             <a:endParaRPr lang="pt-BR" sz="2400" dirty="0">
               <a:solidFill>
-                <a:srgbClr val="E89B26"/>
+                <a:srgbClr val="B5DE00"/>
               </a:solidFill>
               <a:latin typeface="Tahoma" panose="020B0604030504040204" pitchFamily="34" charset="0"/>
               <a:ea typeface="Tahoma" panose="020B0604030504040204" pitchFamily="34" charset="0"/>
@@ -5070,6 +7858,185 @@
           </a:p>
         </p:txBody>
       </p:sp>
+      <p:sp>
+        <p:nvSpPr>
+          <p:cNvPr id="3" name="Retângulo 2">
+            <a:extLst>
+              <a:ext uri="{FF2B5EF4-FFF2-40B4-BE49-F238E27FC236}">
+                <a16:creationId xmlns:a16="http://schemas.microsoft.com/office/drawing/2014/main" id="{2F90FE4E-2F91-465F-9632-3468B2E89FB5}"/>
+              </a:ext>
+            </a:extLst>
+          </p:cNvPr>
+          <p:cNvSpPr/>
+          <p:nvPr/>
+        </p:nvSpPr>
+        <p:spPr>
+          <a:xfrm>
+            <a:off x="0" y="0"/>
+            <a:ext cx="1979612" cy="1979613"/>
+          </a:xfrm>
+          <a:prstGeom prst="rect">
+            <a:avLst/>
+          </a:prstGeom>
+          <a:noFill/>
+          <a:ln w="15875">
+            <a:solidFill>
+              <a:schemeClr val="bg1">
+                <a:lumMod val="65000"/>
+              </a:schemeClr>
+            </a:solidFill>
+          </a:ln>
+        </p:spPr>
+        <p:style>
+          <a:lnRef idx="2">
+            <a:schemeClr val="accent1">
+              <a:shade val="50000"/>
+            </a:schemeClr>
+          </a:lnRef>
+          <a:fillRef idx="1">
+            <a:schemeClr val="accent1"/>
+          </a:fillRef>
+          <a:effectRef idx="0">
+            <a:schemeClr val="accent1"/>
+          </a:effectRef>
+          <a:fontRef idx="minor">
+            <a:schemeClr val="lt1"/>
+          </a:fontRef>
+        </p:style>
+        <p:txBody>
+          <a:bodyPr rtlCol="0" anchor="ctr"/>
+          <a:lstStyle/>
+          <a:p>
+            <a:pPr algn="ctr"/>
+            <a:endParaRPr lang="pt-BR"/>
+          </a:p>
+        </p:txBody>
+      </p:sp>
+      <p:grpSp>
+        <p:nvGrpSpPr>
+          <p:cNvPr id="5" name="Agrupar 4">
+            <a:extLst>
+              <a:ext uri="{FF2B5EF4-FFF2-40B4-BE49-F238E27FC236}">
+                <a16:creationId xmlns:a16="http://schemas.microsoft.com/office/drawing/2014/main" id="{29A59A8B-B1D0-4635-BABF-AAF47213CA1B}"/>
+              </a:ext>
+            </a:extLst>
+          </p:cNvPr>
+          <p:cNvGrpSpPr/>
+          <p:nvPr/>
+        </p:nvGrpSpPr>
+        <p:grpSpPr>
+          <a:xfrm>
+            <a:off x="-246392" y="36254"/>
+            <a:ext cx="161800" cy="422289"/>
+            <a:chOff x="-246392" y="36254"/>
+            <a:chExt cx="161800" cy="422289"/>
+          </a:xfrm>
+        </p:grpSpPr>
+        <p:sp>
+          <p:nvSpPr>
+            <p:cNvPr id="6" name="Retângulo 5">
+              <a:extLst>
+                <a:ext uri="{FF2B5EF4-FFF2-40B4-BE49-F238E27FC236}">
+                  <a16:creationId xmlns:a16="http://schemas.microsoft.com/office/drawing/2014/main" id="{3B355814-90EE-476F-AB92-15B1A191589E}"/>
+                </a:ext>
+              </a:extLst>
+            </p:cNvPr>
+            <p:cNvSpPr/>
+            <p:nvPr/>
+          </p:nvSpPr>
+          <p:spPr>
+            <a:xfrm>
+              <a:off x="-241692" y="36254"/>
+              <a:ext cx="157100" cy="185297"/>
+            </a:xfrm>
+            <a:prstGeom prst="rect">
+              <a:avLst/>
+            </a:prstGeom>
+            <a:solidFill>
+              <a:srgbClr val="B5DE00"/>
+            </a:solidFill>
+            <a:ln>
+              <a:noFill/>
+            </a:ln>
+          </p:spPr>
+          <p:style>
+            <a:lnRef idx="2">
+              <a:schemeClr val="accent1">
+                <a:shade val="50000"/>
+              </a:schemeClr>
+            </a:lnRef>
+            <a:fillRef idx="1">
+              <a:schemeClr val="accent1"/>
+            </a:fillRef>
+            <a:effectRef idx="0">
+              <a:schemeClr val="accent1"/>
+            </a:effectRef>
+            <a:fontRef idx="minor">
+              <a:schemeClr val="lt1"/>
+            </a:fontRef>
+          </p:style>
+          <p:txBody>
+            <a:bodyPr rtlCol="0" anchor="ctr"/>
+            <a:lstStyle/>
+            <a:p>
+              <a:pPr algn="ctr"/>
+              <a:endParaRPr lang="pt-BR"/>
+            </a:p>
+          </p:txBody>
+        </p:sp>
+        <p:sp>
+          <p:nvSpPr>
+            <p:cNvPr id="7" name="Retângulo 6">
+              <a:extLst>
+                <a:ext uri="{FF2B5EF4-FFF2-40B4-BE49-F238E27FC236}">
+                  <a16:creationId xmlns:a16="http://schemas.microsoft.com/office/drawing/2014/main" id="{44731F60-38D3-4881-A1E3-E6FC871C0095}"/>
+                </a:ext>
+              </a:extLst>
+            </p:cNvPr>
+            <p:cNvSpPr/>
+            <p:nvPr/>
+          </p:nvSpPr>
+          <p:spPr>
+            <a:xfrm>
+              <a:off x="-246392" y="273246"/>
+              <a:ext cx="157100" cy="185297"/>
+            </a:xfrm>
+            <a:prstGeom prst="rect">
+              <a:avLst/>
+            </a:prstGeom>
+            <a:solidFill>
+              <a:srgbClr val="34977E"/>
+            </a:solidFill>
+            <a:ln>
+              <a:noFill/>
+            </a:ln>
+          </p:spPr>
+          <p:style>
+            <a:lnRef idx="2">
+              <a:schemeClr val="accent1">
+                <a:shade val="50000"/>
+              </a:schemeClr>
+            </a:lnRef>
+            <a:fillRef idx="1">
+              <a:schemeClr val="accent1"/>
+            </a:fillRef>
+            <a:effectRef idx="0">
+              <a:schemeClr val="accent1"/>
+            </a:effectRef>
+            <a:fontRef idx="minor">
+              <a:schemeClr val="lt1"/>
+            </a:fontRef>
+          </p:style>
+          <p:txBody>
+            <a:bodyPr rtlCol="0" anchor="ctr"/>
+            <a:lstStyle/>
+            <a:p>
+              <a:pPr algn="ctr"/>
+              <a:endParaRPr lang="pt-BR"/>
+            </a:p>
+          </p:txBody>
+        </p:sp>
+      </p:grpSp>
     </p:spTree>
     <p:extLst>
       <p:ext uri="{BB962C8B-B14F-4D97-AF65-F5344CB8AC3E}">

--- a/icones-ui-ux-github .pptx
+++ b/icones-ui-ux-github .pptx
@@ -818,7 +818,7 @@
           <a:p>
             <a:fld id="{4D43221E-70E5-4D3F-9F1A-6C7D028CD61D}" type="datetimeFigureOut">
               <a:rPr lang="pt-BR" smtClean="0"/>
-              <a:t>11/01/2022</a:t>
+              <a:t>12/01/2022</a:t>
             </a:fld>
             <a:endParaRPr lang="pt-BR"/>
           </a:p>
@@ -988,7 +988,7 @@
           <a:p>
             <a:fld id="{4D43221E-70E5-4D3F-9F1A-6C7D028CD61D}" type="datetimeFigureOut">
               <a:rPr lang="pt-BR" smtClean="0"/>
-              <a:t>11/01/2022</a:t>
+              <a:t>12/01/2022</a:t>
             </a:fld>
             <a:endParaRPr lang="pt-BR"/>
           </a:p>
@@ -1168,7 +1168,7 @@
           <a:p>
             <a:fld id="{4D43221E-70E5-4D3F-9F1A-6C7D028CD61D}" type="datetimeFigureOut">
               <a:rPr lang="pt-BR" smtClean="0"/>
-              <a:t>11/01/2022</a:t>
+              <a:t>12/01/2022</a:t>
             </a:fld>
             <a:endParaRPr lang="pt-BR"/>
           </a:p>
@@ -1338,7 +1338,7 @@
           <a:p>
             <a:fld id="{4D43221E-70E5-4D3F-9F1A-6C7D028CD61D}" type="datetimeFigureOut">
               <a:rPr lang="pt-BR" smtClean="0"/>
-              <a:t>11/01/2022</a:t>
+              <a:t>12/01/2022</a:t>
             </a:fld>
             <a:endParaRPr lang="pt-BR"/>
           </a:p>
@@ -1582,7 +1582,7 @@
           <a:p>
             <a:fld id="{4D43221E-70E5-4D3F-9F1A-6C7D028CD61D}" type="datetimeFigureOut">
               <a:rPr lang="pt-BR" smtClean="0"/>
-              <a:t>11/01/2022</a:t>
+              <a:t>12/01/2022</a:t>
             </a:fld>
             <a:endParaRPr lang="pt-BR"/>
           </a:p>
@@ -1814,7 +1814,7 @@
           <a:p>
             <a:fld id="{4D43221E-70E5-4D3F-9F1A-6C7D028CD61D}" type="datetimeFigureOut">
               <a:rPr lang="pt-BR" smtClean="0"/>
-              <a:t>11/01/2022</a:t>
+              <a:t>12/01/2022</a:t>
             </a:fld>
             <a:endParaRPr lang="pt-BR"/>
           </a:p>
@@ -2181,7 +2181,7 @@
           <a:p>
             <a:fld id="{4D43221E-70E5-4D3F-9F1A-6C7D028CD61D}" type="datetimeFigureOut">
               <a:rPr lang="pt-BR" smtClean="0"/>
-              <a:t>11/01/2022</a:t>
+              <a:t>12/01/2022</a:t>
             </a:fld>
             <a:endParaRPr lang="pt-BR"/>
           </a:p>
@@ -2299,7 +2299,7 @@
           <a:p>
             <a:fld id="{4D43221E-70E5-4D3F-9F1A-6C7D028CD61D}" type="datetimeFigureOut">
               <a:rPr lang="pt-BR" smtClean="0"/>
-              <a:t>11/01/2022</a:t>
+              <a:t>12/01/2022</a:t>
             </a:fld>
             <a:endParaRPr lang="pt-BR"/>
           </a:p>
@@ -2394,7 +2394,7 @@
           <a:p>
             <a:fld id="{4D43221E-70E5-4D3F-9F1A-6C7D028CD61D}" type="datetimeFigureOut">
               <a:rPr lang="pt-BR" smtClean="0"/>
-              <a:t>11/01/2022</a:t>
+              <a:t>12/01/2022</a:t>
             </a:fld>
             <a:endParaRPr lang="pt-BR"/>
           </a:p>
@@ -2671,7 +2671,7 @@
           <a:p>
             <a:fld id="{4D43221E-70E5-4D3F-9F1A-6C7D028CD61D}" type="datetimeFigureOut">
               <a:rPr lang="pt-BR" smtClean="0"/>
-              <a:t>11/01/2022</a:t>
+              <a:t>12/01/2022</a:t>
             </a:fld>
             <a:endParaRPr lang="pt-BR"/>
           </a:p>
@@ -2928,7 +2928,7 @@
           <a:p>
             <a:fld id="{4D43221E-70E5-4D3F-9F1A-6C7D028CD61D}" type="datetimeFigureOut">
               <a:rPr lang="pt-BR" smtClean="0"/>
-              <a:t>11/01/2022</a:t>
+              <a:t>12/01/2022</a:t>
             </a:fld>
             <a:endParaRPr lang="pt-BR"/>
           </a:p>
@@ -3141,7 +3141,7 @@
           <a:p>
             <a:fld id="{4D43221E-70E5-4D3F-9F1A-6C7D028CD61D}" type="datetimeFigureOut">
               <a:rPr lang="pt-BR" smtClean="0"/>
-              <a:t>11/01/2022</a:t>
+              <a:t>12/01/2022</a:t>
             </a:fld>
             <a:endParaRPr lang="pt-BR"/>
           </a:p>
@@ -3535,7 +3535,7 @@
     <p:bg>
       <p:bgPr>
         <a:solidFill>
-          <a:srgbClr val="232F3F"/>
+          <a:srgbClr val="0A0F0B"/>
         </a:solidFill>
         <a:effectLst/>
       </p:bgPr>
@@ -3626,10 +3626,10 @@
             <a:avLst/>
           </a:prstGeom>
           <a:noFill/>
-          <a:ln w="15875">
+          <a:ln w="28575">
             <a:solidFill>
               <a:schemeClr val="bg1">
-                <a:lumMod val="65000"/>
+                <a:lumMod val="95000"/>
               </a:schemeClr>
             </a:solidFill>
           </a:ln>
@@ -3784,6 +3784,131 @@
           </p:txBody>
         </p:sp>
       </p:grpSp>
+      <p:grpSp>
+        <p:nvGrpSpPr>
+          <p:cNvPr id="9" name="Agrupar 8">
+            <a:extLst>
+              <a:ext uri="{FF2B5EF4-FFF2-40B4-BE49-F238E27FC236}">
+                <a16:creationId xmlns:a16="http://schemas.microsoft.com/office/drawing/2014/main" id="{616622E8-181A-4653-93EB-C60D3C4B1B90}"/>
+              </a:ext>
+            </a:extLst>
+          </p:cNvPr>
+          <p:cNvGrpSpPr/>
+          <p:nvPr/>
+        </p:nvGrpSpPr>
+        <p:grpSpPr>
+          <a:xfrm>
+            <a:off x="-246392" y="524001"/>
+            <a:ext cx="161800" cy="422289"/>
+            <a:chOff x="-246392" y="36254"/>
+            <a:chExt cx="161800" cy="422289"/>
+          </a:xfrm>
+        </p:grpSpPr>
+        <p:sp>
+          <p:nvSpPr>
+            <p:cNvPr id="10" name="Retângulo 9">
+              <a:extLst>
+                <a:ext uri="{FF2B5EF4-FFF2-40B4-BE49-F238E27FC236}">
+                  <a16:creationId xmlns:a16="http://schemas.microsoft.com/office/drawing/2014/main" id="{633CF992-13E2-4B62-AD45-3F91EE8DB838}"/>
+                </a:ext>
+              </a:extLst>
+            </p:cNvPr>
+            <p:cNvSpPr/>
+            <p:nvPr/>
+          </p:nvSpPr>
+          <p:spPr>
+            <a:xfrm>
+              <a:off x="-241692" y="36254"/>
+              <a:ext cx="157100" cy="185297"/>
+            </a:xfrm>
+            <a:prstGeom prst="rect">
+              <a:avLst/>
+            </a:prstGeom>
+            <a:solidFill>
+              <a:srgbClr val="0A0F0B"/>
+            </a:solidFill>
+            <a:ln>
+              <a:noFill/>
+            </a:ln>
+          </p:spPr>
+          <p:style>
+            <a:lnRef idx="2">
+              <a:schemeClr val="accent1">
+                <a:shade val="50000"/>
+              </a:schemeClr>
+            </a:lnRef>
+            <a:fillRef idx="1">
+              <a:schemeClr val="accent1"/>
+            </a:fillRef>
+            <a:effectRef idx="0">
+              <a:schemeClr val="accent1"/>
+            </a:effectRef>
+            <a:fontRef idx="minor">
+              <a:schemeClr val="lt1"/>
+            </a:fontRef>
+          </p:style>
+          <p:txBody>
+            <a:bodyPr rtlCol="0" anchor="ctr"/>
+            <a:lstStyle/>
+            <a:p>
+              <a:pPr algn="ctr"/>
+              <a:endParaRPr lang="pt-BR" dirty="0"/>
+            </a:p>
+          </p:txBody>
+        </p:sp>
+        <p:sp>
+          <p:nvSpPr>
+            <p:cNvPr id="11" name="Retângulo 10">
+              <a:extLst>
+                <a:ext uri="{FF2B5EF4-FFF2-40B4-BE49-F238E27FC236}">
+                  <a16:creationId xmlns:a16="http://schemas.microsoft.com/office/drawing/2014/main" id="{EF364501-F45B-47C2-8594-AACDA940033B}"/>
+                </a:ext>
+              </a:extLst>
+            </p:cNvPr>
+            <p:cNvSpPr/>
+            <p:nvPr/>
+          </p:nvSpPr>
+          <p:spPr>
+            <a:xfrm>
+              <a:off x="-246392" y="273246"/>
+              <a:ext cx="157100" cy="185297"/>
+            </a:xfrm>
+            <a:prstGeom prst="rect">
+              <a:avLst/>
+            </a:prstGeom>
+            <a:solidFill>
+              <a:srgbClr val="34977E"/>
+            </a:solidFill>
+            <a:ln>
+              <a:noFill/>
+            </a:ln>
+          </p:spPr>
+          <p:style>
+            <a:lnRef idx="2">
+              <a:schemeClr val="accent1">
+                <a:shade val="50000"/>
+              </a:schemeClr>
+            </a:lnRef>
+            <a:fillRef idx="1">
+              <a:schemeClr val="accent1"/>
+            </a:fillRef>
+            <a:effectRef idx="0">
+              <a:schemeClr val="accent1"/>
+            </a:effectRef>
+            <a:fontRef idx="minor">
+              <a:schemeClr val="lt1"/>
+            </a:fontRef>
+          </p:style>
+          <p:txBody>
+            <a:bodyPr rtlCol="0" anchor="ctr"/>
+            <a:lstStyle/>
+            <a:p>
+              <a:pPr algn="ctr"/>
+              <a:endParaRPr lang="pt-BR"/>
+            </a:p>
+          </p:txBody>
+        </p:sp>
+      </p:grpSp>
     </p:spTree>
     <p:extLst>
       <p:ext uri="{BB962C8B-B14F-4D97-AF65-F5344CB8AC3E}">
@@ -3803,7 +3928,7 @@
     <p:bg>
       <p:bgPr>
         <a:solidFill>
-          <a:srgbClr val="232F3F"/>
+          <a:srgbClr val="0A0F0B"/>
         </a:solidFill>
         <a:effectLst/>
       </p:bgPr>
@@ -3870,60 +3995,6 @@
               <a:ea typeface="Tahoma" panose="020B0604030504040204" pitchFamily="34" charset="0"/>
               <a:cs typeface="Tahoma" panose="020B0604030504040204" pitchFamily="34" charset="0"/>
             </a:endParaRPr>
-          </a:p>
-        </p:txBody>
-      </p:sp>
-      <p:sp>
-        <p:nvSpPr>
-          <p:cNvPr id="3" name="Retângulo 2">
-            <a:extLst>
-              <a:ext uri="{FF2B5EF4-FFF2-40B4-BE49-F238E27FC236}">
-                <a16:creationId xmlns:a16="http://schemas.microsoft.com/office/drawing/2014/main" id="{7DF643DA-8151-48AC-A3F8-9A85CCAFF573}"/>
-              </a:ext>
-            </a:extLst>
-          </p:cNvPr>
-          <p:cNvSpPr/>
-          <p:nvPr/>
-        </p:nvSpPr>
-        <p:spPr>
-          <a:xfrm>
-            <a:off x="0" y="0"/>
-            <a:ext cx="1979612" cy="1979613"/>
-          </a:xfrm>
-          <a:prstGeom prst="rect">
-            <a:avLst/>
-          </a:prstGeom>
-          <a:noFill/>
-          <a:ln w="15875">
-            <a:solidFill>
-              <a:schemeClr val="bg1">
-                <a:lumMod val="65000"/>
-              </a:schemeClr>
-            </a:solidFill>
-          </a:ln>
-        </p:spPr>
-        <p:style>
-          <a:lnRef idx="2">
-            <a:schemeClr val="accent1">
-              <a:shade val="50000"/>
-            </a:schemeClr>
-          </a:lnRef>
-          <a:fillRef idx="1">
-            <a:schemeClr val="accent1"/>
-          </a:fillRef>
-          <a:effectRef idx="0">
-            <a:schemeClr val="accent1"/>
-          </a:effectRef>
-          <a:fontRef idx="minor">
-            <a:schemeClr val="lt1"/>
-          </a:fontRef>
-        </p:style>
-        <p:txBody>
-          <a:bodyPr rtlCol="0" anchor="ctr"/>
-          <a:lstStyle/>
-          <a:p>
-            <a:pPr algn="ctr"/>
-            <a:endParaRPr lang="pt-BR"/>
           </a:p>
         </p:txBody>
       </p:sp>
@@ -4052,137 +4123,12 @@
           </p:txBody>
         </p:sp>
       </p:grpSp>
-    </p:spTree>
-    <p:extLst>
-      <p:ext uri="{BB962C8B-B14F-4D97-AF65-F5344CB8AC3E}">
-        <p14:creationId xmlns:p14="http://schemas.microsoft.com/office/powerpoint/2010/main" val="218458438"/>
-      </p:ext>
-    </p:extLst>
-  </p:cSld>
-  <p:clrMapOvr>
-    <a:masterClrMapping/>
-  </p:clrMapOvr>
-</p:sld>
-</file>
-
-<file path=ppt/slides/slide11.xml><?xml version="1.0" encoding="utf-8"?>
-<p:sld xmlns:a="http://schemas.openxmlformats.org/drawingml/2006/main" xmlns:r="http://schemas.openxmlformats.org/officeDocument/2006/relationships" xmlns:p="http://schemas.openxmlformats.org/presentationml/2006/main">
-  <p:cSld>
-    <p:bg>
-      <p:bgPr>
-        <a:solidFill>
-          <a:srgbClr val="232F3F"/>
-        </a:solidFill>
-        <a:effectLst/>
-      </p:bgPr>
-    </p:bg>
-    <p:spTree>
-      <p:nvGrpSpPr>
-        <p:cNvPr id="1" name=""/>
-        <p:cNvGrpSpPr/>
-        <p:nvPr/>
-      </p:nvGrpSpPr>
-      <p:grpSpPr>
-        <a:xfrm>
-          <a:off x="0" y="0"/>
-          <a:ext cx="0" cy="0"/>
-          <a:chOff x="0" y="0"/>
-          <a:chExt cx="0" cy="0"/>
-        </a:xfrm>
-      </p:grpSpPr>
-      <p:sp>
-        <p:nvSpPr>
-          <p:cNvPr id="4" name="CaixaDeTexto 3">
+      <p:sp>
+        <p:nvSpPr>
+          <p:cNvPr id="8" name="Retângulo 7">
             <a:extLst>
               <a:ext uri="{FF2B5EF4-FFF2-40B4-BE49-F238E27FC236}">
-                <a16:creationId xmlns:a16="http://schemas.microsoft.com/office/drawing/2014/main" id="{6E6DC805-A6CA-4C2C-8D06-B2610C9EE997}"/>
-              </a:ext>
-            </a:extLst>
-          </p:cNvPr>
-          <p:cNvSpPr txBox="1"/>
-          <p:nvPr/>
-        </p:nvSpPr>
-        <p:spPr>
-          <a:xfrm>
-            <a:off x="-1" y="605879"/>
-            <a:ext cx="1979613" cy="769441"/>
-          </a:xfrm>
-          <a:prstGeom prst="rect">
-            <a:avLst/>
-          </a:prstGeom>
-          <a:noFill/>
-        </p:spPr>
-        <p:txBody>
-          <a:bodyPr wrap="square" rtlCol="0">
-            <a:spAutoFit/>
-          </a:bodyPr>
-          <a:lstStyle/>
-          <a:p>
-            <a:pPr algn="ctr"/>
-            <a:r>
-              <a:rPr lang="pt-BR" sz="2000" dirty="0">
-                <a:solidFill>
-                  <a:schemeClr val="bg1"/>
-                </a:solidFill>
-                <a:latin typeface="Tahoma" panose="020B0604030504040204" pitchFamily="34" charset="0"/>
-                <a:ea typeface="Tahoma" panose="020B0604030504040204" pitchFamily="34" charset="0"/>
-                <a:cs typeface="Tahoma" panose="020B0604030504040204" pitchFamily="34" charset="0"/>
-              </a:rPr>
-              <a:t> </a:t>
-            </a:r>
-            <a:r>
-              <a:rPr lang="pt-BR" sz="2000" dirty="0">
-                <a:solidFill>
-                  <a:srgbClr val="B5DE00"/>
-                </a:solidFill>
-                <a:latin typeface="Tahoma" panose="020B0604030504040204" pitchFamily="34" charset="0"/>
-                <a:ea typeface="Tahoma" panose="020B0604030504040204" pitchFamily="34" charset="0"/>
-                <a:cs typeface="Tahoma" panose="020B0604030504040204" pitchFamily="34" charset="0"/>
-              </a:rPr>
-              <a:t>Cloud &amp; Edge</a:t>
-            </a:r>
-          </a:p>
-          <a:p>
-            <a:pPr algn="ctr"/>
-            <a:r>
-              <a:rPr lang="pt-BR" sz="2400" dirty="0">
-                <a:solidFill>
-                  <a:srgbClr val="E89B26"/>
-                </a:solidFill>
-                <a:latin typeface="Tahoma" panose="020B0604030504040204" pitchFamily="34" charset="0"/>
-                <a:ea typeface="Tahoma" panose="020B0604030504040204" pitchFamily="34" charset="0"/>
-                <a:cs typeface="Tahoma" panose="020B0604030504040204" pitchFamily="34" charset="0"/>
-              </a:rPr>
-              <a:t> </a:t>
-            </a:r>
-            <a:r>
-              <a:rPr lang="pt-BR" sz="2400" dirty="0" err="1">
-                <a:solidFill>
-                  <a:srgbClr val="34977E"/>
-                </a:solidFill>
-                <a:latin typeface="Tahoma" panose="020B0604030504040204" pitchFamily="34" charset="0"/>
-                <a:ea typeface="Tahoma" panose="020B0604030504040204" pitchFamily="34" charset="0"/>
-                <a:cs typeface="Tahoma" panose="020B0604030504040204" pitchFamily="34" charset="0"/>
-              </a:rPr>
-              <a:t>Computing</a:t>
-            </a:r>
-            <a:endParaRPr lang="pt-BR" sz="2400" dirty="0">
-              <a:solidFill>
-                <a:srgbClr val="34977E"/>
-              </a:solidFill>
-              <a:latin typeface="Tahoma" panose="020B0604030504040204" pitchFamily="34" charset="0"/>
-              <a:ea typeface="Tahoma" panose="020B0604030504040204" pitchFamily="34" charset="0"/>
-              <a:cs typeface="Tahoma" panose="020B0604030504040204" pitchFamily="34" charset="0"/>
-            </a:endParaRPr>
-          </a:p>
-        </p:txBody>
-      </p:sp>
-      <p:sp>
-        <p:nvSpPr>
-          <p:cNvPr id="3" name="Retângulo 2">
-            <a:extLst>
-              <a:ext uri="{FF2B5EF4-FFF2-40B4-BE49-F238E27FC236}">
-                <a16:creationId xmlns:a16="http://schemas.microsoft.com/office/drawing/2014/main" id="{51C7FECB-AB17-420D-8BA3-C5F3E5809328}"/>
+                <a16:creationId xmlns:a16="http://schemas.microsoft.com/office/drawing/2014/main" id="{465664F0-7CD3-4ABD-A8C5-5FD1C9C816D4}"/>
               </a:ext>
             </a:extLst>
           </p:cNvPr>
@@ -4198,10 +4144,10 @@
             <a:avLst/>
           </a:prstGeom>
           <a:noFill/>
-          <a:ln w="15875">
+          <a:ln w="28575">
             <a:solidFill>
               <a:schemeClr val="bg1">
-                <a:lumMod val="65000"/>
+                <a:lumMod val="95000"/>
               </a:schemeClr>
             </a:solidFill>
           </a:ln>
@@ -4228,6 +4174,109 @@
           <a:p>
             <a:pPr algn="ctr"/>
             <a:endParaRPr lang="pt-BR"/>
+          </a:p>
+        </p:txBody>
+      </p:sp>
+    </p:spTree>
+    <p:extLst>
+      <p:ext uri="{BB962C8B-B14F-4D97-AF65-F5344CB8AC3E}">
+        <p14:creationId xmlns:p14="http://schemas.microsoft.com/office/powerpoint/2010/main" val="218458438"/>
+      </p:ext>
+    </p:extLst>
+  </p:cSld>
+  <p:clrMapOvr>
+    <a:masterClrMapping/>
+  </p:clrMapOvr>
+</p:sld>
+</file>
+
+<file path=ppt/slides/slide11.xml><?xml version="1.0" encoding="utf-8"?>
+<p:sld xmlns:a="http://schemas.openxmlformats.org/drawingml/2006/main" xmlns:r="http://schemas.openxmlformats.org/officeDocument/2006/relationships" xmlns:p="http://schemas.openxmlformats.org/presentationml/2006/main">
+  <p:cSld>
+    <p:bg>
+      <p:bgPr>
+        <a:solidFill>
+          <a:srgbClr val="0A0F0B"/>
+        </a:solidFill>
+        <a:effectLst/>
+      </p:bgPr>
+    </p:bg>
+    <p:spTree>
+      <p:nvGrpSpPr>
+        <p:cNvPr id="1" name=""/>
+        <p:cNvGrpSpPr/>
+        <p:nvPr/>
+      </p:nvGrpSpPr>
+      <p:grpSpPr>
+        <a:xfrm>
+          <a:off x="0" y="0"/>
+          <a:ext cx="0" cy="0"/>
+          <a:chOff x="0" y="0"/>
+          <a:chExt cx="0" cy="0"/>
+        </a:xfrm>
+      </p:grpSpPr>
+      <p:sp>
+        <p:nvSpPr>
+          <p:cNvPr id="4" name="CaixaDeTexto 3">
+            <a:extLst>
+              <a:ext uri="{FF2B5EF4-FFF2-40B4-BE49-F238E27FC236}">
+                <a16:creationId xmlns:a16="http://schemas.microsoft.com/office/drawing/2014/main" id="{6E6DC805-A6CA-4C2C-8D06-B2610C9EE997}"/>
+              </a:ext>
+            </a:extLst>
+          </p:cNvPr>
+          <p:cNvSpPr txBox="1"/>
+          <p:nvPr/>
+        </p:nvSpPr>
+        <p:spPr>
+          <a:xfrm>
+            <a:off x="-1" y="605879"/>
+            <a:ext cx="1979613" cy="830997"/>
+          </a:xfrm>
+          <a:prstGeom prst="rect">
+            <a:avLst/>
+          </a:prstGeom>
+          <a:noFill/>
+        </p:spPr>
+        <p:txBody>
+          <a:bodyPr wrap="square" rtlCol="0">
+            <a:spAutoFit/>
+          </a:bodyPr>
+          <a:lstStyle/>
+          <a:p>
+            <a:pPr algn="ctr"/>
+            <a:r>
+              <a:rPr lang="pt-BR" sz="2000" dirty="0">
+                <a:solidFill>
+                  <a:srgbClr val="B5DE00"/>
+                </a:solidFill>
+                <a:latin typeface="Tahoma" panose="020B0604030504040204" pitchFamily="34" charset="0"/>
+                <a:ea typeface="Tahoma" panose="020B0604030504040204" pitchFamily="34" charset="0"/>
+                <a:cs typeface="Tahoma" panose="020B0604030504040204" pitchFamily="34" charset="0"/>
+              </a:rPr>
+              <a:t>Cloud &amp; Edge</a:t>
+            </a:r>
+          </a:p>
+          <a:p>
+            <a:pPr algn="ctr"/>
+            <a:r>
+              <a:rPr lang="pt-BR" sz="2800" dirty="0" err="1">
+                <a:solidFill>
+                  <a:srgbClr val="34977E"/>
+                </a:solidFill>
+                <a:latin typeface="Tahoma" panose="020B0604030504040204" pitchFamily="34" charset="0"/>
+                <a:ea typeface="Tahoma" panose="020B0604030504040204" pitchFamily="34" charset="0"/>
+                <a:cs typeface="Tahoma" panose="020B0604030504040204" pitchFamily="34" charset="0"/>
+              </a:rPr>
+              <a:t>Computing</a:t>
+            </a:r>
+            <a:endParaRPr lang="pt-BR" sz="2800" dirty="0">
+              <a:solidFill>
+                <a:srgbClr val="34977E"/>
+              </a:solidFill>
+              <a:latin typeface="Tahoma" panose="020B0604030504040204" pitchFamily="34" charset="0"/>
+              <a:ea typeface="Tahoma" panose="020B0604030504040204" pitchFamily="34" charset="0"/>
+              <a:cs typeface="Tahoma" panose="020B0604030504040204" pitchFamily="34" charset="0"/>
+            </a:endParaRPr>
           </a:p>
         </p:txBody>
       </p:sp>
@@ -4356,101 +4405,12 @@
           </p:txBody>
         </p:sp>
       </p:grpSp>
-    </p:spTree>
-    <p:extLst>
-      <p:ext uri="{BB962C8B-B14F-4D97-AF65-F5344CB8AC3E}">
-        <p14:creationId xmlns:p14="http://schemas.microsoft.com/office/powerpoint/2010/main" val="2663665474"/>
-      </p:ext>
-    </p:extLst>
-  </p:cSld>
-  <p:clrMapOvr>
-    <a:masterClrMapping/>
-  </p:clrMapOvr>
-</p:sld>
-</file>
-
-<file path=ppt/slides/slide12.xml><?xml version="1.0" encoding="utf-8"?>
-<p:sld xmlns:a="http://schemas.openxmlformats.org/drawingml/2006/main" xmlns:r="http://schemas.openxmlformats.org/officeDocument/2006/relationships" xmlns:p="http://schemas.openxmlformats.org/presentationml/2006/main">
-  <p:cSld>
-    <p:bg>
-      <p:bgPr>
-        <a:solidFill>
-          <a:srgbClr val="232F3F"/>
-        </a:solidFill>
-        <a:effectLst/>
-      </p:bgPr>
-    </p:bg>
-    <p:spTree>
-      <p:nvGrpSpPr>
-        <p:cNvPr id="1" name=""/>
-        <p:cNvGrpSpPr/>
-        <p:nvPr/>
-      </p:nvGrpSpPr>
-      <p:grpSpPr>
-        <a:xfrm>
-          <a:off x="0" y="0"/>
-          <a:ext cx="0" cy="0"/>
-          <a:chOff x="0" y="0"/>
-          <a:chExt cx="0" cy="0"/>
-        </a:xfrm>
-      </p:grpSpPr>
-      <p:sp>
-        <p:nvSpPr>
-          <p:cNvPr id="4" name="CaixaDeTexto 3">
+      <p:sp>
+        <p:nvSpPr>
+          <p:cNvPr id="8" name="Retângulo 7">
             <a:extLst>
               <a:ext uri="{FF2B5EF4-FFF2-40B4-BE49-F238E27FC236}">
-                <a16:creationId xmlns:a16="http://schemas.microsoft.com/office/drawing/2014/main" id="{6E6DC805-A6CA-4C2C-8D06-B2610C9EE997}"/>
-              </a:ext>
-            </a:extLst>
-          </p:cNvPr>
-          <p:cNvSpPr txBox="1"/>
-          <p:nvPr/>
-        </p:nvSpPr>
-        <p:spPr>
-          <a:xfrm>
-            <a:off x="-1" y="758973"/>
-            <a:ext cx="1979613" cy="461665"/>
-          </a:xfrm>
-          <a:prstGeom prst="rect">
-            <a:avLst/>
-          </a:prstGeom>
-          <a:noFill/>
-        </p:spPr>
-        <p:txBody>
-          <a:bodyPr wrap="square" rtlCol="0">
-            <a:spAutoFit/>
-          </a:bodyPr>
-          <a:lstStyle/>
-          <a:p>
-            <a:pPr algn="ctr"/>
-            <a:r>
-              <a:rPr lang="pt-BR" sz="2400" dirty="0" err="1">
-                <a:solidFill>
-                  <a:srgbClr val="B5DE00"/>
-                </a:solidFill>
-                <a:latin typeface="Tahoma" panose="020B0604030504040204" pitchFamily="34" charset="0"/>
-                <a:ea typeface="Tahoma" panose="020B0604030504040204" pitchFamily="34" charset="0"/>
-                <a:cs typeface="Tahoma" panose="020B0604030504040204" pitchFamily="34" charset="0"/>
-              </a:rPr>
-              <a:t>Observability</a:t>
-            </a:r>
-            <a:endParaRPr lang="pt-BR" sz="2400" dirty="0">
-              <a:solidFill>
-                <a:srgbClr val="B5DE00"/>
-              </a:solidFill>
-              <a:latin typeface="Tahoma" panose="020B0604030504040204" pitchFamily="34" charset="0"/>
-              <a:ea typeface="Tahoma" panose="020B0604030504040204" pitchFamily="34" charset="0"/>
-              <a:cs typeface="Tahoma" panose="020B0604030504040204" pitchFamily="34" charset="0"/>
-            </a:endParaRPr>
-          </a:p>
-        </p:txBody>
-      </p:sp>
-      <p:sp>
-        <p:nvSpPr>
-          <p:cNvPr id="3" name="Retângulo 2">
-            <a:extLst>
-              <a:ext uri="{FF2B5EF4-FFF2-40B4-BE49-F238E27FC236}">
-                <a16:creationId xmlns:a16="http://schemas.microsoft.com/office/drawing/2014/main" id="{8CAA7DA7-5674-4F4F-B09D-815A13C7737A}"/>
+                <a16:creationId xmlns:a16="http://schemas.microsoft.com/office/drawing/2014/main" id="{F6C7D29A-9B99-4959-AB9C-7EA8C0FCCEA3}"/>
               </a:ext>
             </a:extLst>
           </p:cNvPr>
@@ -4466,10 +4426,10 @@
             <a:avLst/>
           </a:prstGeom>
           <a:noFill/>
-          <a:ln w="15875">
+          <a:ln w="28575">
             <a:solidFill>
               <a:schemeClr val="bg1">
-                <a:lumMod val="65000"/>
+                <a:lumMod val="95000"/>
               </a:schemeClr>
             </a:solidFill>
           </a:ln>
@@ -4496,6 +4456,95 @@
           <a:p>
             <a:pPr algn="ctr"/>
             <a:endParaRPr lang="pt-BR"/>
+          </a:p>
+        </p:txBody>
+      </p:sp>
+    </p:spTree>
+    <p:extLst>
+      <p:ext uri="{BB962C8B-B14F-4D97-AF65-F5344CB8AC3E}">
+        <p14:creationId xmlns:p14="http://schemas.microsoft.com/office/powerpoint/2010/main" val="2663665474"/>
+      </p:ext>
+    </p:extLst>
+  </p:cSld>
+  <p:clrMapOvr>
+    <a:masterClrMapping/>
+  </p:clrMapOvr>
+</p:sld>
+</file>
+
+<file path=ppt/slides/slide12.xml><?xml version="1.0" encoding="utf-8"?>
+<p:sld xmlns:a="http://schemas.openxmlformats.org/drawingml/2006/main" xmlns:r="http://schemas.openxmlformats.org/officeDocument/2006/relationships" xmlns:p="http://schemas.openxmlformats.org/presentationml/2006/main">
+  <p:cSld>
+    <p:bg>
+      <p:bgPr>
+        <a:solidFill>
+          <a:srgbClr val="0A0F0B"/>
+        </a:solidFill>
+        <a:effectLst/>
+      </p:bgPr>
+    </p:bg>
+    <p:spTree>
+      <p:nvGrpSpPr>
+        <p:cNvPr id="1" name=""/>
+        <p:cNvGrpSpPr/>
+        <p:nvPr/>
+      </p:nvGrpSpPr>
+      <p:grpSpPr>
+        <a:xfrm>
+          <a:off x="0" y="0"/>
+          <a:ext cx="0" cy="0"/>
+          <a:chOff x="0" y="0"/>
+          <a:chExt cx="0" cy="0"/>
+        </a:xfrm>
+      </p:grpSpPr>
+      <p:sp>
+        <p:nvSpPr>
+          <p:cNvPr id="4" name="CaixaDeTexto 3">
+            <a:extLst>
+              <a:ext uri="{FF2B5EF4-FFF2-40B4-BE49-F238E27FC236}">
+                <a16:creationId xmlns:a16="http://schemas.microsoft.com/office/drawing/2014/main" id="{6E6DC805-A6CA-4C2C-8D06-B2610C9EE997}"/>
+              </a:ext>
+            </a:extLst>
+          </p:cNvPr>
+          <p:cNvSpPr txBox="1"/>
+          <p:nvPr/>
+        </p:nvSpPr>
+        <p:spPr>
+          <a:xfrm>
+            <a:off x="-1" y="758973"/>
+            <a:ext cx="1979613" cy="461665"/>
+          </a:xfrm>
+          <a:prstGeom prst="rect">
+            <a:avLst/>
+          </a:prstGeom>
+          <a:noFill/>
+        </p:spPr>
+        <p:txBody>
+          <a:bodyPr wrap="square" rtlCol="0">
+            <a:spAutoFit/>
+          </a:bodyPr>
+          <a:lstStyle/>
+          <a:p>
+            <a:pPr algn="ctr"/>
+            <a:r>
+              <a:rPr lang="pt-BR" sz="2400" dirty="0" err="1">
+                <a:solidFill>
+                  <a:srgbClr val="B5DE00"/>
+                </a:solidFill>
+                <a:latin typeface="Tahoma" panose="020B0604030504040204" pitchFamily="34" charset="0"/>
+                <a:ea typeface="Tahoma" panose="020B0604030504040204" pitchFamily="34" charset="0"/>
+                <a:cs typeface="Tahoma" panose="020B0604030504040204" pitchFamily="34" charset="0"/>
+              </a:rPr>
+              <a:t>Observability</a:t>
+            </a:r>
+            <a:endParaRPr lang="pt-BR" sz="2400" dirty="0">
+              <a:solidFill>
+                <a:srgbClr val="B5DE00"/>
+              </a:solidFill>
+              <a:latin typeface="Tahoma" panose="020B0604030504040204" pitchFamily="34" charset="0"/>
+              <a:ea typeface="Tahoma" panose="020B0604030504040204" pitchFamily="34" charset="0"/>
+              <a:cs typeface="Tahoma" panose="020B0604030504040204" pitchFamily="34" charset="0"/>
+            </a:endParaRPr>
           </a:p>
         </p:txBody>
       </p:sp>
@@ -4624,101 +4673,12 @@
           </p:txBody>
         </p:sp>
       </p:grpSp>
-    </p:spTree>
-    <p:extLst>
-      <p:ext uri="{BB962C8B-B14F-4D97-AF65-F5344CB8AC3E}">
-        <p14:creationId xmlns:p14="http://schemas.microsoft.com/office/powerpoint/2010/main" val="525647676"/>
-      </p:ext>
-    </p:extLst>
-  </p:cSld>
-  <p:clrMapOvr>
-    <a:masterClrMapping/>
-  </p:clrMapOvr>
-</p:sld>
-</file>
-
-<file path=ppt/slides/slide13.xml><?xml version="1.0" encoding="utf-8"?>
-<p:sld xmlns:a="http://schemas.openxmlformats.org/drawingml/2006/main" xmlns:r="http://schemas.openxmlformats.org/officeDocument/2006/relationships" xmlns:p="http://schemas.openxmlformats.org/presentationml/2006/main">
-  <p:cSld>
-    <p:bg>
-      <p:bgPr>
-        <a:solidFill>
-          <a:srgbClr val="232F3F"/>
-        </a:solidFill>
-        <a:effectLst/>
-      </p:bgPr>
-    </p:bg>
-    <p:spTree>
-      <p:nvGrpSpPr>
-        <p:cNvPr id="1" name=""/>
-        <p:cNvGrpSpPr/>
-        <p:nvPr/>
-      </p:nvGrpSpPr>
-      <p:grpSpPr>
-        <a:xfrm>
-          <a:off x="0" y="0"/>
-          <a:ext cx="0" cy="0"/>
-          <a:chOff x="0" y="0"/>
-          <a:chExt cx="0" cy="0"/>
-        </a:xfrm>
-      </p:grpSpPr>
-      <p:sp>
-        <p:nvSpPr>
-          <p:cNvPr id="4" name="CaixaDeTexto 3">
+      <p:sp>
+        <p:nvSpPr>
+          <p:cNvPr id="8" name="Retângulo 7">
             <a:extLst>
               <a:ext uri="{FF2B5EF4-FFF2-40B4-BE49-F238E27FC236}">
-                <a16:creationId xmlns:a16="http://schemas.microsoft.com/office/drawing/2014/main" id="{6E6DC805-A6CA-4C2C-8D06-B2610C9EE997}"/>
-              </a:ext>
-            </a:extLst>
-          </p:cNvPr>
-          <p:cNvSpPr txBox="1"/>
-          <p:nvPr/>
-        </p:nvSpPr>
-        <p:spPr>
-          <a:xfrm>
-            <a:off x="-1" y="635863"/>
-            <a:ext cx="1979613" cy="707886"/>
-          </a:xfrm>
-          <a:prstGeom prst="rect">
-            <a:avLst/>
-          </a:prstGeom>
-          <a:noFill/>
-        </p:spPr>
-        <p:txBody>
-          <a:bodyPr wrap="square" rtlCol="0">
-            <a:spAutoFit/>
-          </a:bodyPr>
-          <a:lstStyle/>
-          <a:p>
-            <a:pPr algn="ctr"/>
-            <a:r>
-              <a:rPr lang="pt-BR" sz="4000" dirty="0" err="1">
-                <a:solidFill>
-                  <a:srgbClr val="B5DE00"/>
-                </a:solidFill>
-                <a:latin typeface="Tahoma" panose="020B0604030504040204" pitchFamily="34" charset="0"/>
-                <a:ea typeface="Tahoma" panose="020B0604030504040204" pitchFamily="34" charset="0"/>
-                <a:cs typeface="Tahoma" panose="020B0604030504040204" pitchFamily="34" charset="0"/>
-              </a:rPr>
-              <a:t>IoT</a:t>
-            </a:r>
-            <a:endParaRPr lang="pt-BR" sz="4000" dirty="0">
-              <a:solidFill>
-                <a:srgbClr val="B5DE00"/>
-              </a:solidFill>
-              <a:latin typeface="Tahoma" panose="020B0604030504040204" pitchFamily="34" charset="0"/>
-              <a:ea typeface="Tahoma" panose="020B0604030504040204" pitchFamily="34" charset="0"/>
-              <a:cs typeface="Tahoma" panose="020B0604030504040204" pitchFamily="34" charset="0"/>
-            </a:endParaRPr>
-          </a:p>
-        </p:txBody>
-      </p:sp>
-      <p:sp>
-        <p:nvSpPr>
-          <p:cNvPr id="3" name="Retângulo 2">
-            <a:extLst>
-              <a:ext uri="{FF2B5EF4-FFF2-40B4-BE49-F238E27FC236}">
-                <a16:creationId xmlns:a16="http://schemas.microsoft.com/office/drawing/2014/main" id="{2C286A72-09BF-40F0-8DB3-5422DBDB5C46}"/>
+                <a16:creationId xmlns:a16="http://schemas.microsoft.com/office/drawing/2014/main" id="{6550829C-317D-436D-9FEB-54AE6701F863}"/>
               </a:ext>
             </a:extLst>
           </p:cNvPr>
@@ -4734,10 +4694,10 @@
             <a:avLst/>
           </a:prstGeom>
           <a:noFill/>
-          <a:ln w="15875">
+          <a:ln w="28575">
             <a:solidFill>
               <a:schemeClr val="bg1">
-                <a:lumMod val="65000"/>
+                <a:lumMod val="95000"/>
               </a:schemeClr>
             </a:solidFill>
           </a:ln>
@@ -4764,6 +4724,95 @@
           <a:p>
             <a:pPr algn="ctr"/>
             <a:endParaRPr lang="pt-BR"/>
+          </a:p>
+        </p:txBody>
+      </p:sp>
+    </p:spTree>
+    <p:extLst>
+      <p:ext uri="{BB962C8B-B14F-4D97-AF65-F5344CB8AC3E}">
+        <p14:creationId xmlns:p14="http://schemas.microsoft.com/office/powerpoint/2010/main" val="525647676"/>
+      </p:ext>
+    </p:extLst>
+  </p:cSld>
+  <p:clrMapOvr>
+    <a:masterClrMapping/>
+  </p:clrMapOvr>
+</p:sld>
+</file>
+
+<file path=ppt/slides/slide13.xml><?xml version="1.0" encoding="utf-8"?>
+<p:sld xmlns:a="http://schemas.openxmlformats.org/drawingml/2006/main" xmlns:r="http://schemas.openxmlformats.org/officeDocument/2006/relationships" xmlns:p="http://schemas.openxmlformats.org/presentationml/2006/main">
+  <p:cSld>
+    <p:bg>
+      <p:bgPr>
+        <a:solidFill>
+          <a:srgbClr val="0A0F0B"/>
+        </a:solidFill>
+        <a:effectLst/>
+      </p:bgPr>
+    </p:bg>
+    <p:spTree>
+      <p:nvGrpSpPr>
+        <p:cNvPr id="1" name=""/>
+        <p:cNvGrpSpPr/>
+        <p:nvPr/>
+      </p:nvGrpSpPr>
+      <p:grpSpPr>
+        <a:xfrm>
+          <a:off x="0" y="0"/>
+          <a:ext cx="0" cy="0"/>
+          <a:chOff x="0" y="0"/>
+          <a:chExt cx="0" cy="0"/>
+        </a:xfrm>
+      </p:grpSpPr>
+      <p:sp>
+        <p:nvSpPr>
+          <p:cNvPr id="4" name="CaixaDeTexto 3">
+            <a:extLst>
+              <a:ext uri="{FF2B5EF4-FFF2-40B4-BE49-F238E27FC236}">
+                <a16:creationId xmlns:a16="http://schemas.microsoft.com/office/drawing/2014/main" id="{6E6DC805-A6CA-4C2C-8D06-B2610C9EE997}"/>
+              </a:ext>
+            </a:extLst>
+          </p:cNvPr>
+          <p:cNvSpPr txBox="1"/>
+          <p:nvPr/>
+        </p:nvSpPr>
+        <p:spPr>
+          <a:xfrm>
+            <a:off x="-1" y="635863"/>
+            <a:ext cx="1979613" cy="707886"/>
+          </a:xfrm>
+          <a:prstGeom prst="rect">
+            <a:avLst/>
+          </a:prstGeom>
+          <a:noFill/>
+        </p:spPr>
+        <p:txBody>
+          <a:bodyPr wrap="square" rtlCol="0">
+            <a:spAutoFit/>
+          </a:bodyPr>
+          <a:lstStyle/>
+          <a:p>
+            <a:pPr algn="ctr"/>
+            <a:r>
+              <a:rPr lang="pt-BR" sz="4000" dirty="0" err="1">
+                <a:solidFill>
+                  <a:srgbClr val="B5DE00"/>
+                </a:solidFill>
+                <a:latin typeface="Tahoma" panose="020B0604030504040204" pitchFamily="34" charset="0"/>
+                <a:ea typeface="Tahoma" panose="020B0604030504040204" pitchFamily="34" charset="0"/>
+                <a:cs typeface="Tahoma" panose="020B0604030504040204" pitchFamily="34" charset="0"/>
+              </a:rPr>
+              <a:t>IoT</a:t>
+            </a:r>
+            <a:endParaRPr lang="pt-BR" sz="4000" dirty="0">
+              <a:solidFill>
+                <a:srgbClr val="B5DE00"/>
+              </a:solidFill>
+              <a:latin typeface="Tahoma" panose="020B0604030504040204" pitchFamily="34" charset="0"/>
+              <a:ea typeface="Tahoma" panose="020B0604030504040204" pitchFamily="34" charset="0"/>
+              <a:cs typeface="Tahoma" panose="020B0604030504040204" pitchFamily="34" charset="0"/>
+            </a:endParaRPr>
           </a:p>
         </p:txBody>
       </p:sp>
@@ -4892,129 +4941,12 @@
           </p:txBody>
         </p:sp>
       </p:grpSp>
-    </p:spTree>
-    <p:extLst>
-      <p:ext uri="{BB962C8B-B14F-4D97-AF65-F5344CB8AC3E}">
-        <p14:creationId xmlns:p14="http://schemas.microsoft.com/office/powerpoint/2010/main" val="1998969265"/>
-      </p:ext>
-    </p:extLst>
-  </p:cSld>
-  <p:clrMapOvr>
-    <a:masterClrMapping/>
-  </p:clrMapOvr>
-</p:sld>
-</file>
-
-<file path=ppt/slides/slide14.xml><?xml version="1.0" encoding="utf-8"?>
-<p:sld xmlns:a="http://schemas.openxmlformats.org/drawingml/2006/main" xmlns:r="http://schemas.openxmlformats.org/officeDocument/2006/relationships" xmlns:p="http://schemas.openxmlformats.org/presentationml/2006/main">
-  <p:cSld>
-    <p:bg>
-      <p:bgPr>
-        <a:solidFill>
-          <a:srgbClr val="232F3F"/>
-        </a:solidFill>
-        <a:effectLst/>
-      </p:bgPr>
-    </p:bg>
-    <p:spTree>
-      <p:nvGrpSpPr>
-        <p:cNvPr id="1" name=""/>
-        <p:cNvGrpSpPr/>
-        <p:nvPr/>
-      </p:nvGrpSpPr>
-      <p:grpSpPr>
-        <a:xfrm>
-          <a:off x="0" y="0"/>
-          <a:ext cx="0" cy="0"/>
-          <a:chOff x="0" y="0"/>
-          <a:chExt cx="0" cy="0"/>
-        </a:xfrm>
-      </p:grpSpPr>
-      <p:sp>
-        <p:nvSpPr>
-          <p:cNvPr id="4" name="CaixaDeTexto 3">
+      <p:sp>
+        <p:nvSpPr>
+          <p:cNvPr id="8" name="Retângulo 7">
             <a:extLst>
               <a:ext uri="{FF2B5EF4-FFF2-40B4-BE49-F238E27FC236}">
-                <a16:creationId xmlns:a16="http://schemas.microsoft.com/office/drawing/2014/main" id="{6E6DC805-A6CA-4C2C-8D06-B2610C9EE997}"/>
-              </a:ext>
-            </a:extLst>
-          </p:cNvPr>
-          <p:cNvSpPr txBox="1"/>
-          <p:nvPr/>
-        </p:nvSpPr>
-        <p:spPr>
-          <a:xfrm>
-            <a:off x="793" y="574307"/>
-            <a:ext cx="1979613" cy="830997"/>
-          </a:xfrm>
-          <a:prstGeom prst="rect">
-            <a:avLst/>
-          </a:prstGeom>
-          <a:noFill/>
-        </p:spPr>
-        <p:txBody>
-          <a:bodyPr wrap="square" rtlCol="0">
-            <a:spAutoFit/>
-          </a:bodyPr>
-          <a:lstStyle/>
-          <a:p>
-            <a:pPr algn="ctr"/>
-            <a:r>
-              <a:rPr lang="pt-BR" sz="2400" dirty="0">
-                <a:solidFill>
-                  <a:schemeClr val="bg1"/>
-                </a:solidFill>
-                <a:latin typeface="Tahoma" panose="020B0604030504040204" pitchFamily="34" charset="0"/>
-                <a:ea typeface="Tahoma" panose="020B0604030504040204" pitchFamily="34" charset="0"/>
-                <a:cs typeface="Tahoma" panose="020B0604030504040204" pitchFamily="34" charset="0"/>
-              </a:rPr>
-              <a:t> </a:t>
-            </a:r>
-            <a:r>
-              <a:rPr lang="pt-BR" sz="2400" dirty="0">
-                <a:solidFill>
-                  <a:srgbClr val="B5DE00"/>
-                </a:solidFill>
-                <a:latin typeface="Tahoma" panose="020B0604030504040204" pitchFamily="34" charset="0"/>
-                <a:ea typeface="Tahoma" panose="020B0604030504040204" pitchFamily="34" charset="0"/>
-                <a:cs typeface="Tahoma" panose="020B0604030504040204" pitchFamily="34" charset="0"/>
-              </a:rPr>
-              <a:t>Data</a:t>
-            </a:r>
-          </a:p>
-          <a:p>
-            <a:pPr algn="ctr"/>
-            <a:r>
-              <a:rPr lang="pt-BR" sz="2400" dirty="0">
-                <a:solidFill>
-                  <a:srgbClr val="E89B26"/>
-                </a:solidFill>
-                <a:latin typeface="Tahoma" panose="020B0604030504040204" pitchFamily="34" charset="0"/>
-                <a:ea typeface="Tahoma" panose="020B0604030504040204" pitchFamily="34" charset="0"/>
-                <a:cs typeface="Tahoma" panose="020B0604030504040204" pitchFamily="34" charset="0"/>
-              </a:rPr>
-              <a:t> </a:t>
-            </a:r>
-            <a:r>
-              <a:rPr lang="pt-BR" sz="2400" dirty="0">
-                <a:solidFill>
-                  <a:srgbClr val="34977E"/>
-                </a:solidFill>
-                <a:latin typeface="Tahoma" panose="020B0604030504040204" pitchFamily="34" charset="0"/>
-                <a:ea typeface="Tahoma" panose="020B0604030504040204" pitchFamily="34" charset="0"/>
-                <a:cs typeface="Tahoma" panose="020B0604030504040204" pitchFamily="34" charset="0"/>
-              </a:rPr>
-              <a:t>Science</a:t>
-            </a:r>
-          </a:p>
-        </p:txBody>
-      </p:sp>
-      <p:sp>
-        <p:nvSpPr>
-          <p:cNvPr id="3" name="Retângulo 2">
-            <a:extLst>
-              <a:ext uri="{FF2B5EF4-FFF2-40B4-BE49-F238E27FC236}">
-                <a16:creationId xmlns:a16="http://schemas.microsoft.com/office/drawing/2014/main" id="{74A7C29D-F332-4D13-B29C-BC8CDDDD31F2}"/>
+                <a16:creationId xmlns:a16="http://schemas.microsoft.com/office/drawing/2014/main" id="{E7A7FF1D-ABBF-480C-8547-44339589929E}"/>
               </a:ext>
             </a:extLst>
           </p:cNvPr>
@@ -5030,10 +4962,10 @@
             <a:avLst/>
           </a:prstGeom>
           <a:noFill/>
-          <a:ln w="15875">
+          <a:ln w="28575">
             <a:solidFill>
               <a:schemeClr val="bg1">
-                <a:lumMod val="65000"/>
+                <a:lumMod val="95000"/>
               </a:schemeClr>
             </a:solidFill>
           </a:ln>
@@ -5060,6 +4992,101 @@
           <a:p>
             <a:pPr algn="ctr"/>
             <a:endParaRPr lang="pt-BR"/>
+          </a:p>
+        </p:txBody>
+      </p:sp>
+    </p:spTree>
+    <p:extLst>
+      <p:ext uri="{BB962C8B-B14F-4D97-AF65-F5344CB8AC3E}">
+        <p14:creationId xmlns:p14="http://schemas.microsoft.com/office/powerpoint/2010/main" val="1998969265"/>
+      </p:ext>
+    </p:extLst>
+  </p:cSld>
+  <p:clrMapOvr>
+    <a:masterClrMapping/>
+  </p:clrMapOvr>
+</p:sld>
+</file>
+
+<file path=ppt/slides/slide14.xml><?xml version="1.0" encoding="utf-8"?>
+<p:sld xmlns:a="http://schemas.openxmlformats.org/drawingml/2006/main" xmlns:r="http://schemas.openxmlformats.org/officeDocument/2006/relationships" xmlns:p="http://schemas.openxmlformats.org/presentationml/2006/main">
+  <p:cSld>
+    <p:bg>
+      <p:bgPr>
+        <a:solidFill>
+          <a:srgbClr val="0A0F0B"/>
+        </a:solidFill>
+        <a:effectLst/>
+      </p:bgPr>
+    </p:bg>
+    <p:spTree>
+      <p:nvGrpSpPr>
+        <p:cNvPr id="1" name=""/>
+        <p:cNvGrpSpPr/>
+        <p:nvPr/>
+      </p:nvGrpSpPr>
+      <p:grpSpPr>
+        <a:xfrm>
+          <a:off x="0" y="0"/>
+          <a:ext cx="0" cy="0"/>
+          <a:chOff x="0" y="0"/>
+          <a:chExt cx="0" cy="0"/>
+        </a:xfrm>
+      </p:grpSpPr>
+      <p:sp>
+        <p:nvSpPr>
+          <p:cNvPr id="4" name="CaixaDeTexto 3">
+            <a:extLst>
+              <a:ext uri="{FF2B5EF4-FFF2-40B4-BE49-F238E27FC236}">
+                <a16:creationId xmlns:a16="http://schemas.microsoft.com/office/drawing/2014/main" id="{6E6DC805-A6CA-4C2C-8D06-B2610C9EE997}"/>
+              </a:ext>
+            </a:extLst>
+          </p:cNvPr>
+          <p:cNvSpPr txBox="1"/>
+          <p:nvPr/>
+        </p:nvSpPr>
+        <p:spPr>
+          <a:xfrm>
+            <a:off x="793" y="574307"/>
+            <a:ext cx="1979613" cy="830997"/>
+          </a:xfrm>
+          <a:prstGeom prst="rect">
+            <a:avLst/>
+          </a:prstGeom>
+          <a:noFill/>
+        </p:spPr>
+        <p:txBody>
+          <a:bodyPr wrap="square" rtlCol="0">
+            <a:spAutoFit/>
+          </a:bodyPr>
+          <a:lstStyle/>
+          <a:p>
+            <a:pPr algn="ctr"/>
+            <a:r>
+              <a:rPr lang="pt-BR" sz="2400" dirty="0">
+                <a:solidFill>
+                  <a:srgbClr val="B5DE00"/>
+                </a:solidFill>
+                <a:latin typeface="Tahoma" panose="020B0604030504040204" pitchFamily="34" charset="0"/>
+                <a:ea typeface="Tahoma" panose="020B0604030504040204" pitchFamily="34" charset="0"/>
+                <a:cs typeface="Tahoma" panose="020B0604030504040204" pitchFamily="34" charset="0"/>
+              </a:rPr>
+              <a:t>Data</a:t>
+            </a:r>
+          </a:p>
+          <a:p>
+            <a:pPr algn="ctr"/>
+            <a:r>
+              <a:rPr lang="pt-BR" sz="2400" dirty="0">
+                <a:solidFill>
+                  <a:srgbClr val="34977E"/>
+                </a:solidFill>
+                <a:latin typeface="Tahoma" panose="020B0604030504040204" pitchFamily="34" charset="0"/>
+                <a:ea typeface="Tahoma" panose="020B0604030504040204" pitchFamily="34" charset="0"/>
+                <a:cs typeface="Tahoma" panose="020B0604030504040204" pitchFamily="34" charset="0"/>
+              </a:rPr>
+              <a:t>Science</a:t>
+            </a:r>
           </a:p>
         </p:txBody>
       </p:sp>
@@ -5188,156 +5215,12 @@
           </p:txBody>
         </p:sp>
       </p:grpSp>
-    </p:spTree>
-    <p:extLst>
-      <p:ext uri="{BB962C8B-B14F-4D97-AF65-F5344CB8AC3E}">
-        <p14:creationId xmlns:p14="http://schemas.microsoft.com/office/powerpoint/2010/main" val="2640537202"/>
-      </p:ext>
-    </p:extLst>
-  </p:cSld>
-  <p:clrMapOvr>
-    <a:masterClrMapping/>
-  </p:clrMapOvr>
-</p:sld>
-</file>
-
-<file path=ppt/slides/slide15.xml><?xml version="1.0" encoding="utf-8"?>
-<p:sld xmlns:a="http://schemas.openxmlformats.org/drawingml/2006/main" xmlns:r="http://schemas.openxmlformats.org/officeDocument/2006/relationships" xmlns:p="http://schemas.openxmlformats.org/presentationml/2006/main">
-  <p:cSld>
-    <p:bg>
-      <p:bgPr>
-        <a:solidFill>
-          <a:srgbClr val="232F3F"/>
-        </a:solidFill>
-        <a:effectLst/>
-      </p:bgPr>
-    </p:bg>
-    <p:spTree>
-      <p:nvGrpSpPr>
-        <p:cNvPr id="1" name=""/>
-        <p:cNvGrpSpPr/>
-        <p:nvPr/>
-      </p:nvGrpSpPr>
-      <p:grpSpPr>
-        <a:xfrm>
-          <a:off x="0" y="0"/>
-          <a:ext cx="0" cy="0"/>
-          <a:chOff x="0" y="0"/>
-          <a:chExt cx="0" cy="0"/>
-        </a:xfrm>
-      </p:grpSpPr>
-      <p:sp>
-        <p:nvSpPr>
-          <p:cNvPr id="4" name="CaixaDeTexto 3">
+      <p:sp>
+        <p:nvSpPr>
+          <p:cNvPr id="8" name="Retângulo 7">
             <a:extLst>
               <a:ext uri="{FF2B5EF4-FFF2-40B4-BE49-F238E27FC236}">
-                <a16:creationId xmlns:a16="http://schemas.microsoft.com/office/drawing/2014/main" id="{6E6DC805-A6CA-4C2C-8D06-B2610C9EE997}"/>
-              </a:ext>
-            </a:extLst>
-          </p:cNvPr>
-          <p:cNvSpPr txBox="1"/>
-          <p:nvPr/>
-        </p:nvSpPr>
-        <p:spPr>
-          <a:xfrm>
-            <a:off x="-1" y="575101"/>
-            <a:ext cx="1979613" cy="830997"/>
-          </a:xfrm>
-          <a:prstGeom prst="rect">
-            <a:avLst/>
-          </a:prstGeom>
-          <a:noFill/>
-        </p:spPr>
-        <p:txBody>
-          <a:bodyPr wrap="square" rtlCol="0">
-            <a:spAutoFit/>
-          </a:bodyPr>
-          <a:lstStyle/>
-          <a:p>
-            <a:pPr algn="ctr"/>
-            <a:r>
-              <a:rPr lang="pt-BR" sz="2400" dirty="0">
-                <a:solidFill>
-                  <a:schemeClr val="bg1"/>
-                </a:solidFill>
-                <a:latin typeface="Tahoma" panose="020B0604030504040204" pitchFamily="34" charset="0"/>
-                <a:ea typeface="Tahoma" panose="020B0604030504040204" pitchFamily="34" charset="0"/>
-                <a:cs typeface="Tahoma" panose="020B0604030504040204" pitchFamily="34" charset="0"/>
-              </a:rPr>
-              <a:t> </a:t>
-            </a:r>
-            <a:r>
-              <a:rPr lang="pt-BR" sz="2400" dirty="0" err="1">
-                <a:solidFill>
-                  <a:srgbClr val="B5DE00"/>
-                </a:solidFill>
-                <a:latin typeface="Tahoma" panose="020B0604030504040204" pitchFamily="34" charset="0"/>
-                <a:ea typeface="Tahoma" panose="020B0604030504040204" pitchFamily="34" charset="0"/>
-                <a:cs typeface="Tahoma" panose="020B0604030504040204" pitchFamily="34" charset="0"/>
-              </a:rPr>
-              <a:t>Blockchain</a:t>
-            </a:r>
-            <a:endParaRPr lang="pt-BR" sz="2400" dirty="0">
-              <a:solidFill>
-                <a:srgbClr val="B5DE00"/>
-              </a:solidFill>
-              <a:latin typeface="Tahoma" panose="020B0604030504040204" pitchFamily="34" charset="0"/>
-              <a:ea typeface="Tahoma" panose="020B0604030504040204" pitchFamily="34" charset="0"/>
-              <a:cs typeface="Tahoma" panose="020B0604030504040204" pitchFamily="34" charset="0"/>
-            </a:endParaRPr>
-          </a:p>
-          <a:p>
-            <a:pPr algn="ctr"/>
-            <a:r>
-              <a:rPr lang="pt-BR" sz="2400" dirty="0">
-                <a:solidFill>
-                  <a:srgbClr val="E89B26"/>
-                </a:solidFill>
-                <a:latin typeface="Tahoma" panose="020B0604030504040204" pitchFamily="34" charset="0"/>
-                <a:ea typeface="Tahoma" panose="020B0604030504040204" pitchFamily="34" charset="0"/>
-                <a:cs typeface="Tahoma" panose="020B0604030504040204" pitchFamily="34" charset="0"/>
-              </a:rPr>
-              <a:t> </a:t>
-            </a:r>
-            <a:r>
-              <a:rPr lang="pt-BR" sz="2400" dirty="0">
-                <a:solidFill>
-                  <a:srgbClr val="34977E"/>
-                </a:solidFill>
-                <a:latin typeface="Tahoma" panose="020B0604030504040204" pitchFamily="34" charset="0"/>
-                <a:ea typeface="Tahoma" panose="020B0604030504040204" pitchFamily="34" charset="0"/>
-                <a:cs typeface="Tahoma" panose="020B0604030504040204" pitchFamily="34" charset="0"/>
-              </a:rPr>
-              <a:t>&amp; </a:t>
-            </a:r>
-            <a:r>
-              <a:rPr lang="pt-BR" sz="2400" dirty="0" err="1">
-                <a:solidFill>
-                  <a:srgbClr val="34977E"/>
-                </a:solidFill>
-                <a:latin typeface="Tahoma" panose="020B0604030504040204" pitchFamily="34" charset="0"/>
-                <a:ea typeface="Tahoma" panose="020B0604030504040204" pitchFamily="34" charset="0"/>
-                <a:cs typeface="Tahoma" panose="020B0604030504040204" pitchFamily="34" charset="0"/>
-              </a:rPr>
-              <a:t>DeFi</a:t>
-            </a:r>
-            <a:endParaRPr lang="pt-BR" sz="2400" dirty="0">
-              <a:solidFill>
-                <a:srgbClr val="34977E"/>
-              </a:solidFill>
-              <a:latin typeface="Tahoma" panose="020B0604030504040204" pitchFamily="34" charset="0"/>
-              <a:ea typeface="Tahoma" panose="020B0604030504040204" pitchFamily="34" charset="0"/>
-              <a:cs typeface="Tahoma" panose="020B0604030504040204" pitchFamily="34" charset="0"/>
-            </a:endParaRPr>
-          </a:p>
-        </p:txBody>
-      </p:sp>
-      <p:sp>
-        <p:nvSpPr>
-          <p:cNvPr id="3" name="Retângulo 2">
-            <a:extLst>
-              <a:ext uri="{FF2B5EF4-FFF2-40B4-BE49-F238E27FC236}">
-                <a16:creationId xmlns:a16="http://schemas.microsoft.com/office/drawing/2014/main" id="{12D4FB0B-6491-4CBB-BC47-68D214663259}"/>
+                <a16:creationId xmlns:a16="http://schemas.microsoft.com/office/drawing/2014/main" id="{43BA9A4F-472A-4967-9120-1EF5BA457A6C}"/>
               </a:ext>
             </a:extLst>
           </p:cNvPr>
@@ -5353,10 +5236,10 @@
             <a:avLst/>
           </a:prstGeom>
           <a:noFill/>
-          <a:ln w="15875">
+          <a:ln w="28575">
             <a:solidFill>
               <a:schemeClr val="bg1">
-                <a:lumMod val="65000"/>
+                <a:lumMod val="95000"/>
               </a:schemeClr>
             </a:solidFill>
           </a:ln>
@@ -5383,6 +5266,128 @@
           <a:p>
             <a:pPr algn="ctr"/>
             <a:endParaRPr lang="pt-BR"/>
+          </a:p>
+        </p:txBody>
+      </p:sp>
+    </p:spTree>
+    <p:extLst>
+      <p:ext uri="{BB962C8B-B14F-4D97-AF65-F5344CB8AC3E}">
+        <p14:creationId xmlns:p14="http://schemas.microsoft.com/office/powerpoint/2010/main" val="2640537202"/>
+      </p:ext>
+    </p:extLst>
+  </p:cSld>
+  <p:clrMapOvr>
+    <a:masterClrMapping/>
+  </p:clrMapOvr>
+</p:sld>
+</file>
+
+<file path=ppt/slides/slide15.xml><?xml version="1.0" encoding="utf-8"?>
+<p:sld xmlns:a="http://schemas.openxmlformats.org/drawingml/2006/main" xmlns:r="http://schemas.openxmlformats.org/officeDocument/2006/relationships" xmlns:p="http://schemas.openxmlformats.org/presentationml/2006/main">
+  <p:cSld>
+    <p:bg>
+      <p:bgPr>
+        <a:solidFill>
+          <a:srgbClr val="0A0F0B"/>
+        </a:solidFill>
+        <a:effectLst/>
+      </p:bgPr>
+    </p:bg>
+    <p:spTree>
+      <p:nvGrpSpPr>
+        <p:cNvPr id="1" name=""/>
+        <p:cNvGrpSpPr/>
+        <p:nvPr/>
+      </p:nvGrpSpPr>
+      <p:grpSpPr>
+        <a:xfrm>
+          <a:off x="0" y="0"/>
+          <a:ext cx="0" cy="0"/>
+          <a:chOff x="0" y="0"/>
+          <a:chExt cx="0" cy="0"/>
+        </a:xfrm>
+      </p:grpSpPr>
+      <p:sp>
+        <p:nvSpPr>
+          <p:cNvPr id="4" name="CaixaDeTexto 3">
+            <a:extLst>
+              <a:ext uri="{FF2B5EF4-FFF2-40B4-BE49-F238E27FC236}">
+                <a16:creationId xmlns:a16="http://schemas.microsoft.com/office/drawing/2014/main" id="{6E6DC805-A6CA-4C2C-8D06-B2610C9EE997}"/>
+              </a:ext>
+            </a:extLst>
+          </p:cNvPr>
+          <p:cNvSpPr txBox="1"/>
+          <p:nvPr/>
+        </p:nvSpPr>
+        <p:spPr>
+          <a:xfrm>
+            <a:off x="-1" y="575101"/>
+            <a:ext cx="1979613" cy="830997"/>
+          </a:xfrm>
+          <a:prstGeom prst="rect">
+            <a:avLst/>
+          </a:prstGeom>
+          <a:noFill/>
+        </p:spPr>
+        <p:txBody>
+          <a:bodyPr wrap="square" rtlCol="0">
+            <a:spAutoFit/>
+          </a:bodyPr>
+          <a:lstStyle/>
+          <a:p>
+            <a:pPr algn="ctr"/>
+            <a:r>
+              <a:rPr lang="pt-BR" sz="2400" dirty="0" err="1">
+                <a:solidFill>
+                  <a:srgbClr val="B5DE00"/>
+                </a:solidFill>
+                <a:latin typeface="Tahoma" panose="020B0604030504040204" pitchFamily="34" charset="0"/>
+                <a:ea typeface="Tahoma" panose="020B0604030504040204" pitchFamily="34" charset="0"/>
+                <a:cs typeface="Tahoma" panose="020B0604030504040204" pitchFamily="34" charset="0"/>
+              </a:rPr>
+              <a:t>Blockchain</a:t>
+            </a:r>
+            <a:endParaRPr lang="pt-BR" sz="2400" dirty="0">
+              <a:solidFill>
+                <a:srgbClr val="B5DE00"/>
+              </a:solidFill>
+              <a:latin typeface="Tahoma" panose="020B0604030504040204" pitchFamily="34" charset="0"/>
+              <a:ea typeface="Tahoma" panose="020B0604030504040204" pitchFamily="34" charset="0"/>
+              <a:cs typeface="Tahoma" panose="020B0604030504040204" pitchFamily="34" charset="0"/>
+            </a:endParaRPr>
+          </a:p>
+          <a:p>
+            <a:pPr algn="ctr"/>
+            <a:r>
+              <a:rPr lang="pt-BR" sz="2400" dirty="0">
+                <a:solidFill>
+                  <a:srgbClr val="34977E"/>
+                </a:solidFill>
+                <a:latin typeface="Tahoma" panose="020B0604030504040204" pitchFamily="34" charset="0"/>
+                <a:ea typeface="Tahoma" panose="020B0604030504040204" pitchFamily="34" charset="0"/>
+                <a:cs typeface="Tahoma" panose="020B0604030504040204" pitchFamily="34" charset="0"/>
+              </a:rPr>
+              <a:t>&amp; </a:t>
+            </a:r>
+            <a:r>
+              <a:rPr lang="pt-BR" sz="2400" dirty="0" err="1">
+                <a:solidFill>
+                  <a:srgbClr val="34977E"/>
+                </a:solidFill>
+                <a:latin typeface="Tahoma" panose="020B0604030504040204" pitchFamily="34" charset="0"/>
+                <a:ea typeface="Tahoma" panose="020B0604030504040204" pitchFamily="34" charset="0"/>
+                <a:cs typeface="Tahoma" panose="020B0604030504040204" pitchFamily="34" charset="0"/>
+              </a:rPr>
+              <a:t>DeFi</a:t>
+            </a:r>
+            <a:endParaRPr lang="pt-BR" sz="2400" dirty="0">
+              <a:solidFill>
+                <a:srgbClr val="34977E"/>
+              </a:solidFill>
+              <a:latin typeface="Tahoma" panose="020B0604030504040204" pitchFamily="34" charset="0"/>
+              <a:ea typeface="Tahoma" panose="020B0604030504040204" pitchFamily="34" charset="0"/>
+              <a:cs typeface="Tahoma" panose="020B0604030504040204" pitchFamily="34" charset="0"/>
+            </a:endParaRPr>
           </a:p>
         </p:txBody>
       </p:sp>
@@ -5511,137 +5516,12 @@
           </p:txBody>
         </p:sp>
       </p:grpSp>
-    </p:spTree>
-    <p:extLst>
-      <p:ext uri="{BB962C8B-B14F-4D97-AF65-F5344CB8AC3E}">
-        <p14:creationId xmlns:p14="http://schemas.microsoft.com/office/powerpoint/2010/main" val="2451197358"/>
-      </p:ext>
-    </p:extLst>
-  </p:cSld>
-  <p:clrMapOvr>
-    <a:masterClrMapping/>
-  </p:clrMapOvr>
-</p:sld>
-</file>
-
-<file path=ppt/slides/slide16.xml><?xml version="1.0" encoding="utf-8"?>
-<p:sld xmlns:a="http://schemas.openxmlformats.org/drawingml/2006/main" xmlns:r="http://schemas.openxmlformats.org/officeDocument/2006/relationships" xmlns:p="http://schemas.openxmlformats.org/presentationml/2006/main">
-  <p:cSld>
-    <p:bg>
-      <p:bgPr>
-        <a:solidFill>
-          <a:srgbClr val="232F3F"/>
-        </a:solidFill>
-        <a:effectLst/>
-      </p:bgPr>
-    </p:bg>
-    <p:spTree>
-      <p:nvGrpSpPr>
-        <p:cNvPr id="1" name=""/>
-        <p:cNvGrpSpPr/>
-        <p:nvPr/>
-      </p:nvGrpSpPr>
-      <p:grpSpPr>
-        <a:xfrm>
-          <a:off x="0" y="0"/>
-          <a:ext cx="0" cy="0"/>
-          <a:chOff x="0" y="0"/>
-          <a:chExt cx="0" cy="0"/>
-        </a:xfrm>
-      </p:grpSpPr>
-      <p:sp>
-        <p:nvSpPr>
-          <p:cNvPr id="4" name="CaixaDeTexto 3">
+      <p:sp>
+        <p:nvSpPr>
+          <p:cNvPr id="8" name="Retângulo 7">
             <a:extLst>
               <a:ext uri="{FF2B5EF4-FFF2-40B4-BE49-F238E27FC236}">
-                <a16:creationId xmlns:a16="http://schemas.microsoft.com/office/drawing/2014/main" id="{6E6DC805-A6CA-4C2C-8D06-B2610C9EE997}"/>
-              </a:ext>
-            </a:extLst>
-          </p:cNvPr>
-          <p:cNvSpPr txBox="1"/>
-          <p:nvPr/>
-        </p:nvSpPr>
-        <p:spPr>
-          <a:xfrm>
-            <a:off x="0" y="574307"/>
-            <a:ext cx="1979613" cy="830997"/>
-          </a:xfrm>
-          <a:prstGeom prst="rect">
-            <a:avLst/>
-          </a:prstGeom>
-          <a:noFill/>
-        </p:spPr>
-        <p:txBody>
-          <a:bodyPr wrap="square" rtlCol="0">
-            <a:spAutoFit/>
-          </a:bodyPr>
-          <a:lstStyle/>
-          <a:p>
-            <a:pPr algn="ctr"/>
-            <a:r>
-              <a:rPr lang="pt-BR" sz="2400" dirty="0">
-                <a:solidFill>
-                  <a:schemeClr val="bg1"/>
-                </a:solidFill>
-                <a:latin typeface="Tahoma" panose="020B0604030504040204" pitchFamily="34" charset="0"/>
-                <a:ea typeface="Tahoma" panose="020B0604030504040204" pitchFamily="34" charset="0"/>
-                <a:cs typeface="Tahoma" panose="020B0604030504040204" pitchFamily="34" charset="0"/>
-              </a:rPr>
-              <a:t> </a:t>
-            </a:r>
-            <a:r>
-              <a:rPr lang="pt-BR" sz="2400" dirty="0">
-                <a:solidFill>
-                  <a:srgbClr val="B5DE00"/>
-                </a:solidFill>
-                <a:latin typeface="Tahoma" panose="020B0604030504040204" pitchFamily="34" charset="0"/>
-                <a:ea typeface="Tahoma" panose="020B0604030504040204" pitchFamily="34" charset="0"/>
-                <a:cs typeface="Tahoma" panose="020B0604030504040204" pitchFamily="34" charset="0"/>
-              </a:rPr>
-              <a:t>Quantum</a:t>
-            </a:r>
-          </a:p>
-          <a:p>
-            <a:pPr algn="ctr"/>
-            <a:r>
-              <a:rPr lang="pt-BR" sz="2400" dirty="0">
-                <a:solidFill>
-                  <a:srgbClr val="E89B26"/>
-                </a:solidFill>
-                <a:latin typeface="Tahoma" panose="020B0604030504040204" pitchFamily="34" charset="0"/>
-                <a:ea typeface="Tahoma" panose="020B0604030504040204" pitchFamily="34" charset="0"/>
-                <a:cs typeface="Tahoma" panose="020B0604030504040204" pitchFamily="34" charset="0"/>
-              </a:rPr>
-              <a:t> </a:t>
-            </a:r>
-            <a:r>
-              <a:rPr lang="pt-BR" sz="2400" dirty="0" err="1">
-                <a:solidFill>
-                  <a:srgbClr val="34977E"/>
-                </a:solidFill>
-                <a:latin typeface="Tahoma" panose="020B0604030504040204" pitchFamily="34" charset="0"/>
-                <a:ea typeface="Tahoma" panose="020B0604030504040204" pitchFamily="34" charset="0"/>
-                <a:cs typeface="Tahoma" panose="020B0604030504040204" pitchFamily="34" charset="0"/>
-              </a:rPr>
-              <a:t>Computing</a:t>
-            </a:r>
-            <a:endParaRPr lang="pt-BR" sz="2400" dirty="0">
-              <a:solidFill>
-                <a:srgbClr val="34977E"/>
-              </a:solidFill>
-              <a:latin typeface="Tahoma" panose="020B0604030504040204" pitchFamily="34" charset="0"/>
-              <a:ea typeface="Tahoma" panose="020B0604030504040204" pitchFamily="34" charset="0"/>
-              <a:cs typeface="Tahoma" panose="020B0604030504040204" pitchFamily="34" charset="0"/>
-            </a:endParaRPr>
-          </a:p>
-        </p:txBody>
-      </p:sp>
-      <p:sp>
-        <p:nvSpPr>
-          <p:cNvPr id="3" name="Retângulo 2">
-            <a:extLst>
-              <a:ext uri="{FF2B5EF4-FFF2-40B4-BE49-F238E27FC236}">
-                <a16:creationId xmlns:a16="http://schemas.microsoft.com/office/drawing/2014/main" id="{3C030ADF-D9D4-4B0A-B155-F682443E5165}"/>
+                <a16:creationId xmlns:a16="http://schemas.microsoft.com/office/drawing/2014/main" id="{4149B037-E651-4273-B379-C3D82FA3C917}"/>
               </a:ext>
             </a:extLst>
           </p:cNvPr>
@@ -5657,10 +5537,10 @@
             <a:avLst/>
           </a:prstGeom>
           <a:noFill/>
-          <a:ln w="15875">
+          <a:ln w="28575">
             <a:solidFill>
               <a:schemeClr val="bg1">
-                <a:lumMod val="65000"/>
+                <a:lumMod val="95000"/>
               </a:schemeClr>
             </a:solidFill>
           </a:ln>
@@ -5687,6 +5567,109 @@
           <a:p>
             <a:pPr algn="ctr"/>
             <a:endParaRPr lang="pt-BR"/>
+          </a:p>
+        </p:txBody>
+      </p:sp>
+    </p:spTree>
+    <p:extLst>
+      <p:ext uri="{BB962C8B-B14F-4D97-AF65-F5344CB8AC3E}">
+        <p14:creationId xmlns:p14="http://schemas.microsoft.com/office/powerpoint/2010/main" val="2451197358"/>
+      </p:ext>
+    </p:extLst>
+  </p:cSld>
+  <p:clrMapOvr>
+    <a:masterClrMapping/>
+  </p:clrMapOvr>
+</p:sld>
+</file>
+
+<file path=ppt/slides/slide16.xml><?xml version="1.0" encoding="utf-8"?>
+<p:sld xmlns:a="http://schemas.openxmlformats.org/drawingml/2006/main" xmlns:r="http://schemas.openxmlformats.org/officeDocument/2006/relationships" xmlns:p="http://schemas.openxmlformats.org/presentationml/2006/main">
+  <p:cSld>
+    <p:bg>
+      <p:bgPr>
+        <a:solidFill>
+          <a:srgbClr val="0A0F0B"/>
+        </a:solidFill>
+        <a:effectLst/>
+      </p:bgPr>
+    </p:bg>
+    <p:spTree>
+      <p:nvGrpSpPr>
+        <p:cNvPr id="1" name=""/>
+        <p:cNvGrpSpPr/>
+        <p:nvPr/>
+      </p:nvGrpSpPr>
+      <p:grpSpPr>
+        <a:xfrm>
+          <a:off x="0" y="0"/>
+          <a:ext cx="0" cy="0"/>
+          <a:chOff x="0" y="0"/>
+          <a:chExt cx="0" cy="0"/>
+        </a:xfrm>
+      </p:grpSpPr>
+      <p:sp>
+        <p:nvSpPr>
+          <p:cNvPr id="4" name="CaixaDeTexto 3">
+            <a:extLst>
+              <a:ext uri="{FF2B5EF4-FFF2-40B4-BE49-F238E27FC236}">
+                <a16:creationId xmlns:a16="http://schemas.microsoft.com/office/drawing/2014/main" id="{6E6DC805-A6CA-4C2C-8D06-B2610C9EE997}"/>
+              </a:ext>
+            </a:extLst>
+          </p:cNvPr>
+          <p:cNvSpPr txBox="1"/>
+          <p:nvPr/>
+        </p:nvSpPr>
+        <p:spPr>
+          <a:xfrm>
+            <a:off x="0" y="574307"/>
+            <a:ext cx="1979613" cy="830997"/>
+          </a:xfrm>
+          <a:prstGeom prst="rect">
+            <a:avLst/>
+          </a:prstGeom>
+          <a:noFill/>
+        </p:spPr>
+        <p:txBody>
+          <a:bodyPr wrap="square" rtlCol="0">
+            <a:spAutoFit/>
+          </a:bodyPr>
+          <a:lstStyle/>
+          <a:p>
+            <a:pPr algn="ctr"/>
+            <a:r>
+              <a:rPr lang="pt-BR" sz="2400" dirty="0">
+                <a:solidFill>
+                  <a:srgbClr val="B5DE00"/>
+                </a:solidFill>
+                <a:latin typeface="Tahoma" panose="020B0604030504040204" pitchFamily="34" charset="0"/>
+                <a:ea typeface="Tahoma" panose="020B0604030504040204" pitchFamily="34" charset="0"/>
+                <a:cs typeface="Tahoma" panose="020B0604030504040204" pitchFamily="34" charset="0"/>
+              </a:rPr>
+              <a:t>Quantum</a:t>
+            </a:r>
+          </a:p>
+          <a:p>
+            <a:pPr algn="ctr"/>
+            <a:r>
+              <a:rPr lang="pt-BR" sz="2400" dirty="0" err="1">
+                <a:solidFill>
+                  <a:srgbClr val="34977E"/>
+                </a:solidFill>
+                <a:latin typeface="Tahoma" panose="020B0604030504040204" pitchFamily="34" charset="0"/>
+                <a:ea typeface="Tahoma" panose="020B0604030504040204" pitchFamily="34" charset="0"/>
+                <a:cs typeface="Tahoma" panose="020B0604030504040204" pitchFamily="34" charset="0"/>
+              </a:rPr>
+              <a:t>Computing</a:t>
+            </a:r>
+            <a:endParaRPr lang="pt-BR" sz="2400" dirty="0">
+              <a:solidFill>
+                <a:srgbClr val="34977E"/>
+              </a:solidFill>
+              <a:latin typeface="Tahoma" panose="020B0604030504040204" pitchFamily="34" charset="0"/>
+              <a:ea typeface="Tahoma" panose="020B0604030504040204" pitchFamily="34" charset="0"/>
+              <a:cs typeface="Tahoma" panose="020B0604030504040204" pitchFamily="34" charset="0"/>
+            </a:endParaRPr>
           </a:p>
         </p:txBody>
       </p:sp>
@@ -5815,137 +5798,12 @@
           </p:txBody>
         </p:sp>
       </p:grpSp>
-    </p:spTree>
-    <p:extLst>
-      <p:ext uri="{BB962C8B-B14F-4D97-AF65-F5344CB8AC3E}">
-        <p14:creationId xmlns:p14="http://schemas.microsoft.com/office/powerpoint/2010/main" val="2498741152"/>
-      </p:ext>
-    </p:extLst>
-  </p:cSld>
-  <p:clrMapOvr>
-    <a:masterClrMapping/>
-  </p:clrMapOvr>
-</p:sld>
-</file>
-
-<file path=ppt/slides/slide2.xml><?xml version="1.0" encoding="utf-8"?>
-<p:sld xmlns:a="http://schemas.openxmlformats.org/drawingml/2006/main" xmlns:r="http://schemas.openxmlformats.org/officeDocument/2006/relationships" xmlns:p="http://schemas.openxmlformats.org/presentationml/2006/main">
-  <p:cSld>
-    <p:bg>
-      <p:bgPr>
-        <a:solidFill>
-          <a:srgbClr val="232F3F"/>
-        </a:solidFill>
-        <a:effectLst/>
-      </p:bgPr>
-    </p:bg>
-    <p:spTree>
-      <p:nvGrpSpPr>
-        <p:cNvPr id="1" name=""/>
-        <p:cNvGrpSpPr/>
-        <p:nvPr/>
-      </p:nvGrpSpPr>
-      <p:grpSpPr>
-        <a:xfrm>
-          <a:off x="0" y="0"/>
-          <a:ext cx="0" cy="0"/>
-          <a:chOff x="0" y="0"/>
-          <a:chExt cx="0" cy="0"/>
-        </a:xfrm>
-      </p:grpSpPr>
-      <p:sp>
-        <p:nvSpPr>
-          <p:cNvPr id="4" name="CaixaDeTexto 3">
+      <p:sp>
+        <p:nvSpPr>
+          <p:cNvPr id="8" name="Retângulo 7">
             <a:extLst>
               <a:ext uri="{FF2B5EF4-FFF2-40B4-BE49-F238E27FC236}">
-                <a16:creationId xmlns:a16="http://schemas.microsoft.com/office/drawing/2014/main" id="{6E6DC805-A6CA-4C2C-8D06-B2610C9EE997}"/>
-              </a:ext>
-            </a:extLst>
-          </p:cNvPr>
-          <p:cNvSpPr txBox="1"/>
-          <p:nvPr/>
-        </p:nvSpPr>
-        <p:spPr>
-          <a:xfrm>
-            <a:off x="-1" y="575101"/>
-            <a:ext cx="1979613" cy="830997"/>
-          </a:xfrm>
-          <a:prstGeom prst="rect">
-            <a:avLst/>
-          </a:prstGeom>
-          <a:noFill/>
-        </p:spPr>
-        <p:txBody>
-          <a:bodyPr wrap="square" rtlCol="0">
-            <a:spAutoFit/>
-          </a:bodyPr>
-          <a:lstStyle/>
-          <a:p>
-            <a:pPr algn="ctr"/>
-            <a:r>
-              <a:rPr lang="pt-BR" sz="2400" dirty="0">
-                <a:solidFill>
-                  <a:schemeClr val="bg1"/>
-                </a:solidFill>
-                <a:latin typeface="Tahoma" panose="020B0604030504040204" pitchFamily="34" charset="0"/>
-                <a:ea typeface="Tahoma" panose="020B0604030504040204" pitchFamily="34" charset="0"/>
-                <a:cs typeface="Tahoma" panose="020B0604030504040204" pitchFamily="34" charset="0"/>
-              </a:rPr>
-              <a:t>  </a:t>
-            </a:r>
-            <a:r>
-              <a:rPr lang="pt-BR" sz="2400" dirty="0">
-                <a:solidFill>
-                  <a:srgbClr val="B5DE00"/>
-                </a:solidFill>
-                <a:latin typeface="Tahoma" panose="020B0604030504040204" pitchFamily="34" charset="0"/>
-                <a:ea typeface="Tahoma" panose="020B0604030504040204" pitchFamily="34" charset="0"/>
-                <a:cs typeface="Tahoma" panose="020B0604030504040204" pitchFamily="34" charset="0"/>
-              </a:rPr>
-              <a:t>Software</a:t>
-            </a:r>
-          </a:p>
-          <a:p>
-            <a:pPr algn="ctr"/>
-            <a:r>
-              <a:rPr lang="pt-BR" sz="2400" dirty="0">
-                <a:solidFill>
-                  <a:srgbClr val="E89B26"/>
-                </a:solidFill>
-                <a:latin typeface="Tahoma" panose="020B0604030504040204" pitchFamily="34" charset="0"/>
-                <a:ea typeface="Tahoma" panose="020B0604030504040204" pitchFamily="34" charset="0"/>
-                <a:cs typeface="Tahoma" panose="020B0604030504040204" pitchFamily="34" charset="0"/>
-              </a:rPr>
-              <a:t>  </a:t>
-            </a:r>
-            <a:r>
-              <a:rPr lang="pt-BR" sz="2400" dirty="0" err="1">
-                <a:solidFill>
-                  <a:srgbClr val="34977E"/>
-                </a:solidFill>
-                <a:latin typeface="Tahoma" panose="020B0604030504040204" pitchFamily="34" charset="0"/>
-                <a:ea typeface="Tahoma" panose="020B0604030504040204" pitchFamily="34" charset="0"/>
-                <a:cs typeface="Tahoma" panose="020B0604030504040204" pitchFamily="34" charset="0"/>
-              </a:rPr>
-              <a:t>Engineering</a:t>
-            </a:r>
-            <a:endParaRPr lang="pt-BR" sz="2400" dirty="0">
-              <a:solidFill>
-                <a:srgbClr val="34977E"/>
-              </a:solidFill>
-              <a:latin typeface="Tahoma" panose="020B0604030504040204" pitchFamily="34" charset="0"/>
-              <a:ea typeface="Tahoma" panose="020B0604030504040204" pitchFamily="34" charset="0"/>
-              <a:cs typeface="Tahoma" panose="020B0604030504040204" pitchFamily="34" charset="0"/>
-            </a:endParaRPr>
-          </a:p>
-        </p:txBody>
-      </p:sp>
-      <p:sp>
-        <p:nvSpPr>
-          <p:cNvPr id="3" name="Retângulo 2">
-            <a:extLst>
-              <a:ext uri="{FF2B5EF4-FFF2-40B4-BE49-F238E27FC236}">
-                <a16:creationId xmlns:a16="http://schemas.microsoft.com/office/drawing/2014/main" id="{641C25F2-E9F6-425B-9390-C60C774AC14C}"/>
+                <a16:creationId xmlns:a16="http://schemas.microsoft.com/office/drawing/2014/main" id="{B7BB1A1E-6ED9-489C-9F04-30ACFB6C1207}"/>
               </a:ext>
             </a:extLst>
           </p:cNvPr>
@@ -5961,10 +5819,10 @@
             <a:avLst/>
           </a:prstGeom>
           <a:noFill/>
-          <a:ln w="15875">
+          <a:ln w="28575">
             <a:solidFill>
               <a:schemeClr val="bg1">
-                <a:lumMod val="65000"/>
+                <a:lumMod val="95000"/>
               </a:schemeClr>
             </a:solidFill>
           </a:ln>
@@ -5991,6 +5849,109 @@
           <a:p>
             <a:pPr algn="ctr"/>
             <a:endParaRPr lang="pt-BR"/>
+          </a:p>
+        </p:txBody>
+      </p:sp>
+    </p:spTree>
+    <p:extLst>
+      <p:ext uri="{BB962C8B-B14F-4D97-AF65-F5344CB8AC3E}">
+        <p14:creationId xmlns:p14="http://schemas.microsoft.com/office/powerpoint/2010/main" val="2498741152"/>
+      </p:ext>
+    </p:extLst>
+  </p:cSld>
+  <p:clrMapOvr>
+    <a:masterClrMapping/>
+  </p:clrMapOvr>
+</p:sld>
+</file>
+
+<file path=ppt/slides/slide2.xml><?xml version="1.0" encoding="utf-8"?>
+<p:sld xmlns:a="http://schemas.openxmlformats.org/drawingml/2006/main" xmlns:r="http://schemas.openxmlformats.org/officeDocument/2006/relationships" xmlns:p="http://schemas.openxmlformats.org/presentationml/2006/main">
+  <p:cSld>
+    <p:bg>
+      <p:bgPr>
+        <a:solidFill>
+          <a:srgbClr val="0A0F0B"/>
+        </a:solidFill>
+        <a:effectLst/>
+      </p:bgPr>
+    </p:bg>
+    <p:spTree>
+      <p:nvGrpSpPr>
+        <p:cNvPr id="1" name=""/>
+        <p:cNvGrpSpPr/>
+        <p:nvPr/>
+      </p:nvGrpSpPr>
+      <p:grpSpPr>
+        <a:xfrm>
+          <a:off x="0" y="0"/>
+          <a:ext cx="0" cy="0"/>
+          <a:chOff x="0" y="0"/>
+          <a:chExt cx="0" cy="0"/>
+        </a:xfrm>
+      </p:grpSpPr>
+      <p:sp>
+        <p:nvSpPr>
+          <p:cNvPr id="4" name="CaixaDeTexto 3">
+            <a:extLst>
+              <a:ext uri="{FF2B5EF4-FFF2-40B4-BE49-F238E27FC236}">
+                <a16:creationId xmlns:a16="http://schemas.microsoft.com/office/drawing/2014/main" id="{6E6DC805-A6CA-4C2C-8D06-B2610C9EE997}"/>
+              </a:ext>
+            </a:extLst>
+          </p:cNvPr>
+          <p:cNvSpPr txBox="1"/>
+          <p:nvPr/>
+        </p:nvSpPr>
+        <p:spPr>
+          <a:xfrm>
+            <a:off x="4700" y="575101"/>
+            <a:ext cx="1974912" cy="830997"/>
+          </a:xfrm>
+          <a:prstGeom prst="rect">
+            <a:avLst/>
+          </a:prstGeom>
+          <a:noFill/>
+        </p:spPr>
+        <p:txBody>
+          <a:bodyPr wrap="square" rtlCol="0">
+            <a:spAutoFit/>
+          </a:bodyPr>
+          <a:lstStyle/>
+          <a:p>
+            <a:pPr algn="ctr"/>
+            <a:r>
+              <a:rPr lang="pt-BR" sz="2400" dirty="0">
+                <a:solidFill>
+                  <a:srgbClr val="B5DE00"/>
+                </a:solidFill>
+                <a:latin typeface="Tahoma" panose="020B0604030504040204" pitchFamily="34" charset="0"/>
+                <a:ea typeface="Tahoma" panose="020B0604030504040204" pitchFamily="34" charset="0"/>
+                <a:cs typeface="Tahoma" panose="020B0604030504040204" pitchFamily="34" charset="0"/>
+              </a:rPr>
+              <a:t>Software</a:t>
+            </a:r>
+          </a:p>
+          <a:p>
+            <a:pPr algn="ctr"/>
+            <a:r>
+              <a:rPr lang="pt-BR" sz="2400" dirty="0" err="1">
+                <a:solidFill>
+                  <a:srgbClr val="34977E"/>
+                </a:solidFill>
+                <a:latin typeface="Tahoma" panose="020B0604030504040204" pitchFamily="34" charset="0"/>
+                <a:ea typeface="Tahoma" panose="020B0604030504040204" pitchFamily="34" charset="0"/>
+                <a:cs typeface="Tahoma" panose="020B0604030504040204" pitchFamily="34" charset="0"/>
+              </a:rPr>
+              <a:t>Engineering</a:t>
+            </a:r>
+            <a:endParaRPr lang="pt-BR" sz="2400" dirty="0">
+              <a:solidFill>
+                <a:srgbClr val="34977E"/>
+              </a:solidFill>
+              <a:latin typeface="Tahoma" panose="020B0604030504040204" pitchFamily="34" charset="0"/>
+              <a:ea typeface="Tahoma" panose="020B0604030504040204" pitchFamily="34" charset="0"/>
+              <a:cs typeface="Tahoma" panose="020B0604030504040204" pitchFamily="34" charset="0"/>
+            </a:endParaRPr>
           </a:p>
         </p:txBody>
       </p:sp>
@@ -6119,137 +6080,137 @@
           </p:txBody>
         </p:sp>
       </p:grpSp>
-    </p:spTree>
-    <p:extLst>
-      <p:ext uri="{BB962C8B-B14F-4D97-AF65-F5344CB8AC3E}">
-        <p14:creationId xmlns:p14="http://schemas.microsoft.com/office/powerpoint/2010/main" val="2677749121"/>
-      </p:ext>
-    </p:extLst>
-  </p:cSld>
-  <p:clrMapOvr>
-    <a:masterClrMapping/>
-  </p:clrMapOvr>
-</p:sld>
-</file>
-
-<file path=ppt/slides/slide3.xml><?xml version="1.0" encoding="utf-8"?>
-<p:sld xmlns:a="http://schemas.openxmlformats.org/drawingml/2006/main" xmlns:r="http://schemas.openxmlformats.org/officeDocument/2006/relationships" xmlns:p="http://schemas.openxmlformats.org/presentationml/2006/main">
-  <p:cSld>
-    <p:bg>
-      <p:bgPr>
-        <a:solidFill>
-          <a:srgbClr val="232F3F"/>
-        </a:solidFill>
-        <a:effectLst/>
-      </p:bgPr>
-    </p:bg>
-    <p:spTree>
-      <p:nvGrpSpPr>
-        <p:cNvPr id="1" name=""/>
-        <p:cNvGrpSpPr/>
-        <p:nvPr/>
-      </p:nvGrpSpPr>
-      <p:grpSpPr>
-        <a:xfrm>
-          <a:off x="0" y="0"/>
-          <a:ext cx="0" cy="0"/>
-          <a:chOff x="0" y="0"/>
-          <a:chExt cx="0" cy="0"/>
-        </a:xfrm>
-      </p:grpSpPr>
-      <p:sp>
-        <p:nvSpPr>
-          <p:cNvPr id="4" name="CaixaDeTexto 3">
+      <p:grpSp>
+        <p:nvGrpSpPr>
+          <p:cNvPr id="8" name="Agrupar 7">
             <a:extLst>
               <a:ext uri="{FF2B5EF4-FFF2-40B4-BE49-F238E27FC236}">
-                <a16:creationId xmlns:a16="http://schemas.microsoft.com/office/drawing/2014/main" id="{6E6DC805-A6CA-4C2C-8D06-B2610C9EE997}"/>
+                <a16:creationId xmlns:a16="http://schemas.microsoft.com/office/drawing/2014/main" id="{1FE4DAE1-FAE4-4986-A981-629B027B2637}"/>
               </a:ext>
             </a:extLst>
           </p:cNvPr>
-          <p:cNvSpPr txBox="1"/>
+          <p:cNvGrpSpPr/>
           <p:nvPr/>
-        </p:nvSpPr>
-        <p:spPr>
+        </p:nvGrpSpPr>
+        <p:grpSpPr>
           <a:xfrm>
-            <a:off x="0" y="575101"/>
-            <a:ext cx="1979613" cy="830997"/>
+            <a:off x="-246392" y="524001"/>
+            <a:ext cx="161800" cy="422289"/>
+            <a:chOff x="-246392" y="36254"/>
+            <a:chExt cx="161800" cy="422289"/>
           </a:xfrm>
-          <a:prstGeom prst="rect">
-            <a:avLst/>
-          </a:prstGeom>
-          <a:noFill/>
-        </p:spPr>
-        <p:txBody>
-          <a:bodyPr wrap="square" rtlCol="0">
-            <a:spAutoFit/>
-          </a:bodyPr>
-          <a:lstStyle/>
-          <a:p>
-            <a:pPr algn="ctr"/>
-            <a:r>
-              <a:rPr lang="pt-BR" sz="2400" dirty="0">
-                <a:solidFill>
-                  <a:schemeClr val="bg1"/>
-                </a:solidFill>
-                <a:latin typeface="Tahoma" panose="020B0604030504040204" pitchFamily="34" charset="0"/>
-                <a:ea typeface="Tahoma" panose="020B0604030504040204" pitchFamily="34" charset="0"/>
-                <a:cs typeface="Tahoma" panose="020B0604030504040204" pitchFamily="34" charset="0"/>
-              </a:rPr>
-              <a:t> </a:t>
-            </a:r>
-            <a:r>
-              <a:rPr lang="pt-BR" sz="2400" dirty="0">
-                <a:solidFill>
-                  <a:srgbClr val="B5DE00"/>
-                </a:solidFill>
-                <a:latin typeface="Tahoma" panose="020B0604030504040204" pitchFamily="34" charset="0"/>
-                <a:ea typeface="Tahoma" panose="020B0604030504040204" pitchFamily="34" charset="0"/>
-                <a:cs typeface="Tahoma" panose="020B0604030504040204" pitchFamily="34" charset="0"/>
-              </a:rPr>
-              <a:t>Software</a:t>
-            </a:r>
-          </a:p>
-          <a:p>
-            <a:pPr algn="ctr"/>
-            <a:r>
-              <a:rPr lang="pt-BR" sz="2400" dirty="0">
-                <a:solidFill>
-                  <a:srgbClr val="E89B26"/>
-                </a:solidFill>
-                <a:latin typeface="Tahoma" panose="020B0604030504040204" pitchFamily="34" charset="0"/>
-                <a:ea typeface="Tahoma" panose="020B0604030504040204" pitchFamily="34" charset="0"/>
-                <a:cs typeface="Tahoma" panose="020B0604030504040204" pitchFamily="34" charset="0"/>
-              </a:rPr>
-              <a:t> </a:t>
-            </a:r>
-            <a:r>
-              <a:rPr lang="pt-BR" sz="2400" dirty="0" err="1">
-                <a:solidFill>
-                  <a:srgbClr val="34977E"/>
-                </a:solidFill>
-                <a:latin typeface="Tahoma" panose="020B0604030504040204" pitchFamily="34" charset="0"/>
-                <a:ea typeface="Tahoma" panose="020B0604030504040204" pitchFamily="34" charset="0"/>
-                <a:cs typeface="Tahoma" panose="020B0604030504040204" pitchFamily="34" charset="0"/>
-              </a:rPr>
-              <a:t>Architecture</a:t>
-            </a:r>
-            <a:endParaRPr lang="pt-BR" sz="2400" dirty="0">
-              <a:solidFill>
-                <a:srgbClr val="34977E"/>
-              </a:solidFill>
-              <a:latin typeface="Tahoma" panose="020B0604030504040204" pitchFamily="34" charset="0"/>
-              <a:ea typeface="Tahoma" panose="020B0604030504040204" pitchFamily="34" charset="0"/>
-              <a:cs typeface="Tahoma" panose="020B0604030504040204" pitchFamily="34" charset="0"/>
-            </a:endParaRPr>
-          </a:p>
-        </p:txBody>
-      </p:sp>
-      <p:sp>
-        <p:nvSpPr>
-          <p:cNvPr id="3" name="Retângulo 2">
+        </p:grpSpPr>
+        <p:sp>
+          <p:nvSpPr>
+            <p:cNvPr id="9" name="Retângulo 8">
+              <a:extLst>
+                <a:ext uri="{FF2B5EF4-FFF2-40B4-BE49-F238E27FC236}">
+                  <a16:creationId xmlns:a16="http://schemas.microsoft.com/office/drawing/2014/main" id="{0BA65AAA-FB1E-4C92-B5DB-C53CC08D62EA}"/>
+                </a:ext>
+              </a:extLst>
+            </p:cNvPr>
+            <p:cNvSpPr/>
+            <p:nvPr/>
+          </p:nvSpPr>
+          <p:spPr>
+            <a:xfrm>
+              <a:off x="-241692" y="36254"/>
+              <a:ext cx="157100" cy="185297"/>
+            </a:xfrm>
+            <a:prstGeom prst="rect">
+              <a:avLst/>
+            </a:prstGeom>
+            <a:solidFill>
+              <a:srgbClr val="0A0F0B"/>
+            </a:solidFill>
+            <a:ln>
+              <a:noFill/>
+            </a:ln>
+          </p:spPr>
+          <p:style>
+            <a:lnRef idx="2">
+              <a:schemeClr val="accent1">
+                <a:shade val="50000"/>
+              </a:schemeClr>
+            </a:lnRef>
+            <a:fillRef idx="1">
+              <a:schemeClr val="accent1"/>
+            </a:fillRef>
+            <a:effectRef idx="0">
+              <a:schemeClr val="accent1"/>
+            </a:effectRef>
+            <a:fontRef idx="minor">
+              <a:schemeClr val="lt1"/>
+            </a:fontRef>
+          </p:style>
+          <p:txBody>
+            <a:bodyPr rtlCol="0" anchor="ctr"/>
+            <a:lstStyle/>
+            <a:p>
+              <a:pPr algn="ctr"/>
+              <a:endParaRPr lang="pt-BR" dirty="0"/>
+            </a:p>
+          </p:txBody>
+        </p:sp>
+        <p:sp>
+          <p:nvSpPr>
+            <p:cNvPr id="10" name="Retângulo 9">
+              <a:extLst>
+                <a:ext uri="{FF2B5EF4-FFF2-40B4-BE49-F238E27FC236}">
+                  <a16:creationId xmlns:a16="http://schemas.microsoft.com/office/drawing/2014/main" id="{CD05AB95-0529-4774-83E6-662EA41798B3}"/>
+                </a:ext>
+              </a:extLst>
+            </p:cNvPr>
+            <p:cNvSpPr/>
+            <p:nvPr/>
+          </p:nvSpPr>
+          <p:spPr>
+            <a:xfrm>
+              <a:off x="-246392" y="273246"/>
+              <a:ext cx="157100" cy="185297"/>
+            </a:xfrm>
+            <a:prstGeom prst="rect">
+              <a:avLst/>
+            </a:prstGeom>
+            <a:solidFill>
+              <a:srgbClr val="34977E"/>
+            </a:solidFill>
+            <a:ln>
+              <a:noFill/>
+            </a:ln>
+          </p:spPr>
+          <p:style>
+            <a:lnRef idx="2">
+              <a:schemeClr val="accent1">
+                <a:shade val="50000"/>
+              </a:schemeClr>
+            </a:lnRef>
+            <a:fillRef idx="1">
+              <a:schemeClr val="accent1"/>
+            </a:fillRef>
+            <a:effectRef idx="0">
+              <a:schemeClr val="accent1"/>
+            </a:effectRef>
+            <a:fontRef idx="minor">
+              <a:schemeClr val="lt1"/>
+            </a:fontRef>
+          </p:style>
+          <p:txBody>
+            <a:bodyPr rtlCol="0" anchor="ctr"/>
+            <a:lstStyle/>
+            <a:p>
+              <a:pPr algn="ctr"/>
+              <a:endParaRPr lang="pt-BR"/>
+            </a:p>
+          </p:txBody>
+        </p:sp>
+      </p:grpSp>
+      <p:sp>
+        <p:nvSpPr>
+          <p:cNvPr id="11" name="Retângulo 10">
             <a:extLst>
               <a:ext uri="{FF2B5EF4-FFF2-40B4-BE49-F238E27FC236}">
-                <a16:creationId xmlns:a16="http://schemas.microsoft.com/office/drawing/2014/main" id="{5807823B-1F8B-460E-BE24-42E6818B7AEF}"/>
+                <a16:creationId xmlns:a16="http://schemas.microsoft.com/office/drawing/2014/main" id="{BD5DE2CA-CC67-45B9-8A84-0B0612713D39}"/>
               </a:ext>
             </a:extLst>
           </p:cNvPr>
@@ -6265,10 +6226,10 @@
             <a:avLst/>
           </a:prstGeom>
           <a:noFill/>
-          <a:ln w="15875">
+          <a:ln w="28575">
             <a:solidFill>
               <a:schemeClr val="bg1">
-                <a:lumMod val="65000"/>
+                <a:lumMod val="95000"/>
               </a:schemeClr>
             </a:solidFill>
           </a:ln>
@@ -6295,6 +6256,109 @@
           <a:p>
             <a:pPr algn="ctr"/>
             <a:endParaRPr lang="pt-BR"/>
+          </a:p>
+        </p:txBody>
+      </p:sp>
+    </p:spTree>
+    <p:extLst>
+      <p:ext uri="{BB962C8B-B14F-4D97-AF65-F5344CB8AC3E}">
+        <p14:creationId xmlns:p14="http://schemas.microsoft.com/office/powerpoint/2010/main" val="2677749121"/>
+      </p:ext>
+    </p:extLst>
+  </p:cSld>
+  <p:clrMapOvr>
+    <a:masterClrMapping/>
+  </p:clrMapOvr>
+</p:sld>
+</file>
+
+<file path=ppt/slides/slide3.xml><?xml version="1.0" encoding="utf-8"?>
+<p:sld xmlns:a="http://schemas.openxmlformats.org/drawingml/2006/main" xmlns:r="http://schemas.openxmlformats.org/officeDocument/2006/relationships" xmlns:p="http://schemas.openxmlformats.org/presentationml/2006/main">
+  <p:cSld>
+    <p:bg>
+      <p:bgPr>
+        <a:solidFill>
+          <a:srgbClr val="0A0F0B"/>
+        </a:solidFill>
+        <a:effectLst/>
+      </p:bgPr>
+    </p:bg>
+    <p:spTree>
+      <p:nvGrpSpPr>
+        <p:cNvPr id="1" name=""/>
+        <p:cNvGrpSpPr/>
+        <p:nvPr/>
+      </p:nvGrpSpPr>
+      <p:grpSpPr>
+        <a:xfrm>
+          <a:off x="0" y="0"/>
+          <a:ext cx="0" cy="0"/>
+          <a:chOff x="0" y="0"/>
+          <a:chExt cx="0" cy="0"/>
+        </a:xfrm>
+      </p:grpSpPr>
+      <p:sp>
+        <p:nvSpPr>
+          <p:cNvPr id="4" name="CaixaDeTexto 3">
+            <a:extLst>
+              <a:ext uri="{FF2B5EF4-FFF2-40B4-BE49-F238E27FC236}">
+                <a16:creationId xmlns:a16="http://schemas.microsoft.com/office/drawing/2014/main" id="{6E6DC805-A6CA-4C2C-8D06-B2610C9EE997}"/>
+              </a:ext>
+            </a:extLst>
+          </p:cNvPr>
+          <p:cNvSpPr txBox="1"/>
+          <p:nvPr/>
+        </p:nvSpPr>
+        <p:spPr>
+          <a:xfrm>
+            <a:off x="16997" y="575101"/>
+            <a:ext cx="1945618" cy="830997"/>
+          </a:xfrm>
+          <a:prstGeom prst="rect">
+            <a:avLst/>
+          </a:prstGeom>
+          <a:noFill/>
+        </p:spPr>
+        <p:txBody>
+          <a:bodyPr wrap="square" rtlCol="0">
+            <a:spAutoFit/>
+          </a:bodyPr>
+          <a:lstStyle/>
+          <a:p>
+            <a:pPr algn="ctr"/>
+            <a:r>
+              <a:rPr lang="pt-BR" sz="2400" dirty="0">
+                <a:solidFill>
+                  <a:srgbClr val="B5DE00"/>
+                </a:solidFill>
+                <a:latin typeface="Tahoma" panose="020B0604030504040204" pitchFamily="34" charset="0"/>
+                <a:ea typeface="Tahoma" panose="020B0604030504040204" pitchFamily="34" charset="0"/>
+                <a:cs typeface="Tahoma" panose="020B0604030504040204" pitchFamily="34" charset="0"/>
+              </a:rPr>
+              <a:t>Software</a:t>
+            </a:r>
+          </a:p>
+          <a:p>
+            <a:pPr algn="ctr"/>
+            <a:r>
+              <a:rPr lang="pt-BR" sz="2400" dirty="0" err="1">
+                <a:solidFill>
+                  <a:srgbClr val="34977E"/>
+                </a:solidFill>
+                <a:latin typeface="Tahoma" panose="020B0604030504040204" pitchFamily="34" charset="0"/>
+                <a:ea typeface="Tahoma" panose="020B0604030504040204" pitchFamily="34" charset="0"/>
+                <a:cs typeface="Tahoma" panose="020B0604030504040204" pitchFamily="34" charset="0"/>
+              </a:rPr>
+              <a:t>Architecture</a:t>
+            </a:r>
+            <a:endParaRPr lang="pt-BR" sz="2400" dirty="0">
+              <a:solidFill>
+                <a:srgbClr val="34977E"/>
+              </a:solidFill>
+              <a:latin typeface="Tahoma" panose="020B0604030504040204" pitchFamily="34" charset="0"/>
+              <a:ea typeface="Tahoma" panose="020B0604030504040204" pitchFamily="34" charset="0"/>
+              <a:cs typeface="Tahoma" panose="020B0604030504040204" pitchFamily="34" charset="0"/>
+            </a:endParaRPr>
           </a:p>
         </p:txBody>
       </p:sp>
@@ -6423,101 +6487,12 @@
           </p:txBody>
         </p:sp>
       </p:grpSp>
-    </p:spTree>
-    <p:extLst>
-      <p:ext uri="{BB962C8B-B14F-4D97-AF65-F5344CB8AC3E}">
-        <p14:creationId xmlns:p14="http://schemas.microsoft.com/office/powerpoint/2010/main" val="1646371615"/>
-      </p:ext>
-    </p:extLst>
-  </p:cSld>
-  <p:clrMapOvr>
-    <a:masterClrMapping/>
-  </p:clrMapOvr>
-</p:sld>
-</file>
-
-<file path=ppt/slides/slide4.xml><?xml version="1.0" encoding="utf-8"?>
-<p:sld xmlns:a="http://schemas.openxmlformats.org/drawingml/2006/main" xmlns:r="http://schemas.openxmlformats.org/officeDocument/2006/relationships" xmlns:p="http://schemas.openxmlformats.org/presentationml/2006/main">
-  <p:cSld>
-    <p:bg>
-      <p:bgPr>
-        <a:solidFill>
-          <a:srgbClr val="232F3F"/>
-        </a:solidFill>
-        <a:effectLst/>
-      </p:bgPr>
-    </p:bg>
-    <p:spTree>
-      <p:nvGrpSpPr>
-        <p:cNvPr id="1" name=""/>
-        <p:cNvGrpSpPr/>
-        <p:nvPr/>
-      </p:nvGrpSpPr>
-      <p:grpSpPr>
-        <a:xfrm>
-          <a:off x="0" y="0"/>
-          <a:ext cx="0" cy="0"/>
-          <a:chOff x="0" y="0"/>
-          <a:chExt cx="0" cy="0"/>
-        </a:xfrm>
-      </p:grpSpPr>
-      <p:sp>
-        <p:nvSpPr>
-          <p:cNvPr id="4" name="CaixaDeTexto 3">
+      <p:sp>
+        <p:nvSpPr>
+          <p:cNvPr id="8" name="Retângulo 7">
             <a:extLst>
               <a:ext uri="{FF2B5EF4-FFF2-40B4-BE49-F238E27FC236}">
-                <a16:creationId xmlns:a16="http://schemas.microsoft.com/office/drawing/2014/main" id="{6E6DC805-A6CA-4C2C-8D06-B2610C9EE997}"/>
-              </a:ext>
-            </a:extLst>
-          </p:cNvPr>
-          <p:cNvSpPr txBox="1"/>
-          <p:nvPr/>
-        </p:nvSpPr>
-        <p:spPr>
-          <a:xfrm>
-            <a:off x="-1" y="758973"/>
-            <a:ext cx="1979613" cy="461665"/>
-          </a:xfrm>
-          <a:prstGeom prst="rect">
-            <a:avLst/>
-          </a:prstGeom>
-          <a:noFill/>
-        </p:spPr>
-        <p:txBody>
-          <a:bodyPr wrap="square" rtlCol="0">
-            <a:spAutoFit/>
-          </a:bodyPr>
-          <a:lstStyle/>
-          <a:p>
-            <a:pPr algn="ctr"/>
-            <a:r>
-              <a:rPr lang="pt-BR" sz="2400" dirty="0" err="1">
-                <a:solidFill>
-                  <a:srgbClr val="B5DE00"/>
-                </a:solidFill>
-                <a:latin typeface="Tahoma" panose="020B0604030504040204" pitchFamily="34" charset="0"/>
-                <a:ea typeface="Tahoma" panose="020B0604030504040204" pitchFamily="34" charset="0"/>
-                <a:cs typeface="Tahoma" panose="020B0604030504040204" pitchFamily="34" charset="0"/>
-              </a:rPr>
-              <a:t>Coding</a:t>
-            </a:r>
-            <a:endParaRPr lang="pt-BR" sz="2400" dirty="0">
-              <a:solidFill>
-                <a:srgbClr val="B5DE00"/>
-              </a:solidFill>
-              <a:latin typeface="Tahoma" panose="020B0604030504040204" pitchFamily="34" charset="0"/>
-              <a:ea typeface="Tahoma" panose="020B0604030504040204" pitchFamily="34" charset="0"/>
-              <a:cs typeface="Tahoma" panose="020B0604030504040204" pitchFamily="34" charset="0"/>
-            </a:endParaRPr>
-          </a:p>
-        </p:txBody>
-      </p:sp>
-      <p:sp>
-        <p:nvSpPr>
-          <p:cNvPr id="3" name="Retângulo 2">
-            <a:extLst>
-              <a:ext uri="{FF2B5EF4-FFF2-40B4-BE49-F238E27FC236}">
-                <a16:creationId xmlns:a16="http://schemas.microsoft.com/office/drawing/2014/main" id="{1DCC2B7C-ADD0-42BE-8BCB-CDE8C63A77AE}"/>
+                <a16:creationId xmlns:a16="http://schemas.microsoft.com/office/drawing/2014/main" id="{4FDF905A-39AE-4BE7-8C5C-C04EF91EE947}"/>
               </a:ext>
             </a:extLst>
           </p:cNvPr>
@@ -6533,10 +6508,10 @@
             <a:avLst/>
           </a:prstGeom>
           <a:noFill/>
-          <a:ln w="15875">
+          <a:ln w="28575">
             <a:solidFill>
               <a:schemeClr val="bg1">
-                <a:lumMod val="65000"/>
+                <a:lumMod val="95000"/>
               </a:schemeClr>
             </a:solidFill>
           </a:ln>
@@ -6563,6 +6538,95 @@
           <a:p>
             <a:pPr algn="ctr"/>
             <a:endParaRPr lang="pt-BR"/>
+          </a:p>
+        </p:txBody>
+      </p:sp>
+    </p:spTree>
+    <p:extLst>
+      <p:ext uri="{BB962C8B-B14F-4D97-AF65-F5344CB8AC3E}">
+        <p14:creationId xmlns:p14="http://schemas.microsoft.com/office/powerpoint/2010/main" val="1646371615"/>
+      </p:ext>
+    </p:extLst>
+  </p:cSld>
+  <p:clrMapOvr>
+    <a:masterClrMapping/>
+  </p:clrMapOvr>
+</p:sld>
+</file>
+
+<file path=ppt/slides/slide4.xml><?xml version="1.0" encoding="utf-8"?>
+<p:sld xmlns:a="http://schemas.openxmlformats.org/drawingml/2006/main" xmlns:r="http://schemas.openxmlformats.org/officeDocument/2006/relationships" xmlns:p="http://schemas.openxmlformats.org/presentationml/2006/main">
+  <p:cSld>
+    <p:bg>
+      <p:bgPr>
+        <a:solidFill>
+          <a:srgbClr val="0A0F0B"/>
+        </a:solidFill>
+        <a:effectLst/>
+      </p:bgPr>
+    </p:bg>
+    <p:spTree>
+      <p:nvGrpSpPr>
+        <p:cNvPr id="1" name=""/>
+        <p:cNvGrpSpPr/>
+        <p:nvPr/>
+      </p:nvGrpSpPr>
+      <p:grpSpPr>
+        <a:xfrm>
+          <a:off x="0" y="0"/>
+          <a:ext cx="0" cy="0"/>
+          <a:chOff x="0" y="0"/>
+          <a:chExt cx="0" cy="0"/>
+        </a:xfrm>
+      </p:grpSpPr>
+      <p:sp>
+        <p:nvSpPr>
+          <p:cNvPr id="4" name="CaixaDeTexto 3">
+            <a:extLst>
+              <a:ext uri="{FF2B5EF4-FFF2-40B4-BE49-F238E27FC236}">
+                <a16:creationId xmlns:a16="http://schemas.microsoft.com/office/drawing/2014/main" id="{6E6DC805-A6CA-4C2C-8D06-B2610C9EE997}"/>
+              </a:ext>
+            </a:extLst>
+          </p:cNvPr>
+          <p:cNvSpPr txBox="1"/>
+          <p:nvPr/>
+        </p:nvSpPr>
+        <p:spPr>
+          <a:xfrm>
+            <a:off x="-1" y="758973"/>
+            <a:ext cx="1979613" cy="461665"/>
+          </a:xfrm>
+          <a:prstGeom prst="rect">
+            <a:avLst/>
+          </a:prstGeom>
+          <a:noFill/>
+        </p:spPr>
+        <p:txBody>
+          <a:bodyPr wrap="square" rtlCol="0">
+            <a:spAutoFit/>
+          </a:bodyPr>
+          <a:lstStyle/>
+          <a:p>
+            <a:pPr algn="ctr"/>
+            <a:r>
+              <a:rPr lang="pt-BR" sz="2400" dirty="0" err="1">
+                <a:solidFill>
+                  <a:srgbClr val="B5DE00"/>
+                </a:solidFill>
+                <a:latin typeface="Tahoma" panose="020B0604030504040204" pitchFamily="34" charset="0"/>
+                <a:ea typeface="Tahoma" panose="020B0604030504040204" pitchFamily="34" charset="0"/>
+                <a:cs typeface="Tahoma" panose="020B0604030504040204" pitchFamily="34" charset="0"/>
+              </a:rPr>
+              <a:t>Coding</a:t>
+            </a:r>
+            <a:endParaRPr lang="pt-BR" sz="2400" dirty="0">
+              <a:solidFill>
+                <a:srgbClr val="B5DE00"/>
+              </a:solidFill>
+              <a:latin typeface="Tahoma" panose="020B0604030504040204" pitchFamily="34" charset="0"/>
+              <a:ea typeface="Tahoma" panose="020B0604030504040204" pitchFamily="34" charset="0"/>
+              <a:cs typeface="Tahoma" panose="020B0604030504040204" pitchFamily="34" charset="0"/>
+            </a:endParaRPr>
           </a:p>
         </p:txBody>
       </p:sp>
@@ -6691,101 +6755,12 @@
           </p:txBody>
         </p:sp>
       </p:grpSp>
-    </p:spTree>
-    <p:extLst>
-      <p:ext uri="{BB962C8B-B14F-4D97-AF65-F5344CB8AC3E}">
-        <p14:creationId xmlns:p14="http://schemas.microsoft.com/office/powerpoint/2010/main" val="132751201"/>
-      </p:ext>
-    </p:extLst>
-  </p:cSld>
-  <p:clrMapOvr>
-    <a:masterClrMapping/>
-  </p:clrMapOvr>
-</p:sld>
-</file>
-
-<file path=ppt/slides/slide5.xml><?xml version="1.0" encoding="utf-8"?>
-<p:sld xmlns:a="http://schemas.openxmlformats.org/drawingml/2006/main" xmlns:r="http://schemas.openxmlformats.org/officeDocument/2006/relationships" xmlns:p="http://schemas.openxmlformats.org/presentationml/2006/main">
-  <p:cSld>
-    <p:bg>
-      <p:bgPr>
-        <a:solidFill>
-          <a:srgbClr val="232F3F"/>
-        </a:solidFill>
-        <a:effectLst/>
-      </p:bgPr>
-    </p:bg>
-    <p:spTree>
-      <p:nvGrpSpPr>
-        <p:cNvPr id="1" name=""/>
-        <p:cNvGrpSpPr/>
-        <p:nvPr/>
-      </p:nvGrpSpPr>
-      <p:grpSpPr>
-        <a:xfrm>
-          <a:off x="0" y="0"/>
-          <a:ext cx="0" cy="0"/>
-          <a:chOff x="0" y="0"/>
-          <a:chExt cx="0" cy="0"/>
-        </a:xfrm>
-      </p:grpSpPr>
-      <p:sp>
-        <p:nvSpPr>
-          <p:cNvPr id="4" name="CaixaDeTexto 3">
+      <p:sp>
+        <p:nvSpPr>
+          <p:cNvPr id="8" name="Retângulo 7">
             <a:extLst>
               <a:ext uri="{FF2B5EF4-FFF2-40B4-BE49-F238E27FC236}">
-                <a16:creationId xmlns:a16="http://schemas.microsoft.com/office/drawing/2014/main" id="{6E6DC805-A6CA-4C2C-8D06-B2610C9EE997}"/>
-              </a:ext>
-            </a:extLst>
-          </p:cNvPr>
-          <p:cNvSpPr txBox="1"/>
-          <p:nvPr/>
-        </p:nvSpPr>
-        <p:spPr>
-          <a:xfrm>
-            <a:off x="-1" y="758973"/>
-            <a:ext cx="1979613" cy="461665"/>
-          </a:xfrm>
-          <a:prstGeom prst="rect">
-            <a:avLst/>
-          </a:prstGeom>
-          <a:noFill/>
-        </p:spPr>
-        <p:txBody>
-          <a:bodyPr wrap="square" rtlCol="0">
-            <a:spAutoFit/>
-          </a:bodyPr>
-          <a:lstStyle/>
-          <a:p>
-            <a:pPr algn="ctr"/>
-            <a:r>
-              <a:rPr lang="pt-BR" sz="2400" dirty="0" err="1">
-                <a:solidFill>
-                  <a:srgbClr val="B5DE00"/>
-                </a:solidFill>
-                <a:latin typeface="Tahoma" panose="020B0604030504040204" pitchFamily="34" charset="0"/>
-                <a:ea typeface="Tahoma" panose="020B0604030504040204" pitchFamily="34" charset="0"/>
-                <a:cs typeface="Tahoma" panose="020B0604030504040204" pitchFamily="34" charset="0"/>
-              </a:rPr>
-              <a:t>Frontend</a:t>
-            </a:r>
-            <a:endParaRPr lang="pt-BR" sz="2400" dirty="0">
-              <a:solidFill>
-                <a:srgbClr val="B5DE00"/>
-              </a:solidFill>
-              <a:latin typeface="Tahoma" panose="020B0604030504040204" pitchFamily="34" charset="0"/>
-              <a:ea typeface="Tahoma" panose="020B0604030504040204" pitchFamily="34" charset="0"/>
-              <a:cs typeface="Tahoma" panose="020B0604030504040204" pitchFamily="34" charset="0"/>
-            </a:endParaRPr>
-          </a:p>
-        </p:txBody>
-      </p:sp>
-      <p:sp>
-        <p:nvSpPr>
-          <p:cNvPr id="3" name="Retângulo 2">
-            <a:extLst>
-              <a:ext uri="{FF2B5EF4-FFF2-40B4-BE49-F238E27FC236}">
-                <a16:creationId xmlns:a16="http://schemas.microsoft.com/office/drawing/2014/main" id="{34EC900F-3C78-4838-9440-0C7EF0B00E58}"/>
+                <a16:creationId xmlns:a16="http://schemas.microsoft.com/office/drawing/2014/main" id="{53394692-98D9-4195-A99B-EBF509749AAB}"/>
               </a:ext>
             </a:extLst>
           </p:cNvPr>
@@ -6801,10 +6776,10 @@
             <a:avLst/>
           </a:prstGeom>
           <a:noFill/>
-          <a:ln w="15875">
+          <a:ln w="28575">
             <a:solidFill>
               <a:schemeClr val="bg1">
-                <a:lumMod val="65000"/>
+                <a:lumMod val="95000"/>
               </a:schemeClr>
             </a:solidFill>
           </a:ln>
@@ -6831,6 +6806,95 @@
           <a:p>
             <a:pPr algn="ctr"/>
             <a:endParaRPr lang="pt-BR"/>
+          </a:p>
+        </p:txBody>
+      </p:sp>
+    </p:spTree>
+    <p:extLst>
+      <p:ext uri="{BB962C8B-B14F-4D97-AF65-F5344CB8AC3E}">
+        <p14:creationId xmlns:p14="http://schemas.microsoft.com/office/powerpoint/2010/main" val="132751201"/>
+      </p:ext>
+    </p:extLst>
+  </p:cSld>
+  <p:clrMapOvr>
+    <a:masterClrMapping/>
+  </p:clrMapOvr>
+</p:sld>
+</file>
+
+<file path=ppt/slides/slide5.xml><?xml version="1.0" encoding="utf-8"?>
+<p:sld xmlns:a="http://schemas.openxmlformats.org/drawingml/2006/main" xmlns:r="http://schemas.openxmlformats.org/officeDocument/2006/relationships" xmlns:p="http://schemas.openxmlformats.org/presentationml/2006/main">
+  <p:cSld>
+    <p:bg>
+      <p:bgPr>
+        <a:solidFill>
+          <a:srgbClr val="0A0F0B"/>
+        </a:solidFill>
+        <a:effectLst/>
+      </p:bgPr>
+    </p:bg>
+    <p:spTree>
+      <p:nvGrpSpPr>
+        <p:cNvPr id="1" name=""/>
+        <p:cNvGrpSpPr/>
+        <p:nvPr/>
+      </p:nvGrpSpPr>
+      <p:grpSpPr>
+        <a:xfrm>
+          <a:off x="0" y="0"/>
+          <a:ext cx="0" cy="0"/>
+          <a:chOff x="0" y="0"/>
+          <a:chExt cx="0" cy="0"/>
+        </a:xfrm>
+      </p:grpSpPr>
+      <p:sp>
+        <p:nvSpPr>
+          <p:cNvPr id="4" name="CaixaDeTexto 3">
+            <a:extLst>
+              <a:ext uri="{FF2B5EF4-FFF2-40B4-BE49-F238E27FC236}">
+                <a16:creationId xmlns:a16="http://schemas.microsoft.com/office/drawing/2014/main" id="{6E6DC805-A6CA-4C2C-8D06-B2610C9EE997}"/>
+              </a:ext>
+            </a:extLst>
+          </p:cNvPr>
+          <p:cNvSpPr txBox="1"/>
+          <p:nvPr/>
+        </p:nvSpPr>
+        <p:spPr>
+          <a:xfrm>
+            <a:off x="-1" y="758973"/>
+            <a:ext cx="1979613" cy="461665"/>
+          </a:xfrm>
+          <a:prstGeom prst="rect">
+            <a:avLst/>
+          </a:prstGeom>
+          <a:noFill/>
+        </p:spPr>
+        <p:txBody>
+          <a:bodyPr wrap="square" rtlCol="0">
+            <a:spAutoFit/>
+          </a:bodyPr>
+          <a:lstStyle/>
+          <a:p>
+            <a:pPr algn="ctr"/>
+            <a:r>
+              <a:rPr lang="pt-BR" sz="2400" dirty="0" err="1">
+                <a:solidFill>
+                  <a:srgbClr val="B5DE00"/>
+                </a:solidFill>
+                <a:latin typeface="Tahoma" panose="020B0604030504040204" pitchFamily="34" charset="0"/>
+                <a:ea typeface="Tahoma" panose="020B0604030504040204" pitchFamily="34" charset="0"/>
+                <a:cs typeface="Tahoma" panose="020B0604030504040204" pitchFamily="34" charset="0"/>
+              </a:rPr>
+              <a:t>Frontend</a:t>
+            </a:r>
+            <a:endParaRPr lang="pt-BR" sz="2400" dirty="0">
+              <a:solidFill>
+                <a:srgbClr val="B5DE00"/>
+              </a:solidFill>
+              <a:latin typeface="Tahoma" panose="020B0604030504040204" pitchFamily="34" charset="0"/>
+              <a:ea typeface="Tahoma" panose="020B0604030504040204" pitchFamily="34" charset="0"/>
+              <a:cs typeface="Tahoma" panose="020B0604030504040204" pitchFamily="34" charset="0"/>
+            </a:endParaRPr>
           </a:p>
         </p:txBody>
       </p:sp>
@@ -6959,101 +7023,12 @@
           </p:txBody>
         </p:sp>
       </p:grpSp>
-    </p:spTree>
-    <p:extLst>
-      <p:ext uri="{BB962C8B-B14F-4D97-AF65-F5344CB8AC3E}">
-        <p14:creationId xmlns:p14="http://schemas.microsoft.com/office/powerpoint/2010/main" val="1980292541"/>
-      </p:ext>
-    </p:extLst>
-  </p:cSld>
-  <p:clrMapOvr>
-    <a:masterClrMapping/>
-  </p:clrMapOvr>
-</p:sld>
-</file>
-
-<file path=ppt/slides/slide6.xml><?xml version="1.0" encoding="utf-8"?>
-<p:sld xmlns:a="http://schemas.openxmlformats.org/drawingml/2006/main" xmlns:r="http://schemas.openxmlformats.org/officeDocument/2006/relationships" xmlns:p="http://schemas.openxmlformats.org/presentationml/2006/main">
-  <p:cSld>
-    <p:bg>
-      <p:bgPr>
-        <a:solidFill>
-          <a:srgbClr val="232F3F"/>
-        </a:solidFill>
-        <a:effectLst/>
-      </p:bgPr>
-    </p:bg>
-    <p:spTree>
-      <p:nvGrpSpPr>
-        <p:cNvPr id="1" name=""/>
-        <p:cNvGrpSpPr/>
-        <p:nvPr/>
-      </p:nvGrpSpPr>
-      <p:grpSpPr>
-        <a:xfrm>
-          <a:off x="0" y="0"/>
-          <a:ext cx="0" cy="0"/>
-          <a:chOff x="0" y="0"/>
-          <a:chExt cx="0" cy="0"/>
-        </a:xfrm>
-      </p:grpSpPr>
-      <p:sp>
-        <p:nvSpPr>
-          <p:cNvPr id="4" name="CaixaDeTexto 3">
+      <p:sp>
+        <p:nvSpPr>
+          <p:cNvPr id="8" name="Retângulo 7">
             <a:extLst>
               <a:ext uri="{FF2B5EF4-FFF2-40B4-BE49-F238E27FC236}">
-                <a16:creationId xmlns:a16="http://schemas.microsoft.com/office/drawing/2014/main" id="{6E6DC805-A6CA-4C2C-8D06-B2610C9EE997}"/>
-              </a:ext>
-            </a:extLst>
-          </p:cNvPr>
-          <p:cNvSpPr txBox="1"/>
-          <p:nvPr/>
-        </p:nvSpPr>
-        <p:spPr>
-          <a:xfrm>
-            <a:off x="-1" y="758973"/>
-            <a:ext cx="1979613" cy="461665"/>
-          </a:xfrm>
-          <a:prstGeom prst="rect">
-            <a:avLst/>
-          </a:prstGeom>
-          <a:noFill/>
-        </p:spPr>
-        <p:txBody>
-          <a:bodyPr wrap="square" rtlCol="0">
-            <a:spAutoFit/>
-          </a:bodyPr>
-          <a:lstStyle/>
-          <a:p>
-            <a:pPr algn="ctr"/>
-            <a:r>
-              <a:rPr lang="pt-BR" sz="2400" dirty="0" err="1">
-                <a:solidFill>
-                  <a:srgbClr val="B5DE00"/>
-                </a:solidFill>
-                <a:latin typeface="Tahoma" panose="020B0604030504040204" pitchFamily="34" charset="0"/>
-                <a:ea typeface="Tahoma" panose="020B0604030504040204" pitchFamily="34" charset="0"/>
-                <a:cs typeface="Tahoma" panose="020B0604030504040204" pitchFamily="34" charset="0"/>
-              </a:rPr>
-              <a:t>Backend</a:t>
-            </a:r>
-            <a:endParaRPr lang="pt-BR" sz="2400" dirty="0">
-              <a:solidFill>
-                <a:srgbClr val="B5DE00"/>
-              </a:solidFill>
-              <a:latin typeface="Tahoma" panose="020B0604030504040204" pitchFamily="34" charset="0"/>
-              <a:ea typeface="Tahoma" panose="020B0604030504040204" pitchFamily="34" charset="0"/>
-              <a:cs typeface="Tahoma" panose="020B0604030504040204" pitchFamily="34" charset="0"/>
-            </a:endParaRPr>
-          </a:p>
-        </p:txBody>
-      </p:sp>
-      <p:sp>
-        <p:nvSpPr>
-          <p:cNvPr id="3" name="Retângulo 2">
-            <a:extLst>
-              <a:ext uri="{FF2B5EF4-FFF2-40B4-BE49-F238E27FC236}">
-                <a16:creationId xmlns:a16="http://schemas.microsoft.com/office/drawing/2014/main" id="{A9FA8840-5F0C-47A3-949B-7D88321CF6A9}"/>
+                <a16:creationId xmlns:a16="http://schemas.microsoft.com/office/drawing/2014/main" id="{3BA6A01E-21E1-4578-8640-D2B65F4D42B5}"/>
               </a:ext>
             </a:extLst>
           </p:cNvPr>
@@ -7069,10 +7044,10 @@
             <a:avLst/>
           </a:prstGeom>
           <a:noFill/>
-          <a:ln w="15875">
+          <a:ln w="28575">
             <a:solidFill>
               <a:schemeClr val="bg1">
-                <a:lumMod val="65000"/>
+                <a:lumMod val="95000"/>
               </a:schemeClr>
             </a:solidFill>
           </a:ln>
@@ -7099,6 +7074,95 @@
           <a:p>
             <a:pPr algn="ctr"/>
             <a:endParaRPr lang="pt-BR"/>
+          </a:p>
+        </p:txBody>
+      </p:sp>
+    </p:spTree>
+    <p:extLst>
+      <p:ext uri="{BB962C8B-B14F-4D97-AF65-F5344CB8AC3E}">
+        <p14:creationId xmlns:p14="http://schemas.microsoft.com/office/powerpoint/2010/main" val="1980292541"/>
+      </p:ext>
+    </p:extLst>
+  </p:cSld>
+  <p:clrMapOvr>
+    <a:masterClrMapping/>
+  </p:clrMapOvr>
+</p:sld>
+</file>
+
+<file path=ppt/slides/slide6.xml><?xml version="1.0" encoding="utf-8"?>
+<p:sld xmlns:a="http://schemas.openxmlformats.org/drawingml/2006/main" xmlns:r="http://schemas.openxmlformats.org/officeDocument/2006/relationships" xmlns:p="http://schemas.openxmlformats.org/presentationml/2006/main">
+  <p:cSld>
+    <p:bg>
+      <p:bgPr>
+        <a:solidFill>
+          <a:srgbClr val="0A0F0B"/>
+        </a:solidFill>
+        <a:effectLst/>
+      </p:bgPr>
+    </p:bg>
+    <p:spTree>
+      <p:nvGrpSpPr>
+        <p:cNvPr id="1" name=""/>
+        <p:cNvGrpSpPr/>
+        <p:nvPr/>
+      </p:nvGrpSpPr>
+      <p:grpSpPr>
+        <a:xfrm>
+          <a:off x="0" y="0"/>
+          <a:ext cx="0" cy="0"/>
+          <a:chOff x="0" y="0"/>
+          <a:chExt cx="0" cy="0"/>
+        </a:xfrm>
+      </p:grpSpPr>
+      <p:sp>
+        <p:nvSpPr>
+          <p:cNvPr id="4" name="CaixaDeTexto 3">
+            <a:extLst>
+              <a:ext uri="{FF2B5EF4-FFF2-40B4-BE49-F238E27FC236}">
+                <a16:creationId xmlns:a16="http://schemas.microsoft.com/office/drawing/2014/main" id="{6E6DC805-A6CA-4C2C-8D06-B2610C9EE997}"/>
+              </a:ext>
+            </a:extLst>
+          </p:cNvPr>
+          <p:cNvSpPr txBox="1"/>
+          <p:nvPr/>
+        </p:nvSpPr>
+        <p:spPr>
+          <a:xfrm>
+            <a:off x="-1" y="758973"/>
+            <a:ext cx="1979613" cy="461665"/>
+          </a:xfrm>
+          <a:prstGeom prst="rect">
+            <a:avLst/>
+          </a:prstGeom>
+          <a:noFill/>
+        </p:spPr>
+        <p:txBody>
+          <a:bodyPr wrap="square" rtlCol="0">
+            <a:spAutoFit/>
+          </a:bodyPr>
+          <a:lstStyle/>
+          <a:p>
+            <a:pPr algn="ctr"/>
+            <a:r>
+              <a:rPr lang="pt-BR" sz="2400" dirty="0" err="1">
+                <a:solidFill>
+                  <a:srgbClr val="B5DE00"/>
+                </a:solidFill>
+                <a:latin typeface="Tahoma" panose="020B0604030504040204" pitchFamily="34" charset="0"/>
+                <a:ea typeface="Tahoma" panose="020B0604030504040204" pitchFamily="34" charset="0"/>
+                <a:cs typeface="Tahoma" panose="020B0604030504040204" pitchFamily="34" charset="0"/>
+              </a:rPr>
+              <a:t>Backend</a:t>
+            </a:r>
+            <a:endParaRPr lang="pt-BR" sz="2400" dirty="0">
+              <a:solidFill>
+                <a:srgbClr val="B5DE00"/>
+              </a:solidFill>
+              <a:latin typeface="Tahoma" panose="020B0604030504040204" pitchFamily="34" charset="0"/>
+              <a:ea typeface="Tahoma" panose="020B0604030504040204" pitchFamily="34" charset="0"/>
+              <a:cs typeface="Tahoma" panose="020B0604030504040204" pitchFamily="34" charset="0"/>
+            </a:endParaRPr>
           </a:p>
         </p:txBody>
       </p:sp>
@@ -7227,115 +7291,12 @@
           </p:txBody>
         </p:sp>
       </p:grpSp>
-    </p:spTree>
-    <p:extLst>
-      <p:ext uri="{BB962C8B-B14F-4D97-AF65-F5344CB8AC3E}">
-        <p14:creationId xmlns:p14="http://schemas.microsoft.com/office/powerpoint/2010/main" val="3457178053"/>
-      </p:ext>
-    </p:extLst>
-  </p:cSld>
-  <p:clrMapOvr>
-    <a:masterClrMapping/>
-  </p:clrMapOvr>
-</p:sld>
-</file>
-
-<file path=ppt/slides/slide7.xml><?xml version="1.0" encoding="utf-8"?>
-<p:sld xmlns:a="http://schemas.openxmlformats.org/drawingml/2006/main" xmlns:r="http://schemas.openxmlformats.org/officeDocument/2006/relationships" xmlns:p="http://schemas.openxmlformats.org/presentationml/2006/main">
-  <p:cSld>
-    <p:bg>
-      <p:bgPr>
-        <a:solidFill>
-          <a:srgbClr val="232F3F"/>
-        </a:solidFill>
-        <a:effectLst/>
-      </p:bgPr>
-    </p:bg>
-    <p:spTree>
-      <p:nvGrpSpPr>
-        <p:cNvPr id="1" name=""/>
-        <p:cNvGrpSpPr/>
-        <p:nvPr/>
-      </p:nvGrpSpPr>
-      <p:grpSpPr>
-        <a:xfrm>
-          <a:off x="0" y="0"/>
-          <a:ext cx="0" cy="0"/>
-          <a:chOff x="0" y="0"/>
-          <a:chExt cx="0" cy="0"/>
-        </a:xfrm>
-      </p:grpSpPr>
-      <p:sp>
-        <p:nvSpPr>
-          <p:cNvPr id="4" name="CaixaDeTexto 3">
+      <p:sp>
+        <p:nvSpPr>
+          <p:cNvPr id="9" name="Retângulo 8">
             <a:extLst>
               <a:ext uri="{FF2B5EF4-FFF2-40B4-BE49-F238E27FC236}">
-                <a16:creationId xmlns:a16="http://schemas.microsoft.com/office/drawing/2014/main" id="{6E6DC805-A6CA-4C2C-8D06-B2610C9EE997}"/>
-              </a:ext>
-            </a:extLst>
-          </p:cNvPr>
-          <p:cNvSpPr txBox="1"/>
-          <p:nvPr/>
-        </p:nvSpPr>
-        <p:spPr>
-          <a:xfrm>
-            <a:off x="-1" y="574307"/>
-            <a:ext cx="1979613" cy="830997"/>
-          </a:xfrm>
-          <a:prstGeom prst="rect">
-            <a:avLst/>
-          </a:prstGeom>
-          <a:noFill/>
-        </p:spPr>
-        <p:txBody>
-          <a:bodyPr wrap="square" rtlCol="0">
-            <a:spAutoFit/>
-          </a:bodyPr>
-          <a:lstStyle/>
-          <a:p>
-            <a:pPr algn="ctr"/>
-            <a:r>
-              <a:rPr lang="pt-BR" sz="2400" dirty="0">
-                <a:solidFill>
-                  <a:srgbClr val="B5DE00"/>
-                </a:solidFill>
-                <a:latin typeface="Tahoma" panose="020B0604030504040204" pitchFamily="34" charset="0"/>
-                <a:ea typeface="Tahoma" panose="020B0604030504040204" pitchFamily="34" charset="0"/>
-                <a:cs typeface="Tahoma" panose="020B0604030504040204" pitchFamily="34" charset="0"/>
-              </a:rPr>
-              <a:t>Data &amp;</a:t>
-            </a:r>
-          </a:p>
-          <a:p>
-            <a:pPr algn="ctr"/>
-            <a:r>
-              <a:rPr lang="pt-BR" sz="2400" dirty="0" err="1">
-                <a:solidFill>
-                  <a:srgbClr val="34977E"/>
-                </a:solidFill>
-                <a:latin typeface="Tahoma" panose="020B0604030504040204" pitchFamily="34" charset="0"/>
-                <a:ea typeface="Tahoma" panose="020B0604030504040204" pitchFamily="34" charset="0"/>
-                <a:cs typeface="Tahoma" panose="020B0604030504040204" pitchFamily="34" charset="0"/>
-              </a:rPr>
-              <a:t>Database</a:t>
-            </a:r>
-            <a:endParaRPr lang="pt-BR" sz="2400" dirty="0">
-              <a:solidFill>
-                <a:srgbClr val="34977E"/>
-              </a:solidFill>
-              <a:latin typeface="Tahoma" panose="020B0604030504040204" pitchFamily="34" charset="0"/>
-              <a:ea typeface="Tahoma" panose="020B0604030504040204" pitchFamily="34" charset="0"/>
-              <a:cs typeface="Tahoma" panose="020B0604030504040204" pitchFamily="34" charset="0"/>
-            </a:endParaRPr>
-          </a:p>
-        </p:txBody>
-      </p:sp>
-      <p:sp>
-        <p:nvSpPr>
-          <p:cNvPr id="5" name="Retângulo 4">
-            <a:extLst>
-              <a:ext uri="{FF2B5EF4-FFF2-40B4-BE49-F238E27FC236}">
-                <a16:creationId xmlns:a16="http://schemas.microsoft.com/office/drawing/2014/main" id="{C1DD6101-5A66-4792-9D59-8601EAB59F00}"/>
+                <a16:creationId xmlns:a16="http://schemas.microsoft.com/office/drawing/2014/main" id="{7D65C7D2-A05C-48C7-AA2A-35EC9A6F7059}"/>
               </a:ext>
             </a:extLst>
           </p:cNvPr>
@@ -7351,10 +7312,10 @@
             <a:avLst/>
           </a:prstGeom>
           <a:noFill/>
-          <a:ln w="15875">
+          <a:ln w="28575">
             <a:solidFill>
               <a:schemeClr val="bg1">
-                <a:lumMod val="65000"/>
+                <a:lumMod val="95000"/>
               </a:schemeClr>
             </a:solidFill>
           </a:ln>
@@ -7381,6 +7342,109 @@
           <a:p>
             <a:pPr algn="ctr"/>
             <a:endParaRPr lang="pt-BR"/>
+          </a:p>
+        </p:txBody>
+      </p:sp>
+    </p:spTree>
+    <p:extLst>
+      <p:ext uri="{BB962C8B-B14F-4D97-AF65-F5344CB8AC3E}">
+        <p14:creationId xmlns:p14="http://schemas.microsoft.com/office/powerpoint/2010/main" val="3457178053"/>
+      </p:ext>
+    </p:extLst>
+  </p:cSld>
+  <p:clrMapOvr>
+    <a:masterClrMapping/>
+  </p:clrMapOvr>
+</p:sld>
+</file>
+
+<file path=ppt/slides/slide7.xml><?xml version="1.0" encoding="utf-8"?>
+<p:sld xmlns:a="http://schemas.openxmlformats.org/drawingml/2006/main" xmlns:r="http://schemas.openxmlformats.org/officeDocument/2006/relationships" xmlns:p="http://schemas.openxmlformats.org/presentationml/2006/main">
+  <p:cSld>
+    <p:bg>
+      <p:bgPr>
+        <a:solidFill>
+          <a:srgbClr val="0A0F0B"/>
+        </a:solidFill>
+        <a:effectLst/>
+      </p:bgPr>
+    </p:bg>
+    <p:spTree>
+      <p:nvGrpSpPr>
+        <p:cNvPr id="1" name=""/>
+        <p:cNvGrpSpPr/>
+        <p:nvPr/>
+      </p:nvGrpSpPr>
+      <p:grpSpPr>
+        <a:xfrm>
+          <a:off x="0" y="0"/>
+          <a:ext cx="0" cy="0"/>
+          <a:chOff x="0" y="0"/>
+          <a:chExt cx="0" cy="0"/>
+        </a:xfrm>
+      </p:grpSpPr>
+      <p:sp>
+        <p:nvSpPr>
+          <p:cNvPr id="4" name="CaixaDeTexto 3">
+            <a:extLst>
+              <a:ext uri="{FF2B5EF4-FFF2-40B4-BE49-F238E27FC236}">
+                <a16:creationId xmlns:a16="http://schemas.microsoft.com/office/drawing/2014/main" id="{6E6DC805-A6CA-4C2C-8D06-B2610C9EE997}"/>
+              </a:ext>
+            </a:extLst>
+          </p:cNvPr>
+          <p:cNvSpPr txBox="1"/>
+          <p:nvPr/>
+        </p:nvSpPr>
+        <p:spPr>
+          <a:xfrm>
+            <a:off x="-1" y="574307"/>
+            <a:ext cx="1979613" cy="830997"/>
+          </a:xfrm>
+          <a:prstGeom prst="rect">
+            <a:avLst/>
+          </a:prstGeom>
+          <a:noFill/>
+        </p:spPr>
+        <p:txBody>
+          <a:bodyPr wrap="square" rtlCol="0">
+            <a:spAutoFit/>
+          </a:bodyPr>
+          <a:lstStyle/>
+          <a:p>
+            <a:pPr algn="ctr"/>
+            <a:r>
+              <a:rPr lang="pt-BR" sz="2400" dirty="0">
+                <a:solidFill>
+                  <a:srgbClr val="B5DE00"/>
+                </a:solidFill>
+                <a:latin typeface="Tahoma" panose="020B0604030504040204" pitchFamily="34" charset="0"/>
+                <a:ea typeface="Tahoma" panose="020B0604030504040204" pitchFamily="34" charset="0"/>
+                <a:cs typeface="Tahoma" panose="020B0604030504040204" pitchFamily="34" charset="0"/>
+              </a:rPr>
+              <a:t>Data &amp;</a:t>
+            </a:r>
+          </a:p>
+          <a:p>
+            <a:pPr algn="ctr"/>
+            <a:r>
+              <a:rPr lang="pt-BR" sz="2400" dirty="0" err="1">
+                <a:solidFill>
+                  <a:srgbClr val="34977E"/>
+                </a:solidFill>
+                <a:latin typeface="Tahoma" panose="020B0604030504040204" pitchFamily="34" charset="0"/>
+                <a:ea typeface="Tahoma" panose="020B0604030504040204" pitchFamily="34" charset="0"/>
+                <a:cs typeface="Tahoma" panose="020B0604030504040204" pitchFamily="34" charset="0"/>
+              </a:rPr>
+              <a:t>Database</a:t>
+            </a:r>
+            <a:endParaRPr lang="pt-BR" sz="2400" dirty="0">
+              <a:solidFill>
+                <a:srgbClr val="34977E"/>
+              </a:solidFill>
+              <a:latin typeface="Tahoma" panose="020B0604030504040204" pitchFamily="34" charset="0"/>
+              <a:ea typeface="Tahoma" panose="020B0604030504040204" pitchFamily="34" charset="0"/>
+              <a:cs typeface="Tahoma" panose="020B0604030504040204" pitchFamily="34" charset="0"/>
+            </a:endParaRPr>
           </a:p>
         </p:txBody>
       </p:sp>
@@ -7509,93 +7573,12 @@
           </p:txBody>
         </p:sp>
       </p:grpSp>
-    </p:spTree>
-    <p:extLst>
-      <p:ext uri="{BB962C8B-B14F-4D97-AF65-F5344CB8AC3E}">
-        <p14:creationId xmlns:p14="http://schemas.microsoft.com/office/powerpoint/2010/main" val="798919137"/>
-      </p:ext>
-    </p:extLst>
-  </p:cSld>
-  <p:clrMapOvr>
-    <a:masterClrMapping/>
-  </p:clrMapOvr>
-</p:sld>
-</file>
-
-<file path=ppt/slides/slide8.xml><?xml version="1.0" encoding="utf-8"?>
-<p:sld xmlns:a="http://schemas.openxmlformats.org/drawingml/2006/main" xmlns:r="http://schemas.openxmlformats.org/officeDocument/2006/relationships" xmlns:p="http://schemas.openxmlformats.org/presentationml/2006/main">
-  <p:cSld>
-    <p:bg>
-      <p:bgPr>
-        <a:solidFill>
-          <a:srgbClr val="232F3F"/>
-        </a:solidFill>
-        <a:effectLst/>
-      </p:bgPr>
-    </p:bg>
-    <p:spTree>
-      <p:nvGrpSpPr>
-        <p:cNvPr id="1" name=""/>
-        <p:cNvGrpSpPr/>
-        <p:nvPr/>
-      </p:nvGrpSpPr>
-      <p:grpSpPr>
-        <a:xfrm>
-          <a:off x="0" y="0"/>
-          <a:ext cx="0" cy="0"/>
-          <a:chOff x="0" y="0"/>
-          <a:chExt cx="0" cy="0"/>
-        </a:xfrm>
-      </p:grpSpPr>
-      <p:sp>
-        <p:nvSpPr>
-          <p:cNvPr id="4" name="CaixaDeTexto 3">
+      <p:sp>
+        <p:nvSpPr>
+          <p:cNvPr id="9" name="Retângulo 8">
             <a:extLst>
               <a:ext uri="{FF2B5EF4-FFF2-40B4-BE49-F238E27FC236}">
-                <a16:creationId xmlns:a16="http://schemas.microsoft.com/office/drawing/2014/main" id="{6E6DC805-A6CA-4C2C-8D06-B2610C9EE997}"/>
-              </a:ext>
-            </a:extLst>
-          </p:cNvPr>
-          <p:cNvSpPr txBox="1"/>
-          <p:nvPr/>
-        </p:nvSpPr>
-        <p:spPr>
-          <a:xfrm>
-            <a:off x="-1" y="758973"/>
-            <a:ext cx="1979613" cy="461665"/>
-          </a:xfrm>
-          <a:prstGeom prst="rect">
-            <a:avLst/>
-          </a:prstGeom>
-          <a:noFill/>
-        </p:spPr>
-        <p:txBody>
-          <a:bodyPr wrap="square" rtlCol="0">
-            <a:spAutoFit/>
-          </a:bodyPr>
-          <a:lstStyle/>
-          <a:p>
-            <a:pPr algn="ctr"/>
-            <a:r>
-              <a:rPr lang="pt-BR" sz="2400" dirty="0">
-                <a:solidFill>
-                  <a:srgbClr val="B5DE00"/>
-                </a:solidFill>
-                <a:latin typeface="Tahoma" panose="020B0604030504040204" pitchFamily="34" charset="0"/>
-                <a:ea typeface="Tahoma" panose="020B0604030504040204" pitchFamily="34" charset="0"/>
-                <a:cs typeface="Tahoma" panose="020B0604030504040204" pitchFamily="34" charset="0"/>
-              </a:rPr>
-              <a:t>API</a:t>
-            </a:r>
-          </a:p>
-        </p:txBody>
-      </p:sp>
-      <p:sp>
-        <p:nvSpPr>
-          <p:cNvPr id="6" name="Retângulo 5">
-            <a:extLst>
-              <a:ext uri="{FF2B5EF4-FFF2-40B4-BE49-F238E27FC236}">
-                <a16:creationId xmlns:a16="http://schemas.microsoft.com/office/drawing/2014/main" id="{D455C981-6C90-49A5-A4F0-99435347731C}"/>
+                <a16:creationId xmlns:a16="http://schemas.microsoft.com/office/drawing/2014/main" id="{BF1510B4-D13E-4E33-BBD5-F05807C2D8C6}"/>
               </a:ext>
             </a:extLst>
           </p:cNvPr>
@@ -7611,10 +7594,10 @@
             <a:avLst/>
           </a:prstGeom>
           <a:noFill/>
-          <a:ln w="15875">
+          <a:ln w="28575">
             <a:solidFill>
               <a:schemeClr val="bg1">
-                <a:lumMod val="65000"/>
+                <a:lumMod val="95000"/>
               </a:schemeClr>
             </a:solidFill>
           </a:ln>
@@ -7641,6 +7624,87 @@
           <a:p>
             <a:pPr algn="ctr"/>
             <a:endParaRPr lang="pt-BR"/>
+          </a:p>
+        </p:txBody>
+      </p:sp>
+    </p:spTree>
+    <p:extLst>
+      <p:ext uri="{BB962C8B-B14F-4D97-AF65-F5344CB8AC3E}">
+        <p14:creationId xmlns:p14="http://schemas.microsoft.com/office/powerpoint/2010/main" val="798919137"/>
+      </p:ext>
+    </p:extLst>
+  </p:cSld>
+  <p:clrMapOvr>
+    <a:masterClrMapping/>
+  </p:clrMapOvr>
+</p:sld>
+</file>
+
+<file path=ppt/slides/slide8.xml><?xml version="1.0" encoding="utf-8"?>
+<p:sld xmlns:a="http://schemas.openxmlformats.org/drawingml/2006/main" xmlns:r="http://schemas.openxmlformats.org/officeDocument/2006/relationships" xmlns:p="http://schemas.openxmlformats.org/presentationml/2006/main">
+  <p:cSld>
+    <p:bg>
+      <p:bgPr>
+        <a:solidFill>
+          <a:srgbClr val="0A0F0B"/>
+        </a:solidFill>
+        <a:effectLst/>
+      </p:bgPr>
+    </p:bg>
+    <p:spTree>
+      <p:nvGrpSpPr>
+        <p:cNvPr id="1" name=""/>
+        <p:cNvGrpSpPr/>
+        <p:nvPr/>
+      </p:nvGrpSpPr>
+      <p:grpSpPr>
+        <a:xfrm>
+          <a:off x="0" y="0"/>
+          <a:ext cx="0" cy="0"/>
+          <a:chOff x="0" y="0"/>
+          <a:chExt cx="0" cy="0"/>
+        </a:xfrm>
+      </p:grpSpPr>
+      <p:sp>
+        <p:nvSpPr>
+          <p:cNvPr id="4" name="CaixaDeTexto 3">
+            <a:extLst>
+              <a:ext uri="{FF2B5EF4-FFF2-40B4-BE49-F238E27FC236}">
+                <a16:creationId xmlns:a16="http://schemas.microsoft.com/office/drawing/2014/main" id="{6E6DC805-A6CA-4C2C-8D06-B2610C9EE997}"/>
+              </a:ext>
+            </a:extLst>
+          </p:cNvPr>
+          <p:cNvSpPr txBox="1"/>
+          <p:nvPr/>
+        </p:nvSpPr>
+        <p:spPr>
+          <a:xfrm>
+            <a:off x="-1" y="758973"/>
+            <a:ext cx="1979613" cy="461665"/>
+          </a:xfrm>
+          <a:prstGeom prst="rect">
+            <a:avLst/>
+          </a:prstGeom>
+          <a:noFill/>
+        </p:spPr>
+        <p:txBody>
+          <a:bodyPr wrap="square" rtlCol="0">
+            <a:spAutoFit/>
+          </a:bodyPr>
+          <a:lstStyle/>
+          <a:p>
+            <a:pPr algn="ctr"/>
+            <a:r>
+              <a:rPr lang="pt-BR" sz="2400" dirty="0">
+                <a:solidFill>
+                  <a:srgbClr val="B5DE00"/>
+                </a:solidFill>
+                <a:latin typeface="Tahoma" panose="020B0604030504040204" pitchFamily="34" charset="0"/>
+                <a:ea typeface="Tahoma" panose="020B0604030504040204" pitchFamily="34" charset="0"/>
+                <a:cs typeface="Tahoma" panose="020B0604030504040204" pitchFamily="34" charset="0"/>
+              </a:rPr>
+              <a:t>API</a:t>
+            </a:r>
           </a:p>
         </p:txBody>
       </p:sp>
@@ -7769,101 +7833,12 @@
           </p:txBody>
         </p:sp>
       </p:grpSp>
-    </p:spTree>
-    <p:extLst>
-      <p:ext uri="{BB962C8B-B14F-4D97-AF65-F5344CB8AC3E}">
-        <p14:creationId xmlns:p14="http://schemas.microsoft.com/office/powerpoint/2010/main" val="1084946887"/>
-      </p:ext>
-    </p:extLst>
-  </p:cSld>
-  <p:clrMapOvr>
-    <a:masterClrMapping/>
-  </p:clrMapOvr>
-</p:sld>
-</file>
-
-<file path=ppt/slides/slide9.xml><?xml version="1.0" encoding="utf-8"?>
-<p:sld xmlns:a="http://schemas.openxmlformats.org/drawingml/2006/main" xmlns:r="http://schemas.openxmlformats.org/officeDocument/2006/relationships" xmlns:p="http://schemas.openxmlformats.org/presentationml/2006/main">
-  <p:cSld>
-    <p:bg>
-      <p:bgPr>
-        <a:solidFill>
-          <a:srgbClr val="232F3F"/>
-        </a:solidFill>
-        <a:effectLst/>
-      </p:bgPr>
-    </p:bg>
-    <p:spTree>
-      <p:nvGrpSpPr>
-        <p:cNvPr id="1" name=""/>
-        <p:cNvGrpSpPr/>
-        <p:nvPr/>
-      </p:nvGrpSpPr>
-      <p:grpSpPr>
-        <a:xfrm>
-          <a:off x="0" y="0"/>
-          <a:ext cx="0" cy="0"/>
-          <a:chOff x="0" y="0"/>
-          <a:chExt cx="0" cy="0"/>
-        </a:xfrm>
-      </p:grpSpPr>
-      <p:sp>
-        <p:nvSpPr>
-          <p:cNvPr id="4" name="CaixaDeTexto 3">
+      <p:sp>
+        <p:nvSpPr>
+          <p:cNvPr id="10" name="Retângulo 9">
             <a:extLst>
               <a:ext uri="{FF2B5EF4-FFF2-40B4-BE49-F238E27FC236}">
-                <a16:creationId xmlns:a16="http://schemas.microsoft.com/office/drawing/2014/main" id="{6E6DC805-A6CA-4C2C-8D06-B2610C9EE997}"/>
-              </a:ext>
-            </a:extLst>
-          </p:cNvPr>
-          <p:cNvSpPr txBox="1"/>
-          <p:nvPr/>
-        </p:nvSpPr>
-        <p:spPr>
-          <a:xfrm>
-            <a:off x="-1" y="758973"/>
-            <a:ext cx="1979613" cy="461665"/>
-          </a:xfrm>
-          <a:prstGeom prst="rect">
-            <a:avLst/>
-          </a:prstGeom>
-          <a:noFill/>
-        </p:spPr>
-        <p:txBody>
-          <a:bodyPr wrap="square" rtlCol="0">
-            <a:spAutoFit/>
-          </a:bodyPr>
-          <a:lstStyle/>
-          <a:p>
-            <a:pPr algn="ctr"/>
-            <a:r>
-              <a:rPr lang="pt-BR" sz="2400" dirty="0" err="1">
-                <a:solidFill>
-                  <a:srgbClr val="B5DE00"/>
-                </a:solidFill>
-                <a:latin typeface="Tahoma" panose="020B0604030504040204" pitchFamily="34" charset="0"/>
-                <a:ea typeface="Tahoma" panose="020B0604030504040204" pitchFamily="34" charset="0"/>
-                <a:cs typeface="Tahoma" panose="020B0604030504040204" pitchFamily="34" charset="0"/>
-              </a:rPr>
-              <a:t>DevOps</a:t>
-            </a:r>
-            <a:endParaRPr lang="pt-BR" sz="2400" dirty="0">
-              <a:solidFill>
-                <a:srgbClr val="B5DE00"/>
-              </a:solidFill>
-              <a:latin typeface="Tahoma" panose="020B0604030504040204" pitchFamily="34" charset="0"/>
-              <a:ea typeface="Tahoma" panose="020B0604030504040204" pitchFamily="34" charset="0"/>
-              <a:cs typeface="Tahoma" panose="020B0604030504040204" pitchFamily="34" charset="0"/>
-            </a:endParaRPr>
-          </a:p>
-        </p:txBody>
-      </p:sp>
-      <p:sp>
-        <p:nvSpPr>
-          <p:cNvPr id="3" name="Retângulo 2">
-            <a:extLst>
-              <a:ext uri="{FF2B5EF4-FFF2-40B4-BE49-F238E27FC236}">
-                <a16:creationId xmlns:a16="http://schemas.microsoft.com/office/drawing/2014/main" id="{2F90FE4E-2F91-465F-9632-3468B2E89FB5}"/>
+                <a16:creationId xmlns:a16="http://schemas.microsoft.com/office/drawing/2014/main" id="{37F99BAC-F746-4D4E-87BB-44DD81B4ACEA}"/>
               </a:ext>
             </a:extLst>
           </p:cNvPr>
@@ -7879,10 +7854,10 @@
             <a:avLst/>
           </a:prstGeom>
           <a:noFill/>
-          <a:ln w="15875">
+          <a:ln w="28575">
             <a:solidFill>
               <a:schemeClr val="bg1">
-                <a:lumMod val="65000"/>
+                <a:lumMod val="95000"/>
               </a:schemeClr>
             </a:solidFill>
           </a:ln>
@@ -7909,6 +7884,95 @@
           <a:p>
             <a:pPr algn="ctr"/>
             <a:endParaRPr lang="pt-BR"/>
+          </a:p>
+        </p:txBody>
+      </p:sp>
+    </p:spTree>
+    <p:extLst>
+      <p:ext uri="{BB962C8B-B14F-4D97-AF65-F5344CB8AC3E}">
+        <p14:creationId xmlns:p14="http://schemas.microsoft.com/office/powerpoint/2010/main" val="1084946887"/>
+      </p:ext>
+    </p:extLst>
+  </p:cSld>
+  <p:clrMapOvr>
+    <a:masterClrMapping/>
+  </p:clrMapOvr>
+</p:sld>
+</file>
+
+<file path=ppt/slides/slide9.xml><?xml version="1.0" encoding="utf-8"?>
+<p:sld xmlns:a="http://schemas.openxmlformats.org/drawingml/2006/main" xmlns:r="http://schemas.openxmlformats.org/officeDocument/2006/relationships" xmlns:p="http://schemas.openxmlformats.org/presentationml/2006/main">
+  <p:cSld>
+    <p:bg>
+      <p:bgPr>
+        <a:solidFill>
+          <a:srgbClr val="0A0F0B"/>
+        </a:solidFill>
+        <a:effectLst/>
+      </p:bgPr>
+    </p:bg>
+    <p:spTree>
+      <p:nvGrpSpPr>
+        <p:cNvPr id="1" name=""/>
+        <p:cNvGrpSpPr/>
+        <p:nvPr/>
+      </p:nvGrpSpPr>
+      <p:grpSpPr>
+        <a:xfrm>
+          <a:off x="0" y="0"/>
+          <a:ext cx="0" cy="0"/>
+          <a:chOff x="0" y="0"/>
+          <a:chExt cx="0" cy="0"/>
+        </a:xfrm>
+      </p:grpSpPr>
+      <p:sp>
+        <p:nvSpPr>
+          <p:cNvPr id="4" name="CaixaDeTexto 3">
+            <a:extLst>
+              <a:ext uri="{FF2B5EF4-FFF2-40B4-BE49-F238E27FC236}">
+                <a16:creationId xmlns:a16="http://schemas.microsoft.com/office/drawing/2014/main" id="{6E6DC805-A6CA-4C2C-8D06-B2610C9EE997}"/>
+              </a:ext>
+            </a:extLst>
+          </p:cNvPr>
+          <p:cNvSpPr txBox="1"/>
+          <p:nvPr/>
+        </p:nvSpPr>
+        <p:spPr>
+          <a:xfrm>
+            <a:off x="-1" y="758973"/>
+            <a:ext cx="1979613" cy="461665"/>
+          </a:xfrm>
+          <a:prstGeom prst="rect">
+            <a:avLst/>
+          </a:prstGeom>
+          <a:noFill/>
+        </p:spPr>
+        <p:txBody>
+          <a:bodyPr wrap="square" rtlCol="0">
+            <a:spAutoFit/>
+          </a:bodyPr>
+          <a:lstStyle/>
+          <a:p>
+            <a:pPr algn="ctr"/>
+            <a:r>
+              <a:rPr lang="pt-BR" sz="2400" dirty="0" err="1">
+                <a:solidFill>
+                  <a:srgbClr val="B5DE00"/>
+                </a:solidFill>
+                <a:latin typeface="Tahoma" panose="020B0604030504040204" pitchFamily="34" charset="0"/>
+                <a:ea typeface="Tahoma" panose="020B0604030504040204" pitchFamily="34" charset="0"/>
+                <a:cs typeface="Tahoma" panose="020B0604030504040204" pitchFamily="34" charset="0"/>
+              </a:rPr>
+              <a:t>DevOps</a:t>
+            </a:r>
+            <a:endParaRPr lang="pt-BR" sz="2400" dirty="0">
+              <a:solidFill>
+                <a:srgbClr val="B5DE00"/>
+              </a:solidFill>
+              <a:latin typeface="Tahoma" panose="020B0604030504040204" pitchFamily="34" charset="0"/>
+              <a:ea typeface="Tahoma" panose="020B0604030504040204" pitchFamily="34" charset="0"/>
+              <a:cs typeface="Tahoma" panose="020B0604030504040204" pitchFamily="34" charset="0"/>
+            </a:endParaRPr>
           </a:p>
         </p:txBody>
       </p:sp>
@@ -8037,6 +8101,60 @@
           </p:txBody>
         </p:sp>
       </p:grpSp>
+      <p:sp>
+        <p:nvSpPr>
+          <p:cNvPr id="8" name="Retângulo 7">
+            <a:extLst>
+              <a:ext uri="{FF2B5EF4-FFF2-40B4-BE49-F238E27FC236}">
+                <a16:creationId xmlns:a16="http://schemas.microsoft.com/office/drawing/2014/main" id="{740B3612-512B-4352-8DA9-CB12DFAA5A27}"/>
+              </a:ext>
+            </a:extLst>
+          </p:cNvPr>
+          <p:cNvSpPr/>
+          <p:nvPr/>
+        </p:nvSpPr>
+        <p:spPr>
+          <a:xfrm>
+            <a:off x="0" y="0"/>
+            <a:ext cx="1979612" cy="1979613"/>
+          </a:xfrm>
+          <a:prstGeom prst="rect">
+            <a:avLst/>
+          </a:prstGeom>
+          <a:noFill/>
+          <a:ln w="28575">
+            <a:solidFill>
+              <a:schemeClr val="bg1">
+                <a:lumMod val="95000"/>
+              </a:schemeClr>
+            </a:solidFill>
+          </a:ln>
+        </p:spPr>
+        <p:style>
+          <a:lnRef idx="2">
+            <a:schemeClr val="accent1">
+              <a:shade val="50000"/>
+            </a:schemeClr>
+          </a:lnRef>
+          <a:fillRef idx="1">
+            <a:schemeClr val="accent1"/>
+          </a:fillRef>
+          <a:effectRef idx="0">
+            <a:schemeClr val="accent1"/>
+          </a:effectRef>
+          <a:fontRef idx="minor">
+            <a:schemeClr val="lt1"/>
+          </a:fontRef>
+        </p:style>
+        <p:txBody>
+          <a:bodyPr rtlCol="0" anchor="ctr"/>
+          <a:lstStyle/>
+          <a:p>
+            <a:pPr algn="ctr"/>
+            <a:endParaRPr lang="pt-BR"/>
+          </a:p>
+        </p:txBody>
+      </p:sp>
     </p:spTree>
     <p:extLst>
       <p:ext uri="{BB962C8B-B14F-4D97-AF65-F5344CB8AC3E}">

--- a/icones-ui-ux-github .pptx
+++ b/icones-ui-ux-github .pptx
@@ -21,6 +21,12 @@
     <p:sldId id="300" r:id="rId15"/>
     <p:sldId id="301" r:id="rId16"/>
     <p:sldId id="302" r:id="rId17"/>
+    <p:sldId id="303" r:id="rId18"/>
+    <p:sldId id="305" r:id="rId19"/>
+    <p:sldId id="306" r:id="rId20"/>
+    <p:sldId id="307" r:id="rId21"/>
+    <p:sldId id="308" r:id="rId22"/>
+    <p:sldId id="304" r:id="rId23"/>
   </p:sldIdLst>
   <p:sldSz cx="1979613" cy="1979613"/>
   <p:notesSz cx="6858000" cy="9144000"/>
@@ -818,7 +824,7 @@
           <a:p>
             <a:fld id="{4D43221E-70E5-4D3F-9F1A-6C7D028CD61D}" type="datetimeFigureOut">
               <a:rPr lang="pt-BR" smtClean="0"/>
-              <a:t>12/01/2022</a:t>
+              <a:t>15/01/2022</a:t>
             </a:fld>
             <a:endParaRPr lang="pt-BR"/>
           </a:p>
@@ -988,7 +994,7 @@
           <a:p>
             <a:fld id="{4D43221E-70E5-4D3F-9F1A-6C7D028CD61D}" type="datetimeFigureOut">
               <a:rPr lang="pt-BR" smtClean="0"/>
-              <a:t>12/01/2022</a:t>
+              <a:t>15/01/2022</a:t>
             </a:fld>
             <a:endParaRPr lang="pt-BR"/>
           </a:p>
@@ -1168,7 +1174,7 @@
           <a:p>
             <a:fld id="{4D43221E-70E5-4D3F-9F1A-6C7D028CD61D}" type="datetimeFigureOut">
               <a:rPr lang="pt-BR" smtClean="0"/>
-              <a:t>12/01/2022</a:t>
+              <a:t>15/01/2022</a:t>
             </a:fld>
             <a:endParaRPr lang="pt-BR"/>
           </a:p>
@@ -1338,7 +1344,7 @@
           <a:p>
             <a:fld id="{4D43221E-70E5-4D3F-9F1A-6C7D028CD61D}" type="datetimeFigureOut">
               <a:rPr lang="pt-BR" smtClean="0"/>
-              <a:t>12/01/2022</a:t>
+              <a:t>15/01/2022</a:t>
             </a:fld>
             <a:endParaRPr lang="pt-BR"/>
           </a:p>
@@ -1582,7 +1588,7 @@
           <a:p>
             <a:fld id="{4D43221E-70E5-4D3F-9F1A-6C7D028CD61D}" type="datetimeFigureOut">
               <a:rPr lang="pt-BR" smtClean="0"/>
-              <a:t>12/01/2022</a:t>
+              <a:t>15/01/2022</a:t>
             </a:fld>
             <a:endParaRPr lang="pt-BR"/>
           </a:p>
@@ -1814,7 +1820,7 @@
           <a:p>
             <a:fld id="{4D43221E-70E5-4D3F-9F1A-6C7D028CD61D}" type="datetimeFigureOut">
               <a:rPr lang="pt-BR" smtClean="0"/>
-              <a:t>12/01/2022</a:t>
+              <a:t>15/01/2022</a:t>
             </a:fld>
             <a:endParaRPr lang="pt-BR"/>
           </a:p>
@@ -2181,7 +2187,7 @@
           <a:p>
             <a:fld id="{4D43221E-70E5-4D3F-9F1A-6C7D028CD61D}" type="datetimeFigureOut">
               <a:rPr lang="pt-BR" smtClean="0"/>
-              <a:t>12/01/2022</a:t>
+              <a:t>15/01/2022</a:t>
             </a:fld>
             <a:endParaRPr lang="pt-BR"/>
           </a:p>
@@ -2299,7 +2305,7 @@
           <a:p>
             <a:fld id="{4D43221E-70E5-4D3F-9F1A-6C7D028CD61D}" type="datetimeFigureOut">
               <a:rPr lang="pt-BR" smtClean="0"/>
-              <a:t>12/01/2022</a:t>
+              <a:t>15/01/2022</a:t>
             </a:fld>
             <a:endParaRPr lang="pt-BR"/>
           </a:p>
@@ -2394,7 +2400,7 @@
           <a:p>
             <a:fld id="{4D43221E-70E5-4D3F-9F1A-6C7D028CD61D}" type="datetimeFigureOut">
               <a:rPr lang="pt-BR" smtClean="0"/>
-              <a:t>12/01/2022</a:t>
+              <a:t>15/01/2022</a:t>
             </a:fld>
             <a:endParaRPr lang="pt-BR"/>
           </a:p>
@@ -2671,7 +2677,7 @@
           <a:p>
             <a:fld id="{4D43221E-70E5-4D3F-9F1A-6C7D028CD61D}" type="datetimeFigureOut">
               <a:rPr lang="pt-BR" smtClean="0"/>
-              <a:t>12/01/2022</a:t>
+              <a:t>15/01/2022</a:t>
             </a:fld>
             <a:endParaRPr lang="pt-BR"/>
           </a:p>
@@ -2928,7 +2934,7 @@
           <a:p>
             <a:fld id="{4D43221E-70E5-4D3F-9F1A-6C7D028CD61D}" type="datetimeFigureOut">
               <a:rPr lang="pt-BR" smtClean="0"/>
-              <a:t>12/01/2022</a:t>
+              <a:t>15/01/2022</a:t>
             </a:fld>
             <a:endParaRPr lang="pt-BR"/>
           </a:p>
@@ -3141,7 +3147,7 @@
           <a:p>
             <a:fld id="{4D43221E-70E5-4D3F-9F1A-6C7D028CD61D}" type="datetimeFigureOut">
               <a:rPr lang="pt-BR" smtClean="0"/>
-              <a:t>12/01/2022</a:t>
+              <a:t>15/01/2022</a:t>
             </a:fld>
             <a:endParaRPr lang="pt-BR"/>
           </a:p>
@@ -4229,8 +4235,8 @@
         </p:nvSpPr>
         <p:spPr>
           <a:xfrm>
-            <a:off x="-1" y="605879"/>
-            <a:ext cx="1979613" cy="830997"/>
+            <a:off x="793" y="512752"/>
+            <a:ext cx="1979613" cy="954107"/>
           </a:xfrm>
           <a:prstGeom prst="rect">
             <a:avLst/>
@@ -4244,6 +4250,17 @@
           <a:lstStyle/>
           <a:p>
             <a:pPr algn="ctr"/>
+            <a:r>
+              <a:rPr lang="pt-BR" sz="2800" dirty="0">
+                <a:solidFill>
+                  <a:srgbClr val="B5DE00"/>
+                </a:solidFill>
+                <a:latin typeface="Tahoma" panose="020B0604030504040204" pitchFamily="34" charset="0"/>
+                <a:ea typeface="Tahoma" panose="020B0604030504040204" pitchFamily="34" charset="0"/>
+                <a:cs typeface="Tahoma" panose="020B0604030504040204" pitchFamily="34" charset="0"/>
+              </a:rPr>
+              <a:t>Cloud</a:t>
+            </a:r>
             <a:r>
               <a:rPr lang="pt-BR" sz="2000" dirty="0">
                 <a:solidFill>
@@ -4253,11 +4270,8 @@
                 <a:ea typeface="Tahoma" panose="020B0604030504040204" pitchFamily="34" charset="0"/>
                 <a:cs typeface="Tahoma" panose="020B0604030504040204" pitchFamily="34" charset="0"/>
               </a:rPr>
-              <a:t>Cloud &amp; Edge</a:t>
+              <a:t> </a:t>
             </a:r>
-          </a:p>
-          <a:p>
-            <a:pPr algn="ctr"/>
             <a:r>
               <a:rPr lang="pt-BR" sz="2800" dirty="0" err="1">
                 <a:solidFill>
@@ -5321,8 +5335,8 @@
         </p:nvSpPr>
         <p:spPr>
           <a:xfrm>
-            <a:off x="-1" y="575101"/>
-            <a:ext cx="1979613" cy="830997"/>
+            <a:off x="-1" y="758973"/>
+            <a:ext cx="1979613" cy="461665"/>
           </a:xfrm>
           <a:prstGeom prst="rect">
             <a:avLst/>
@@ -5350,39 +5364,6 @@
             <a:endParaRPr lang="pt-BR" sz="2400" dirty="0">
               <a:solidFill>
                 <a:srgbClr val="B5DE00"/>
-              </a:solidFill>
-              <a:latin typeface="Tahoma" panose="020B0604030504040204" pitchFamily="34" charset="0"/>
-              <a:ea typeface="Tahoma" panose="020B0604030504040204" pitchFamily="34" charset="0"/>
-              <a:cs typeface="Tahoma" panose="020B0604030504040204" pitchFamily="34" charset="0"/>
-            </a:endParaRPr>
-          </a:p>
-          <a:p>
-            <a:pPr algn="ctr"/>
-            <a:r>
-              <a:rPr lang="pt-BR" sz="2400" dirty="0">
-                <a:solidFill>
-                  <a:srgbClr val="34977E"/>
-                </a:solidFill>
-                <a:latin typeface="Tahoma" panose="020B0604030504040204" pitchFamily="34" charset="0"/>
-                <a:ea typeface="Tahoma" panose="020B0604030504040204" pitchFamily="34" charset="0"/>
-                <a:cs typeface="Tahoma" panose="020B0604030504040204" pitchFamily="34" charset="0"/>
-              </a:rPr>
-              <a:t>&amp; </a:t>
-            </a:r>
-            <a:r>
-              <a:rPr lang="pt-BR" sz="2400" dirty="0" err="1">
-                <a:solidFill>
-                  <a:srgbClr val="34977E"/>
-                </a:solidFill>
-                <a:latin typeface="Tahoma" panose="020B0604030504040204" pitchFamily="34" charset="0"/>
-                <a:ea typeface="Tahoma" panose="020B0604030504040204" pitchFamily="34" charset="0"/>
-                <a:cs typeface="Tahoma" panose="020B0604030504040204" pitchFamily="34" charset="0"/>
-              </a:rPr>
-              <a:t>DeFi</a:t>
-            </a:r>
-            <a:endParaRPr lang="pt-BR" sz="2400" dirty="0">
-              <a:solidFill>
-                <a:srgbClr val="34977E"/>
               </a:solidFill>
               <a:latin typeface="Tahoma" panose="020B0604030504040204" pitchFamily="34" charset="0"/>
               <a:ea typeface="Tahoma" panose="020B0604030504040204" pitchFamily="34" charset="0"/>
@@ -5856,6 +5837,868 @@
     <p:extLst>
       <p:ext uri="{BB962C8B-B14F-4D97-AF65-F5344CB8AC3E}">
         <p14:creationId xmlns:p14="http://schemas.microsoft.com/office/powerpoint/2010/main" val="2498741152"/>
+      </p:ext>
+    </p:extLst>
+  </p:cSld>
+  <p:clrMapOvr>
+    <a:masterClrMapping/>
+  </p:clrMapOvr>
+</p:sld>
+</file>
+
+<file path=ppt/slides/slide17.xml><?xml version="1.0" encoding="utf-8"?>
+<p:sld xmlns:a="http://schemas.openxmlformats.org/drawingml/2006/main" xmlns:r="http://schemas.openxmlformats.org/officeDocument/2006/relationships" xmlns:p="http://schemas.openxmlformats.org/presentationml/2006/main">
+  <p:cSld>
+    <p:bg>
+      <p:bgPr>
+        <a:solidFill>
+          <a:srgbClr val="0A0F0B"/>
+        </a:solidFill>
+        <a:effectLst/>
+      </p:bgPr>
+    </p:bg>
+    <p:spTree>
+      <p:nvGrpSpPr>
+        <p:cNvPr id="1" name=""/>
+        <p:cNvGrpSpPr/>
+        <p:nvPr/>
+      </p:nvGrpSpPr>
+      <p:grpSpPr>
+        <a:xfrm>
+          <a:off x="0" y="0"/>
+          <a:ext cx="0" cy="0"/>
+          <a:chOff x="0" y="0"/>
+          <a:chExt cx="0" cy="0"/>
+        </a:xfrm>
+      </p:grpSpPr>
+      <p:sp>
+        <p:nvSpPr>
+          <p:cNvPr id="4" name="CaixaDeTexto 3">
+            <a:extLst>
+              <a:ext uri="{FF2B5EF4-FFF2-40B4-BE49-F238E27FC236}">
+                <a16:creationId xmlns:a16="http://schemas.microsoft.com/office/drawing/2014/main" id="{6E6DC805-A6CA-4C2C-8D06-B2610C9EE997}"/>
+              </a:ext>
+            </a:extLst>
+          </p:cNvPr>
+          <p:cNvSpPr txBox="1"/>
+          <p:nvPr/>
+        </p:nvSpPr>
+        <p:spPr>
+          <a:xfrm>
+            <a:off x="793" y="512752"/>
+            <a:ext cx="1979613" cy="954107"/>
+          </a:xfrm>
+          <a:prstGeom prst="rect">
+            <a:avLst/>
+          </a:prstGeom>
+          <a:noFill/>
+        </p:spPr>
+        <p:txBody>
+          <a:bodyPr wrap="square" rtlCol="0">
+            <a:spAutoFit/>
+          </a:bodyPr>
+          <a:lstStyle/>
+          <a:p>
+            <a:pPr algn="ctr"/>
+            <a:r>
+              <a:rPr lang="pt-BR" sz="2800" dirty="0">
+                <a:solidFill>
+                  <a:srgbClr val="B5DE00"/>
+                </a:solidFill>
+                <a:latin typeface="Tahoma" panose="020B0604030504040204" pitchFamily="34" charset="0"/>
+                <a:ea typeface="Tahoma" panose="020B0604030504040204" pitchFamily="34" charset="0"/>
+                <a:cs typeface="Tahoma" panose="020B0604030504040204" pitchFamily="34" charset="0"/>
+              </a:rPr>
+              <a:t>Big</a:t>
+            </a:r>
+            <a:r>
+              <a:rPr lang="pt-BR" sz="2000" dirty="0">
+                <a:solidFill>
+                  <a:srgbClr val="B5DE00"/>
+                </a:solidFill>
+                <a:latin typeface="Tahoma" panose="020B0604030504040204" pitchFamily="34" charset="0"/>
+                <a:ea typeface="Tahoma" panose="020B0604030504040204" pitchFamily="34" charset="0"/>
+                <a:cs typeface="Tahoma" panose="020B0604030504040204" pitchFamily="34" charset="0"/>
+              </a:rPr>
+              <a:t> </a:t>
+            </a:r>
+            <a:endParaRPr lang="pt-BR" sz="2800" dirty="0">
+              <a:solidFill>
+                <a:srgbClr val="34977E"/>
+              </a:solidFill>
+              <a:latin typeface="Tahoma" panose="020B0604030504040204" pitchFamily="34" charset="0"/>
+              <a:ea typeface="Tahoma" panose="020B0604030504040204" pitchFamily="34" charset="0"/>
+              <a:cs typeface="Tahoma" panose="020B0604030504040204" pitchFamily="34" charset="0"/>
+            </a:endParaRPr>
+          </a:p>
+          <a:p>
+            <a:pPr algn="ctr"/>
+            <a:r>
+              <a:rPr lang="pt-BR" sz="2800" dirty="0">
+                <a:solidFill>
+                  <a:srgbClr val="34977E"/>
+                </a:solidFill>
+                <a:latin typeface="Tahoma" panose="020B0604030504040204" pitchFamily="34" charset="0"/>
+                <a:ea typeface="Tahoma" panose="020B0604030504040204" pitchFamily="34" charset="0"/>
+                <a:cs typeface="Tahoma" panose="020B0604030504040204" pitchFamily="34" charset="0"/>
+              </a:rPr>
+              <a:t>Data</a:t>
+            </a:r>
+          </a:p>
+        </p:txBody>
+      </p:sp>
+      <p:grpSp>
+        <p:nvGrpSpPr>
+          <p:cNvPr id="5" name="Agrupar 4">
+            <a:extLst>
+              <a:ext uri="{FF2B5EF4-FFF2-40B4-BE49-F238E27FC236}">
+                <a16:creationId xmlns:a16="http://schemas.microsoft.com/office/drawing/2014/main" id="{EA8FFE4E-BE54-4267-98B4-78DFF87310BF}"/>
+              </a:ext>
+            </a:extLst>
+          </p:cNvPr>
+          <p:cNvGrpSpPr/>
+          <p:nvPr/>
+        </p:nvGrpSpPr>
+        <p:grpSpPr>
+          <a:xfrm>
+            <a:off x="-246392" y="36254"/>
+            <a:ext cx="161800" cy="422289"/>
+            <a:chOff x="-246392" y="36254"/>
+            <a:chExt cx="161800" cy="422289"/>
+          </a:xfrm>
+        </p:grpSpPr>
+        <p:sp>
+          <p:nvSpPr>
+            <p:cNvPr id="6" name="Retângulo 5">
+              <a:extLst>
+                <a:ext uri="{FF2B5EF4-FFF2-40B4-BE49-F238E27FC236}">
+                  <a16:creationId xmlns:a16="http://schemas.microsoft.com/office/drawing/2014/main" id="{99D89A96-48FD-4E5F-A192-246491AF313C}"/>
+                </a:ext>
+              </a:extLst>
+            </p:cNvPr>
+            <p:cNvSpPr/>
+            <p:nvPr/>
+          </p:nvSpPr>
+          <p:spPr>
+            <a:xfrm>
+              <a:off x="-241692" y="36254"/>
+              <a:ext cx="157100" cy="185297"/>
+            </a:xfrm>
+            <a:prstGeom prst="rect">
+              <a:avLst/>
+            </a:prstGeom>
+            <a:solidFill>
+              <a:srgbClr val="B5DE00"/>
+            </a:solidFill>
+            <a:ln>
+              <a:noFill/>
+            </a:ln>
+          </p:spPr>
+          <p:style>
+            <a:lnRef idx="2">
+              <a:schemeClr val="accent1">
+                <a:shade val="50000"/>
+              </a:schemeClr>
+            </a:lnRef>
+            <a:fillRef idx="1">
+              <a:schemeClr val="accent1"/>
+            </a:fillRef>
+            <a:effectRef idx="0">
+              <a:schemeClr val="accent1"/>
+            </a:effectRef>
+            <a:fontRef idx="minor">
+              <a:schemeClr val="lt1"/>
+            </a:fontRef>
+          </p:style>
+          <p:txBody>
+            <a:bodyPr rtlCol="0" anchor="ctr"/>
+            <a:lstStyle/>
+            <a:p>
+              <a:pPr algn="ctr"/>
+              <a:endParaRPr lang="pt-BR"/>
+            </a:p>
+          </p:txBody>
+        </p:sp>
+        <p:sp>
+          <p:nvSpPr>
+            <p:cNvPr id="7" name="Retângulo 6">
+              <a:extLst>
+                <a:ext uri="{FF2B5EF4-FFF2-40B4-BE49-F238E27FC236}">
+                  <a16:creationId xmlns:a16="http://schemas.microsoft.com/office/drawing/2014/main" id="{E967C132-D0BE-470E-AB3D-FB9C2B3B2393}"/>
+                </a:ext>
+              </a:extLst>
+            </p:cNvPr>
+            <p:cNvSpPr/>
+            <p:nvPr/>
+          </p:nvSpPr>
+          <p:spPr>
+            <a:xfrm>
+              <a:off x="-246392" y="273246"/>
+              <a:ext cx="157100" cy="185297"/>
+            </a:xfrm>
+            <a:prstGeom prst="rect">
+              <a:avLst/>
+            </a:prstGeom>
+            <a:solidFill>
+              <a:srgbClr val="34977E"/>
+            </a:solidFill>
+            <a:ln>
+              <a:noFill/>
+            </a:ln>
+          </p:spPr>
+          <p:style>
+            <a:lnRef idx="2">
+              <a:schemeClr val="accent1">
+                <a:shade val="50000"/>
+              </a:schemeClr>
+            </a:lnRef>
+            <a:fillRef idx="1">
+              <a:schemeClr val="accent1"/>
+            </a:fillRef>
+            <a:effectRef idx="0">
+              <a:schemeClr val="accent1"/>
+            </a:effectRef>
+            <a:fontRef idx="minor">
+              <a:schemeClr val="lt1"/>
+            </a:fontRef>
+          </p:style>
+          <p:txBody>
+            <a:bodyPr rtlCol="0" anchor="ctr"/>
+            <a:lstStyle/>
+            <a:p>
+              <a:pPr algn="ctr"/>
+              <a:endParaRPr lang="pt-BR"/>
+            </a:p>
+          </p:txBody>
+        </p:sp>
+      </p:grpSp>
+      <p:sp>
+        <p:nvSpPr>
+          <p:cNvPr id="8" name="Retângulo 7">
+            <a:extLst>
+              <a:ext uri="{FF2B5EF4-FFF2-40B4-BE49-F238E27FC236}">
+                <a16:creationId xmlns:a16="http://schemas.microsoft.com/office/drawing/2014/main" id="{F6C7D29A-9B99-4959-AB9C-7EA8C0FCCEA3}"/>
+              </a:ext>
+            </a:extLst>
+          </p:cNvPr>
+          <p:cNvSpPr/>
+          <p:nvPr/>
+        </p:nvSpPr>
+        <p:spPr>
+          <a:xfrm>
+            <a:off x="0" y="0"/>
+            <a:ext cx="1979612" cy="1979613"/>
+          </a:xfrm>
+          <a:prstGeom prst="rect">
+            <a:avLst/>
+          </a:prstGeom>
+          <a:noFill/>
+          <a:ln w="28575">
+            <a:solidFill>
+              <a:schemeClr val="bg1">
+                <a:lumMod val="95000"/>
+              </a:schemeClr>
+            </a:solidFill>
+          </a:ln>
+        </p:spPr>
+        <p:style>
+          <a:lnRef idx="2">
+            <a:schemeClr val="accent1">
+              <a:shade val="50000"/>
+            </a:schemeClr>
+          </a:lnRef>
+          <a:fillRef idx="1">
+            <a:schemeClr val="accent1"/>
+          </a:fillRef>
+          <a:effectRef idx="0">
+            <a:schemeClr val="accent1"/>
+          </a:effectRef>
+          <a:fontRef idx="minor">
+            <a:schemeClr val="lt1"/>
+          </a:fontRef>
+        </p:style>
+        <p:txBody>
+          <a:bodyPr rtlCol="0" anchor="ctr"/>
+          <a:lstStyle/>
+          <a:p>
+            <a:pPr algn="ctr"/>
+            <a:endParaRPr lang="pt-BR"/>
+          </a:p>
+        </p:txBody>
+      </p:sp>
+    </p:spTree>
+    <p:extLst>
+      <p:ext uri="{BB962C8B-B14F-4D97-AF65-F5344CB8AC3E}">
+        <p14:creationId xmlns:p14="http://schemas.microsoft.com/office/powerpoint/2010/main" val="3992889967"/>
+      </p:ext>
+    </p:extLst>
+  </p:cSld>
+  <p:clrMapOvr>
+    <a:masterClrMapping/>
+  </p:clrMapOvr>
+</p:sld>
+</file>
+
+<file path=ppt/slides/slide18.xml><?xml version="1.0" encoding="utf-8"?>
+<p:sld xmlns:a="http://schemas.openxmlformats.org/drawingml/2006/main" xmlns:r="http://schemas.openxmlformats.org/officeDocument/2006/relationships" xmlns:p="http://schemas.openxmlformats.org/presentationml/2006/main">
+  <p:cSld>
+    <p:bg>
+      <p:bgPr>
+        <a:solidFill>
+          <a:srgbClr val="0A0F0B"/>
+        </a:solidFill>
+        <a:effectLst/>
+      </p:bgPr>
+    </p:bg>
+    <p:spTree>
+      <p:nvGrpSpPr>
+        <p:cNvPr id="1" name=""/>
+        <p:cNvGrpSpPr/>
+        <p:nvPr/>
+      </p:nvGrpSpPr>
+      <p:grpSpPr>
+        <a:xfrm>
+          <a:off x="0" y="0"/>
+          <a:ext cx="0" cy="0"/>
+          <a:chOff x="0" y="0"/>
+          <a:chExt cx="0" cy="0"/>
+        </a:xfrm>
+      </p:grpSpPr>
+      <p:sp>
+        <p:nvSpPr>
+          <p:cNvPr id="4" name="CaixaDeTexto 3">
+            <a:extLst>
+              <a:ext uri="{FF2B5EF4-FFF2-40B4-BE49-F238E27FC236}">
+                <a16:creationId xmlns:a16="http://schemas.microsoft.com/office/drawing/2014/main" id="{6E6DC805-A6CA-4C2C-8D06-B2610C9EE997}"/>
+              </a:ext>
+            </a:extLst>
+          </p:cNvPr>
+          <p:cNvSpPr txBox="1"/>
+          <p:nvPr/>
+        </p:nvSpPr>
+        <p:spPr>
+          <a:xfrm>
+            <a:off x="793" y="512752"/>
+            <a:ext cx="1979613" cy="954107"/>
+          </a:xfrm>
+          <a:prstGeom prst="rect">
+            <a:avLst/>
+          </a:prstGeom>
+          <a:noFill/>
+        </p:spPr>
+        <p:txBody>
+          <a:bodyPr wrap="square" rtlCol="0">
+            <a:spAutoFit/>
+          </a:bodyPr>
+          <a:lstStyle/>
+          <a:p>
+            <a:pPr algn="ctr"/>
+            <a:r>
+              <a:rPr lang="pt-BR" sz="2800" dirty="0" err="1">
+                <a:solidFill>
+                  <a:srgbClr val="B5DE00"/>
+                </a:solidFill>
+                <a:latin typeface="Tahoma" panose="020B0604030504040204" pitchFamily="34" charset="0"/>
+                <a:ea typeface="Tahoma" panose="020B0604030504040204" pitchFamily="34" charset="0"/>
+                <a:cs typeface="Tahoma" panose="020B0604030504040204" pitchFamily="34" charset="0"/>
+              </a:rPr>
+              <a:t>DataViz</a:t>
+            </a:r>
+            <a:r>
+              <a:rPr lang="pt-BR" sz="2800" dirty="0">
+                <a:solidFill>
+                  <a:srgbClr val="B5DE00"/>
+                </a:solidFill>
+                <a:latin typeface="Tahoma" panose="020B0604030504040204" pitchFamily="34" charset="0"/>
+                <a:ea typeface="Tahoma" panose="020B0604030504040204" pitchFamily="34" charset="0"/>
+                <a:cs typeface="Tahoma" panose="020B0604030504040204" pitchFamily="34" charset="0"/>
+              </a:rPr>
+              <a:t> &amp;</a:t>
+            </a:r>
+            <a:endParaRPr lang="pt-BR" sz="2800" dirty="0">
+              <a:solidFill>
+                <a:srgbClr val="34977E"/>
+              </a:solidFill>
+              <a:latin typeface="Tahoma" panose="020B0604030504040204" pitchFamily="34" charset="0"/>
+              <a:ea typeface="Tahoma" panose="020B0604030504040204" pitchFamily="34" charset="0"/>
+              <a:cs typeface="Tahoma" panose="020B0604030504040204" pitchFamily="34" charset="0"/>
+            </a:endParaRPr>
+          </a:p>
+          <a:p>
+            <a:pPr algn="ctr"/>
+            <a:r>
+              <a:rPr lang="pt-BR" sz="2800" dirty="0" err="1">
+                <a:solidFill>
+                  <a:srgbClr val="34977E"/>
+                </a:solidFill>
+                <a:latin typeface="Tahoma" panose="020B0604030504040204" pitchFamily="34" charset="0"/>
+                <a:ea typeface="Tahoma" panose="020B0604030504040204" pitchFamily="34" charset="0"/>
+                <a:cs typeface="Tahoma" panose="020B0604030504040204" pitchFamily="34" charset="0"/>
+              </a:rPr>
+              <a:t>Analytics</a:t>
+            </a:r>
+            <a:endParaRPr lang="pt-BR" sz="2800" dirty="0">
+              <a:solidFill>
+                <a:srgbClr val="34977E"/>
+              </a:solidFill>
+              <a:latin typeface="Tahoma" panose="020B0604030504040204" pitchFamily="34" charset="0"/>
+              <a:ea typeface="Tahoma" panose="020B0604030504040204" pitchFamily="34" charset="0"/>
+              <a:cs typeface="Tahoma" panose="020B0604030504040204" pitchFamily="34" charset="0"/>
+            </a:endParaRPr>
+          </a:p>
+        </p:txBody>
+      </p:sp>
+      <p:grpSp>
+        <p:nvGrpSpPr>
+          <p:cNvPr id="5" name="Agrupar 4">
+            <a:extLst>
+              <a:ext uri="{FF2B5EF4-FFF2-40B4-BE49-F238E27FC236}">
+                <a16:creationId xmlns:a16="http://schemas.microsoft.com/office/drawing/2014/main" id="{EA8FFE4E-BE54-4267-98B4-78DFF87310BF}"/>
+              </a:ext>
+            </a:extLst>
+          </p:cNvPr>
+          <p:cNvGrpSpPr/>
+          <p:nvPr/>
+        </p:nvGrpSpPr>
+        <p:grpSpPr>
+          <a:xfrm>
+            <a:off x="-246392" y="36254"/>
+            <a:ext cx="161800" cy="422289"/>
+            <a:chOff x="-246392" y="36254"/>
+            <a:chExt cx="161800" cy="422289"/>
+          </a:xfrm>
+        </p:grpSpPr>
+        <p:sp>
+          <p:nvSpPr>
+            <p:cNvPr id="6" name="Retângulo 5">
+              <a:extLst>
+                <a:ext uri="{FF2B5EF4-FFF2-40B4-BE49-F238E27FC236}">
+                  <a16:creationId xmlns:a16="http://schemas.microsoft.com/office/drawing/2014/main" id="{99D89A96-48FD-4E5F-A192-246491AF313C}"/>
+                </a:ext>
+              </a:extLst>
+            </p:cNvPr>
+            <p:cNvSpPr/>
+            <p:nvPr/>
+          </p:nvSpPr>
+          <p:spPr>
+            <a:xfrm>
+              <a:off x="-241692" y="36254"/>
+              <a:ext cx="157100" cy="185297"/>
+            </a:xfrm>
+            <a:prstGeom prst="rect">
+              <a:avLst/>
+            </a:prstGeom>
+            <a:solidFill>
+              <a:srgbClr val="B5DE00"/>
+            </a:solidFill>
+            <a:ln>
+              <a:noFill/>
+            </a:ln>
+          </p:spPr>
+          <p:style>
+            <a:lnRef idx="2">
+              <a:schemeClr val="accent1">
+                <a:shade val="50000"/>
+              </a:schemeClr>
+            </a:lnRef>
+            <a:fillRef idx="1">
+              <a:schemeClr val="accent1"/>
+            </a:fillRef>
+            <a:effectRef idx="0">
+              <a:schemeClr val="accent1"/>
+            </a:effectRef>
+            <a:fontRef idx="minor">
+              <a:schemeClr val="lt1"/>
+            </a:fontRef>
+          </p:style>
+          <p:txBody>
+            <a:bodyPr rtlCol="0" anchor="ctr"/>
+            <a:lstStyle/>
+            <a:p>
+              <a:pPr algn="ctr"/>
+              <a:endParaRPr lang="pt-BR"/>
+            </a:p>
+          </p:txBody>
+        </p:sp>
+        <p:sp>
+          <p:nvSpPr>
+            <p:cNvPr id="7" name="Retângulo 6">
+              <a:extLst>
+                <a:ext uri="{FF2B5EF4-FFF2-40B4-BE49-F238E27FC236}">
+                  <a16:creationId xmlns:a16="http://schemas.microsoft.com/office/drawing/2014/main" id="{E967C132-D0BE-470E-AB3D-FB9C2B3B2393}"/>
+                </a:ext>
+              </a:extLst>
+            </p:cNvPr>
+            <p:cNvSpPr/>
+            <p:nvPr/>
+          </p:nvSpPr>
+          <p:spPr>
+            <a:xfrm>
+              <a:off x="-246392" y="273246"/>
+              <a:ext cx="157100" cy="185297"/>
+            </a:xfrm>
+            <a:prstGeom prst="rect">
+              <a:avLst/>
+            </a:prstGeom>
+            <a:solidFill>
+              <a:srgbClr val="34977E"/>
+            </a:solidFill>
+            <a:ln>
+              <a:noFill/>
+            </a:ln>
+          </p:spPr>
+          <p:style>
+            <a:lnRef idx="2">
+              <a:schemeClr val="accent1">
+                <a:shade val="50000"/>
+              </a:schemeClr>
+            </a:lnRef>
+            <a:fillRef idx="1">
+              <a:schemeClr val="accent1"/>
+            </a:fillRef>
+            <a:effectRef idx="0">
+              <a:schemeClr val="accent1"/>
+            </a:effectRef>
+            <a:fontRef idx="minor">
+              <a:schemeClr val="lt1"/>
+            </a:fontRef>
+          </p:style>
+          <p:txBody>
+            <a:bodyPr rtlCol="0" anchor="ctr"/>
+            <a:lstStyle/>
+            <a:p>
+              <a:pPr algn="ctr"/>
+              <a:endParaRPr lang="pt-BR"/>
+            </a:p>
+          </p:txBody>
+        </p:sp>
+      </p:grpSp>
+      <p:sp>
+        <p:nvSpPr>
+          <p:cNvPr id="8" name="Retângulo 7">
+            <a:extLst>
+              <a:ext uri="{FF2B5EF4-FFF2-40B4-BE49-F238E27FC236}">
+                <a16:creationId xmlns:a16="http://schemas.microsoft.com/office/drawing/2014/main" id="{F6C7D29A-9B99-4959-AB9C-7EA8C0FCCEA3}"/>
+              </a:ext>
+            </a:extLst>
+          </p:cNvPr>
+          <p:cNvSpPr/>
+          <p:nvPr/>
+        </p:nvSpPr>
+        <p:spPr>
+          <a:xfrm>
+            <a:off x="0" y="0"/>
+            <a:ext cx="1979612" cy="1979613"/>
+          </a:xfrm>
+          <a:prstGeom prst="rect">
+            <a:avLst/>
+          </a:prstGeom>
+          <a:noFill/>
+          <a:ln w="28575">
+            <a:solidFill>
+              <a:schemeClr val="bg1">
+                <a:lumMod val="95000"/>
+              </a:schemeClr>
+            </a:solidFill>
+          </a:ln>
+        </p:spPr>
+        <p:style>
+          <a:lnRef idx="2">
+            <a:schemeClr val="accent1">
+              <a:shade val="50000"/>
+            </a:schemeClr>
+          </a:lnRef>
+          <a:fillRef idx="1">
+            <a:schemeClr val="accent1"/>
+          </a:fillRef>
+          <a:effectRef idx="0">
+            <a:schemeClr val="accent1"/>
+          </a:effectRef>
+          <a:fontRef idx="minor">
+            <a:schemeClr val="lt1"/>
+          </a:fontRef>
+        </p:style>
+        <p:txBody>
+          <a:bodyPr rtlCol="0" anchor="ctr"/>
+          <a:lstStyle/>
+          <a:p>
+            <a:pPr algn="ctr"/>
+            <a:endParaRPr lang="pt-BR"/>
+          </a:p>
+        </p:txBody>
+      </p:sp>
+    </p:spTree>
+    <p:extLst>
+      <p:ext uri="{BB962C8B-B14F-4D97-AF65-F5344CB8AC3E}">
+        <p14:creationId xmlns:p14="http://schemas.microsoft.com/office/powerpoint/2010/main" val="921515833"/>
+      </p:ext>
+    </p:extLst>
+  </p:cSld>
+  <p:clrMapOvr>
+    <a:masterClrMapping/>
+  </p:clrMapOvr>
+</p:sld>
+</file>
+
+<file path=ppt/slides/slide19.xml><?xml version="1.0" encoding="utf-8"?>
+<p:sld xmlns:a="http://schemas.openxmlformats.org/drawingml/2006/main" xmlns:r="http://schemas.openxmlformats.org/officeDocument/2006/relationships" xmlns:p="http://schemas.openxmlformats.org/presentationml/2006/main">
+  <p:cSld>
+    <p:bg>
+      <p:bgPr>
+        <a:solidFill>
+          <a:srgbClr val="0A0F0B"/>
+        </a:solidFill>
+        <a:effectLst/>
+      </p:bgPr>
+    </p:bg>
+    <p:spTree>
+      <p:nvGrpSpPr>
+        <p:cNvPr id="1" name=""/>
+        <p:cNvGrpSpPr/>
+        <p:nvPr/>
+      </p:nvGrpSpPr>
+      <p:grpSpPr>
+        <a:xfrm>
+          <a:off x="0" y="0"/>
+          <a:ext cx="0" cy="0"/>
+          <a:chOff x="0" y="0"/>
+          <a:chExt cx="0" cy="0"/>
+        </a:xfrm>
+      </p:grpSpPr>
+      <p:sp>
+        <p:nvSpPr>
+          <p:cNvPr id="4" name="CaixaDeTexto 3">
+            <a:extLst>
+              <a:ext uri="{FF2B5EF4-FFF2-40B4-BE49-F238E27FC236}">
+                <a16:creationId xmlns:a16="http://schemas.microsoft.com/office/drawing/2014/main" id="{6E6DC805-A6CA-4C2C-8D06-B2610C9EE997}"/>
+              </a:ext>
+            </a:extLst>
+          </p:cNvPr>
+          <p:cNvSpPr txBox="1"/>
+          <p:nvPr/>
+        </p:nvSpPr>
+        <p:spPr>
+          <a:xfrm>
+            <a:off x="-1" y="728196"/>
+            <a:ext cx="1979613" cy="523220"/>
+          </a:xfrm>
+          <a:prstGeom prst="rect">
+            <a:avLst/>
+          </a:prstGeom>
+          <a:noFill/>
+        </p:spPr>
+        <p:txBody>
+          <a:bodyPr wrap="square" rtlCol="0">
+            <a:spAutoFit/>
+          </a:bodyPr>
+          <a:lstStyle/>
+          <a:p>
+            <a:pPr algn="ctr"/>
+            <a:r>
+              <a:rPr lang="pt-BR" sz="2800" dirty="0" err="1">
+                <a:solidFill>
+                  <a:srgbClr val="B5DE00"/>
+                </a:solidFill>
+                <a:latin typeface="Tahoma" panose="020B0604030504040204" pitchFamily="34" charset="0"/>
+                <a:ea typeface="Tahoma" panose="020B0604030504040204" pitchFamily="34" charset="0"/>
+                <a:cs typeface="Tahoma" panose="020B0604030504040204" pitchFamily="34" charset="0"/>
+              </a:rPr>
+              <a:t>DeFi</a:t>
+            </a:r>
+            <a:endParaRPr lang="pt-BR" sz="2800" dirty="0">
+              <a:solidFill>
+                <a:srgbClr val="34977E"/>
+              </a:solidFill>
+              <a:latin typeface="Tahoma" panose="020B0604030504040204" pitchFamily="34" charset="0"/>
+              <a:ea typeface="Tahoma" panose="020B0604030504040204" pitchFamily="34" charset="0"/>
+              <a:cs typeface="Tahoma" panose="020B0604030504040204" pitchFamily="34" charset="0"/>
+            </a:endParaRPr>
+          </a:p>
+        </p:txBody>
+      </p:sp>
+      <p:grpSp>
+        <p:nvGrpSpPr>
+          <p:cNvPr id="5" name="Agrupar 4">
+            <a:extLst>
+              <a:ext uri="{FF2B5EF4-FFF2-40B4-BE49-F238E27FC236}">
+                <a16:creationId xmlns:a16="http://schemas.microsoft.com/office/drawing/2014/main" id="{EA8FFE4E-BE54-4267-98B4-78DFF87310BF}"/>
+              </a:ext>
+            </a:extLst>
+          </p:cNvPr>
+          <p:cNvGrpSpPr/>
+          <p:nvPr/>
+        </p:nvGrpSpPr>
+        <p:grpSpPr>
+          <a:xfrm>
+            <a:off x="-246392" y="36254"/>
+            <a:ext cx="161800" cy="422289"/>
+            <a:chOff x="-246392" y="36254"/>
+            <a:chExt cx="161800" cy="422289"/>
+          </a:xfrm>
+        </p:grpSpPr>
+        <p:sp>
+          <p:nvSpPr>
+            <p:cNvPr id="6" name="Retângulo 5">
+              <a:extLst>
+                <a:ext uri="{FF2B5EF4-FFF2-40B4-BE49-F238E27FC236}">
+                  <a16:creationId xmlns:a16="http://schemas.microsoft.com/office/drawing/2014/main" id="{99D89A96-48FD-4E5F-A192-246491AF313C}"/>
+                </a:ext>
+              </a:extLst>
+            </p:cNvPr>
+            <p:cNvSpPr/>
+            <p:nvPr/>
+          </p:nvSpPr>
+          <p:spPr>
+            <a:xfrm>
+              <a:off x="-241692" y="36254"/>
+              <a:ext cx="157100" cy="185297"/>
+            </a:xfrm>
+            <a:prstGeom prst="rect">
+              <a:avLst/>
+            </a:prstGeom>
+            <a:solidFill>
+              <a:srgbClr val="B5DE00"/>
+            </a:solidFill>
+            <a:ln>
+              <a:noFill/>
+            </a:ln>
+          </p:spPr>
+          <p:style>
+            <a:lnRef idx="2">
+              <a:schemeClr val="accent1">
+                <a:shade val="50000"/>
+              </a:schemeClr>
+            </a:lnRef>
+            <a:fillRef idx="1">
+              <a:schemeClr val="accent1"/>
+            </a:fillRef>
+            <a:effectRef idx="0">
+              <a:schemeClr val="accent1"/>
+            </a:effectRef>
+            <a:fontRef idx="minor">
+              <a:schemeClr val="lt1"/>
+            </a:fontRef>
+          </p:style>
+          <p:txBody>
+            <a:bodyPr rtlCol="0" anchor="ctr"/>
+            <a:lstStyle/>
+            <a:p>
+              <a:pPr algn="ctr"/>
+              <a:endParaRPr lang="pt-BR"/>
+            </a:p>
+          </p:txBody>
+        </p:sp>
+        <p:sp>
+          <p:nvSpPr>
+            <p:cNvPr id="7" name="Retângulo 6">
+              <a:extLst>
+                <a:ext uri="{FF2B5EF4-FFF2-40B4-BE49-F238E27FC236}">
+                  <a16:creationId xmlns:a16="http://schemas.microsoft.com/office/drawing/2014/main" id="{E967C132-D0BE-470E-AB3D-FB9C2B3B2393}"/>
+                </a:ext>
+              </a:extLst>
+            </p:cNvPr>
+            <p:cNvSpPr/>
+            <p:nvPr/>
+          </p:nvSpPr>
+          <p:spPr>
+            <a:xfrm>
+              <a:off x="-246392" y="273246"/>
+              <a:ext cx="157100" cy="185297"/>
+            </a:xfrm>
+            <a:prstGeom prst="rect">
+              <a:avLst/>
+            </a:prstGeom>
+            <a:solidFill>
+              <a:srgbClr val="34977E"/>
+            </a:solidFill>
+            <a:ln>
+              <a:noFill/>
+            </a:ln>
+          </p:spPr>
+          <p:style>
+            <a:lnRef idx="2">
+              <a:schemeClr val="accent1">
+                <a:shade val="50000"/>
+              </a:schemeClr>
+            </a:lnRef>
+            <a:fillRef idx="1">
+              <a:schemeClr val="accent1"/>
+            </a:fillRef>
+            <a:effectRef idx="0">
+              <a:schemeClr val="accent1"/>
+            </a:effectRef>
+            <a:fontRef idx="minor">
+              <a:schemeClr val="lt1"/>
+            </a:fontRef>
+          </p:style>
+          <p:txBody>
+            <a:bodyPr rtlCol="0" anchor="ctr"/>
+            <a:lstStyle/>
+            <a:p>
+              <a:pPr algn="ctr"/>
+              <a:endParaRPr lang="pt-BR"/>
+            </a:p>
+          </p:txBody>
+        </p:sp>
+      </p:grpSp>
+      <p:sp>
+        <p:nvSpPr>
+          <p:cNvPr id="8" name="Retângulo 7">
+            <a:extLst>
+              <a:ext uri="{FF2B5EF4-FFF2-40B4-BE49-F238E27FC236}">
+                <a16:creationId xmlns:a16="http://schemas.microsoft.com/office/drawing/2014/main" id="{F6C7D29A-9B99-4959-AB9C-7EA8C0FCCEA3}"/>
+              </a:ext>
+            </a:extLst>
+          </p:cNvPr>
+          <p:cNvSpPr/>
+          <p:nvPr/>
+        </p:nvSpPr>
+        <p:spPr>
+          <a:xfrm>
+            <a:off x="0" y="0"/>
+            <a:ext cx="1979612" cy="1979613"/>
+          </a:xfrm>
+          <a:prstGeom prst="rect">
+            <a:avLst/>
+          </a:prstGeom>
+          <a:noFill/>
+          <a:ln w="28575">
+            <a:solidFill>
+              <a:schemeClr val="bg1">
+                <a:lumMod val="95000"/>
+              </a:schemeClr>
+            </a:solidFill>
+          </a:ln>
+        </p:spPr>
+        <p:style>
+          <a:lnRef idx="2">
+            <a:schemeClr val="accent1">
+              <a:shade val="50000"/>
+            </a:schemeClr>
+          </a:lnRef>
+          <a:fillRef idx="1">
+            <a:schemeClr val="accent1"/>
+          </a:fillRef>
+          <a:effectRef idx="0">
+            <a:schemeClr val="accent1"/>
+          </a:effectRef>
+          <a:fontRef idx="minor">
+            <a:schemeClr val="lt1"/>
+          </a:fontRef>
+        </p:style>
+        <p:txBody>
+          <a:bodyPr rtlCol="0" anchor="ctr"/>
+          <a:lstStyle/>
+          <a:p>
+            <a:pPr algn="ctr"/>
+            <a:endParaRPr lang="pt-BR"/>
+          </a:p>
+        </p:txBody>
+      </p:sp>
+    </p:spTree>
+    <p:extLst>
+      <p:ext uri="{BB962C8B-B14F-4D97-AF65-F5344CB8AC3E}">
+        <p14:creationId xmlns:p14="http://schemas.microsoft.com/office/powerpoint/2010/main" val="3406122486"/>
       </p:ext>
     </p:extLst>
   </p:cSld>
@@ -6263,6 +7106,824 @@
     <p:extLst>
       <p:ext uri="{BB962C8B-B14F-4D97-AF65-F5344CB8AC3E}">
         <p14:creationId xmlns:p14="http://schemas.microsoft.com/office/powerpoint/2010/main" val="2677749121"/>
+      </p:ext>
+    </p:extLst>
+  </p:cSld>
+  <p:clrMapOvr>
+    <a:masterClrMapping/>
+  </p:clrMapOvr>
+</p:sld>
+</file>
+
+<file path=ppt/slides/slide20.xml><?xml version="1.0" encoding="utf-8"?>
+<p:sld xmlns:a="http://schemas.openxmlformats.org/drawingml/2006/main" xmlns:r="http://schemas.openxmlformats.org/officeDocument/2006/relationships" xmlns:p="http://schemas.openxmlformats.org/presentationml/2006/main">
+  <p:cSld>
+    <p:bg>
+      <p:bgPr>
+        <a:solidFill>
+          <a:srgbClr val="0A0F0B"/>
+        </a:solidFill>
+        <a:effectLst/>
+      </p:bgPr>
+    </p:bg>
+    <p:spTree>
+      <p:nvGrpSpPr>
+        <p:cNvPr id="1" name=""/>
+        <p:cNvGrpSpPr/>
+        <p:nvPr/>
+      </p:nvGrpSpPr>
+      <p:grpSpPr>
+        <a:xfrm>
+          <a:off x="0" y="0"/>
+          <a:ext cx="0" cy="0"/>
+          <a:chOff x="0" y="0"/>
+          <a:chExt cx="0" cy="0"/>
+        </a:xfrm>
+      </p:grpSpPr>
+      <p:sp>
+        <p:nvSpPr>
+          <p:cNvPr id="4" name="CaixaDeTexto 3">
+            <a:extLst>
+              <a:ext uri="{FF2B5EF4-FFF2-40B4-BE49-F238E27FC236}">
+                <a16:creationId xmlns:a16="http://schemas.microsoft.com/office/drawing/2014/main" id="{6E6DC805-A6CA-4C2C-8D06-B2610C9EE997}"/>
+              </a:ext>
+            </a:extLst>
+          </p:cNvPr>
+          <p:cNvSpPr txBox="1"/>
+          <p:nvPr/>
+        </p:nvSpPr>
+        <p:spPr>
+          <a:xfrm>
+            <a:off x="-1" y="728196"/>
+            <a:ext cx="1979613" cy="523220"/>
+          </a:xfrm>
+          <a:prstGeom prst="rect">
+            <a:avLst/>
+          </a:prstGeom>
+          <a:noFill/>
+        </p:spPr>
+        <p:txBody>
+          <a:bodyPr wrap="square" rtlCol="0">
+            <a:spAutoFit/>
+          </a:bodyPr>
+          <a:lstStyle/>
+          <a:p>
+            <a:pPr algn="ctr"/>
+            <a:r>
+              <a:rPr lang="pt-BR" sz="2800" dirty="0" err="1">
+                <a:solidFill>
+                  <a:srgbClr val="B5DE00"/>
+                </a:solidFill>
+                <a:latin typeface="Tahoma" panose="020B0604030504040204" pitchFamily="34" charset="0"/>
+                <a:ea typeface="Tahoma" panose="020B0604030504040204" pitchFamily="34" charset="0"/>
+                <a:cs typeface="Tahoma" panose="020B0604030504040204" pitchFamily="34" charset="0"/>
+              </a:rPr>
+              <a:t>NFTs</a:t>
+            </a:r>
+            <a:endParaRPr lang="pt-BR" sz="2800" dirty="0">
+              <a:solidFill>
+                <a:srgbClr val="34977E"/>
+              </a:solidFill>
+              <a:latin typeface="Tahoma" panose="020B0604030504040204" pitchFamily="34" charset="0"/>
+              <a:ea typeface="Tahoma" panose="020B0604030504040204" pitchFamily="34" charset="0"/>
+              <a:cs typeface="Tahoma" panose="020B0604030504040204" pitchFamily="34" charset="0"/>
+            </a:endParaRPr>
+          </a:p>
+        </p:txBody>
+      </p:sp>
+      <p:grpSp>
+        <p:nvGrpSpPr>
+          <p:cNvPr id="5" name="Agrupar 4">
+            <a:extLst>
+              <a:ext uri="{FF2B5EF4-FFF2-40B4-BE49-F238E27FC236}">
+                <a16:creationId xmlns:a16="http://schemas.microsoft.com/office/drawing/2014/main" id="{EA8FFE4E-BE54-4267-98B4-78DFF87310BF}"/>
+              </a:ext>
+            </a:extLst>
+          </p:cNvPr>
+          <p:cNvGrpSpPr/>
+          <p:nvPr/>
+        </p:nvGrpSpPr>
+        <p:grpSpPr>
+          <a:xfrm>
+            <a:off x="-246392" y="36254"/>
+            <a:ext cx="161800" cy="422289"/>
+            <a:chOff x="-246392" y="36254"/>
+            <a:chExt cx="161800" cy="422289"/>
+          </a:xfrm>
+        </p:grpSpPr>
+        <p:sp>
+          <p:nvSpPr>
+            <p:cNvPr id="6" name="Retângulo 5">
+              <a:extLst>
+                <a:ext uri="{FF2B5EF4-FFF2-40B4-BE49-F238E27FC236}">
+                  <a16:creationId xmlns:a16="http://schemas.microsoft.com/office/drawing/2014/main" id="{99D89A96-48FD-4E5F-A192-246491AF313C}"/>
+                </a:ext>
+              </a:extLst>
+            </p:cNvPr>
+            <p:cNvSpPr/>
+            <p:nvPr/>
+          </p:nvSpPr>
+          <p:spPr>
+            <a:xfrm>
+              <a:off x="-241692" y="36254"/>
+              <a:ext cx="157100" cy="185297"/>
+            </a:xfrm>
+            <a:prstGeom prst="rect">
+              <a:avLst/>
+            </a:prstGeom>
+            <a:solidFill>
+              <a:srgbClr val="B5DE00"/>
+            </a:solidFill>
+            <a:ln>
+              <a:noFill/>
+            </a:ln>
+          </p:spPr>
+          <p:style>
+            <a:lnRef idx="2">
+              <a:schemeClr val="accent1">
+                <a:shade val="50000"/>
+              </a:schemeClr>
+            </a:lnRef>
+            <a:fillRef idx="1">
+              <a:schemeClr val="accent1"/>
+            </a:fillRef>
+            <a:effectRef idx="0">
+              <a:schemeClr val="accent1"/>
+            </a:effectRef>
+            <a:fontRef idx="minor">
+              <a:schemeClr val="lt1"/>
+            </a:fontRef>
+          </p:style>
+          <p:txBody>
+            <a:bodyPr rtlCol="0" anchor="ctr"/>
+            <a:lstStyle/>
+            <a:p>
+              <a:pPr algn="ctr"/>
+              <a:endParaRPr lang="pt-BR"/>
+            </a:p>
+          </p:txBody>
+        </p:sp>
+        <p:sp>
+          <p:nvSpPr>
+            <p:cNvPr id="7" name="Retângulo 6">
+              <a:extLst>
+                <a:ext uri="{FF2B5EF4-FFF2-40B4-BE49-F238E27FC236}">
+                  <a16:creationId xmlns:a16="http://schemas.microsoft.com/office/drawing/2014/main" id="{E967C132-D0BE-470E-AB3D-FB9C2B3B2393}"/>
+                </a:ext>
+              </a:extLst>
+            </p:cNvPr>
+            <p:cNvSpPr/>
+            <p:nvPr/>
+          </p:nvSpPr>
+          <p:spPr>
+            <a:xfrm>
+              <a:off x="-246392" y="273246"/>
+              <a:ext cx="157100" cy="185297"/>
+            </a:xfrm>
+            <a:prstGeom prst="rect">
+              <a:avLst/>
+            </a:prstGeom>
+            <a:solidFill>
+              <a:srgbClr val="34977E"/>
+            </a:solidFill>
+            <a:ln>
+              <a:noFill/>
+            </a:ln>
+          </p:spPr>
+          <p:style>
+            <a:lnRef idx="2">
+              <a:schemeClr val="accent1">
+                <a:shade val="50000"/>
+              </a:schemeClr>
+            </a:lnRef>
+            <a:fillRef idx="1">
+              <a:schemeClr val="accent1"/>
+            </a:fillRef>
+            <a:effectRef idx="0">
+              <a:schemeClr val="accent1"/>
+            </a:effectRef>
+            <a:fontRef idx="minor">
+              <a:schemeClr val="lt1"/>
+            </a:fontRef>
+          </p:style>
+          <p:txBody>
+            <a:bodyPr rtlCol="0" anchor="ctr"/>
+            <a:lstStyle/>
+            <a:p>
+              <a:pPr algn="ctr"/>
+              <a:endParaRPr lang="pt-BR"/>
+            </a:p>
+          </p:txBody>
+        </p:sp>
+      </p:grpSp>
+      <p:sp>
+        <p:nvSpPr>
+          <p:cNvPr id="8" name="Retângulo 7">
+            <a:extLst>
+              <a:ext uri="{FF2B5EF4-FFF2-40B4-BE49-F238E27FC236}">
+                <a16:creationId xmlns:a16="http://schemas.microsoft.com/office/drawing/2014/main" id="{F6C7D29A-9B99-4959-AB9C-7EA8C0FCCEA3}"/>
+              </a:ext>
+            </a:extLst>
+          </p:cNvPr>
+          <p:cNvSpPr/>
+          <p:nvPr/>
+        </p:nvSpPr>
+        <p:spPr>
+          <a:xfrm>
+            <a:off x="0" y="0"/>
+            <a:ext cx="1979612" cy="1979613"/>
+          </a:xfrm>
+          <a:prstGeom prst="rect">
+            <a:avLst/>
+          </a:prstGeom>
+          <a:noFill/>
+          <a:ln w="28575">
+            <a:solidFill>
+              <a:schemeClr val="bg1">
+                <a:lumMod val="95000"/>
+              </a:schemeClr>
+            </a:solidFill>
+          </a:ln>
+        </p:spPr>
+        <p:style>
+          <a:lnRef idx="2">
+            <a:schemeClr val="accent1">
+              <a:shade val="50000"/>
+            </a:schemeClr>
+          </a:lnRef>
+          <a:fillRef idx="1">
+            <a:schemeClr val="accent1"/>
+          </a:fillRef>
+          <a:effectRef idx="0">
+            <a:schemeClr val="accent1"/>
+          </a:effectRef>
+          <a:fontRef idx="minor">
+            <a:schemeClr val="lt1"/>
+          </a:fontRef>
+        </p:style>
+        <p:txBody>
+          <a:bodyPr rtlCol="0" anchor="ctr"/>
+          <a:lstStyle/>
+          <a:p>
+            <a:pPr algn="ctr"/>
+            <a:endParaRPr lang="pt-BR"/>
+          </a:p>
+        </p:txBody>
+      </p:sp>
+    </p:spTree>
+    <p:extLst>
+      <p:ext uri="{BB962C8B-B14F-4D97-AF65-F5344CB8AC3E}">
+        <p14:creationId xmlns:p14="http://schemas.microsoft.com/office/powerpoint/2010/main" val="1300668706"/>
+      </p:ext>
+    </p:extLst>
+  </p:cSld>
+  <p:clrMapOvr>
+    <a:masterClrMapping/>
+  </p:clrMapOvr>
+</p:sld>
+</file>
+
+<file path=ppt/slides/slide21.xml><?xml version="1.0" encoding="utf-8"?>
+<p:sld xmlns:a="http://schemas.openxmlformats.org/drawingml/2006/main" xmlns:r="http://schemas.openxmlformats.org/officeDocument/2006/relationships" xmlns:p="http://schemas.openxmlformats.org/presentationml/2006/main">
+  <p:cSld>
+    <p:bg>
+      <p:bgPr>
+        <a:solidFill>
+          <a:srgbClr val="0A0F0B"/>
+        </a:solidFill>
+        <a:effectLst/>
+      </p:bgPr>
+    </p:bg>
+    <p:spTree>
+      <p:nvGrpSpPr>
+        <p:cNvPr id="1" name=""/>
+        <p:cNvGrpSpPr/>
+        <p:nvPr/>
+      </p:nvGrpSpPr>
+      <p:grpSpPr>
+        <a:xfrm>
+          <a:off x="0" y="0"/>
+          <a:ext cx="0" cy="0"/>
+          <a:chOff x="0" y="0"/>
+          <a:chExt cx="0" cy="0"/>
+        </a:xfrm>
+      </p:grpSpPr>
+      <p:sp>
+        <p:nvSpPr>
+          <p:cNvPr id="4" name="CaixaDeTexto 3">
+            <a:extLst>
+              <a:ext uri="{FF2B5EF4-FFF2-40B4-BE49-F238E27FC236}">
+                <a16:creationId xmlns:a16="http://schemas.microsoft.com/office/drawing/2014/main" id="{6E6DC805-A6CA-4C2C-8D06-B2610C9EE997}"/>
+              </a:ext>
+            </a:extLst>
+          </p:cNvPr>
+          <p:cNvSpPr txBox="1"/>
+          <p:nvPr/>
+        </p:nvSpPr>
+        <p:spPr>
+          <a:xfrm>
+            <a:off x="-1" y="728196"/>
+            <a:ext cx="1979613" cy="523220"/>
+          </a:xfrm>
+          <a:prstGeom prst="rect">
+            <a:avLst/>
+          </a:prstGeom>
+          <a:noFill/>
+        </p:spPr>
+        <p:txBody>
+          <a:bodyPr wrap="square" rtlCol="0">
+            <a:spAutoFit/>
+          </a:bodyPr>
+          <a:lstStyle/>
+          <a:p>
+            <a:pPr algn="ctr"/>
+            <a:r>
+              <a:rPr lang="pt-BR" sz="2800" dirty="0" err="1">
+                <a:solidFill>
+                  <a:srgbClr val="34977E"/>
+                </a:solidFill>
+                <a:latin typeface="Tahoma" panose="020B0604030504040204" pitchFamily="34" charset="0"/>
+                <a:ea typeface="Tahoma" panose="020B0604030504040204" pitchFamily="34" charset="0"/>
+                <a:cs typeface="Tahoma" panose="020B0604030504040204" pitchFamily="34" charset="0"/>
+              </a:rPr>
+              <a:t>MetaVerse</a:t>
+            </a:r>
+            <a:endParaRPr lang="pt-BR" sz="2800" dirty="0">
+              <a:solidFill>
+                <a:srgbClr val="34977E"/>
+              </a:solidFill>
+              <a:latin typeface="Tahoma" panose="020B0604030504040204" pitchFamily="34" charset="0"/>
+              <a:ea typeface="Tahoma" panose="020B0604030504040204" pitchFamily="34" charset="0"/>
+              <a:cs typeface="Tahoma" panose="020B0604030504040204" pitchFamily="34" charset="0"/>
+            </a:endParaRPr>
+          </a:p>
+        </p:txBody>
+      </p:sp>
+      <p:grpSp>
+        <p:nvGrpSpPr>
+          <p:cNvPr id="5" name="Agrupar 4">
+            <a:extLst>
+              <a:ext uri="{FF2B5EF4-FFF2-40B4-BE49-F238E27FC236}">
+                <a16:creationId xmlns:a16="http://schemas.microsoft.com/office/drawing/2014/main" id="{EA8FFE4E-BE54-4267-98B4-78DFF87310BF}"/>
+              </a:ext>
+            </a:extLst>
+          </p:cNvPr>
+          <p:cNvGrpSpPr/>
+          <p:nvPr/>
+        </p:nvGrpSpPr>
+        <p:grpSpPr>
+          <a:xfrm>
+            <a:off x="-246392" y="36254"/>
+            <a:ext cx="161800" cy="422289"/>
+            <a:chOff x="-246392" y="36254"/>
+            <a:chExt cx="161800" cy="422289"/>
+          </a:xfrm>
+        </p:grpSpPr>
+        <p:sp>
+          <p:nvSpPr>
+            <p:cNvPr id="6" name="Retângulo 5">
+              <a:extLst>
+                <a:ext uri="{FF2B5EF4-FFF2-40B4-BE49-F238E27FC236}">
+                  <a16:creationId xmlns:a16="http://schemas.microsoft.com/office/drawing/2014/main" id="{99D89A96-48FD-4E5F-A192-246491AF313C}"/>
+                </a:ext>
+              </a:extLst>
+            </p:cNvPr>
+            <p:cNvSpPr/>
+            <p:nvPr/>
+          </p:nvSpPr>
+          <p:spPr>
+            <a:xfrm>
+              <a:off x="-241692" y="36254"/>
+              <a:ext cx="157100" cy="185297"/>
+            </a:xfrm>
+            <a:prstGeom prst="rect">
+              <a:avLst/>
+            </a:prstGeom>
+            <a:solidFill>
+              <a:srgbClr val="B5DE00"/>
+            </a:solidFill>
+            <a:ln>
+              <a:noFill/>
+            </a:ln>
+          </p:spPr>
+          <p:style>
+            <a:lnRef idx="2">
+              <a:schemeClr val="accent1">
+                <a:shade val="50000"/>
+              </a:schemeClr>
+            </a:lnRef>
+            <a:fillRef idx="1">
+              <a:schemeClr val="accent1"/>
+            </a:fillRef>
+            <a:effectRef idx="0">
+              <a:schemeClr val="accent1"/>
+            </a:effectRef>
+            <a:fontRef idx="minor">
+              <a:schemeClr val="lt1"/>
+            </a:fontRef>
+          </p:style>
+          <p:txBody>
+            <a:bodyPr rtlCol="0" anchor="ctr"/>
+            <a:lstStyle/>
+            <a:p>
+              <a:pPr algn="ctr"/>
+              <a:endParaRPr lang="pt-BR"/>
+            </a:p>
+          </p:txBody>
+        </p:sp>
+        <p:sp>
+          <p:nvSpPr>
+            <p:cNvPr id="7" name="Retângulo 6">
+              <a:extLst>
+                <a:ext uri="{FF2B5EF4-FFF2-40B4-BE49-F238E27FC236}">
+                  <a16:creationId xmlns:a16="http://schemas.microsoft.com/office/drawing/2014/main" id="{E967C132-D0BE-470E-AB3D-FB9C2B3B2393}"/>
+                </a:ext>
+              </a:extLst>
+            </p:cNvPr>
+            <p:cNvSpPr/>
+            <p:nvPr/>
+          </p:nvSpPr>
+          <p:spPr>
+            <a:xfrm>
+              <a:off x="-246392" y="273246"/>
+              <a:ext cx="157100" cy="185297"/>
+            </a:xfrm>
+            <a:prstGeom prst="rect">
+              <a:avLst/>
+            </a:prstGeom>
+            <a:solidFill>
+              <a:srgbClr val="34977E"/>
+            </a:solidFill>
+            <a:ln>
+              <a:noFill/>
+            </a:ln>
+          </p:spPr>
+          <p:style>
+            <a:lnRef idx="2">
+              <a:schemeClr val="accent1">
+                <a:shade val="50000"/>
+              </a:schemeClr>
+            </a:lnRef>
+            <a:fillRef idx="1">
+              <a:schemeClr val="accent1"/>
+            </a:fillRef>
+            <a:effectRef idx="0">
+              <a:schemeClr val="accent1"/>
+            </a:effectRef>
+            <a:fontRef idx="minor">
+              <a:schemeClr val="lt1"/>
+            </a:fontRef>
+          </p:style>
+          <p:txBody>
+            <a:bodyPr rtlCol="0" anchor="ctr"/>
+            <a:lstStyle/>
+            <a:p>
+              <a:pPr algn="ctr"/>
+              <a:endParaRPr lang="pt-BR"/>
+            </a:p>
+          </p:txBody>
+        </p:sp>
+      </p:grpSp>
+      <p:sp>
+        <p:nvSpPr>
+          <p:cNvPr id="8" name="Retângulo 7">
+            <a:extLst>
+              <a:ext uri="{FF2B5EF4-FFF2-40B4-BE49-F238E27FC236}">
+                <a16:creationId xmlns:a16="http://schemas.microsoft.com/office/drawing/2014/main" id="{F6C7D29A-9B99-4959-AB9C-7EA8C0FCCEA3}"/>
+              </a:ext>
+            </a:extLst>
+          </p:cNvPr>
+          <p:cNvSpPr/>
+          <p:nvPr/>
+        </p:nvSpPr>
+        <p:spPr>
+          <a:xfrm>
+            <a:off x="0" y="0"/>
+            <a:ext cx="1979612" cy="1979613"/>
+          </a:xfrm>
+          <a:prstGeom prst="rect">
+            <a:avLst/>
+          </a:prstGeom>
+          <a:noFill/>
+          <a:ln w="28575">
+            <a:solidFill>
+              <a:schemeClr val="bg1">
+                <a:lumMod val="95000"/>
+              </a:schemeClr>
+            </a:solidFill>
+          </a:ln>
+        </p:spPr>
+        <p:style>
+          <a:lnRef idx="2">
+            <a:schemeClr val="accent1">
+              <a:shade val="50000"/>
+            </a:schemeClr>
+          </a:lnRef>
+          <a:fillRef idx="1">
+            <a:schemeClr val="accent1"/>
+          </a:fillRef>
+          <a:effectRef idx="0">
+            <a:schemeClr val="accent1"/>
+          </a:effectRef>
+          <a:fontRef idx="minor">
+            <a:schemeClr val="lt1"/>
+          </a:fontRef>
+        </p:style>
+        <p:txBody>
+          <a:bodyPr rtlCol="0" anchor="ctr"/>
+          <a:lstStyle/>
+          <a:p>
+            <a:pPr algn="ctr"/>
+            <a:endParaRPr lang="pt-BR"/>
+          </a:p>
+        </p:txBody>
+      </p:sp>
+    </p:spTree>
+    <p:extLst>
+      <p:ext uri="{BB962C8B-B14F-4D97-AF65-F5344CB8AC3E}">
+        <p14:creationId xmlns:p14="http://schemas.microsoft.com/office/powerpoint/2010/main" val="1388200159"/>
+      </p:ext>
+    </p:extLst>
+  </p:cSld>
+  <p:clrMapOvr>
+    <a:masterClrMapping/>
+  </p:clrMapOvr>
+</p:sld>
+</file>
+
+<file path=ppt/slides/slide22.xml><?xml version="1.0" encoding="utf-8"?>
+<p:sld xmlns:a="http://schemas.openxmlformats.org/drawingml/2006/main" xmlns:r="http://schemas.openxmlformats.org/officeDocument/2006/relationships" xmlns:p="http://schemas.openxmlformats.org/presentationml/2006/main">
+  <p:cSld>
+    <p:bg>
+      <p:bgPr>
+        <a:solidFill>
+          <a:srgbClr val="0A0F0B"/>
+        </a:solidFill>
+        <a:effectLst/>
+      </p:bgPr>
+    </p:bg>
+    <p:spTree>
+      <p:nvGrpSpPr>
+        <p:cNvPr id="1" name=""/>
+        <p:cNvGrpSpPr/>
+        <p:nvPr/>
+      </p:nvGrpSpPr>
+      <p:grpSpPr>
+        <a:xfrm>
+          <a:off x="0" y="0"/>
+          <a:ext cx="0" cy="0"/>
+          <a:chOff x="0" y="0"/>
+          <a:chExt cx="0" cy="0"/>
+        </a:xfrm>
+      </p:grpSpPr>
+      <p:sp>
+        <p:nvSpPr>
+          <p:cNvPr id="4" name="CaixaDeTexto 3">
+            <a:extLst>
+              <a:ext uri="{FF2B5EF4-FFF2-40B4-BE49-F238E27FC236}">
+                <a16:creationId xmlns:a16="http://schemas.microsoft.com/office/drawing/2014/main" id="{6E6DC805-A6CA-4C2C-8D06-B2610C9EE997}"/>
+              </a:ext>
+            </a:extLst>
+          </p:cNvPr>
+          <p:cNvSpPr txBox="1"/>
+          <p:nvPr/>
+        </p:nvSpPr>
+        <p:spPr>
+          <a:xfrm>
+            <a:off x="793" y="512752"/>
+            <a:ext cx="1979613" cy="954107"/>
+          </a:xfrm>
+          <a:prstGeom prst="rect">
+            <a:avLst/>
+          </a:prstGeom>
+          <a:noFill/>
+        </p:spPr>
+        <p:txBody>
+          <a:bodyPr wrap="square" rtlCol="0">
+            <a:spAutoFit/>
+          </a:bodyPr>
+          <a:lstStyle/>
+          <a:p>
+            <a:pPr algn="ctr"/>
+            <a:r>
+              <a:rPr lang="pt-BR" sz="2800" dirty="0">
+                <a:solidFill>
+                  <a:srgbClr val="B5DE00"/>
+                </a:solidFill>
+                <a:latin typeface="Tahoma" panose="020B0604030504040204" pitchFamily="34" charset="0"/>
+                <a:ea typeface="Tahoma" panose="020B0604030504040204" pitchFamily="34" charset="0"/>
+                <a:cs typeface="Tahoma" panose="020B0604030504040204" pitchFamily="34" charset="0"/>
+              </a:rPr>
+              <a:t>Edge</a:t>
+            </a:r>
+          </a:p>
+          <a:p>
+            <a:pPr algn="ctr"/>
+            <a:r>
+              <a:rPr lang="pt-BR" sz="2800" dirty="0" err="1">
+                <a:solidFill>
+                  <a:srgbClr val="34977E"/>
+                </a:solidFill>
+                <a:latin typeface="Tahoma" panose="020B0604030504040204" pitchFamily="34" charset="0"/>
+                <a:ea typeface="Tahoma" panose="020B0604030504040204" pitchFamily="34" charset="0"/>
+                <a:cs typeface="Tahoma" panose="020B0604030504040204" pitchFamily="34" charset="0"/>
+              </a:rPr>
+              <a:t>Computing</a:t>
+            </a:r>
+            <a:endParaRPr lang="pt-BR" sz="2800" dirty="0">
+              <a:solidFill>
+                <a:srgbClr val="34977E"/>
+              </a:solidFill>
+              <a:latin typeface="Tahoma" panose="020B0604030504040204" pitchFamily="34" charset="0"/>
+              <a:ea typeface="Tahoma" panose="020B0604030504040204" pitchFamily="34" charset="0"/>
+              <a:cs typeface="Tahoma" panose="020B0604030504040204" pitchFamily="34" charset="0"/>
+            </a:endParaRPr>
+          </a:p>
+        </p:txBody>
+      </p:sp>
+      <p:grpSp>
+        <p:nvGrpSpPr>
+          <p:cNvPr id="5" name="Agrupar 4">
+            <a:extLst>
+              <a:ext uri="{FF2B5EF4-FFF2-40B4-BE49-F238E27FC236}">
+                <a16:creationId xmlns:a16="http://schemas.microsoft.com/office/drawing/2014/main" id="{EA8FFE4E-BE54-4267-98B4-78DFF87310BF}"/>
+              </a:ext>
+            </a:extLst>
+          </p:cNvPr>
+          <p:cNvGrpSpPr/>
+          <p:nvPr/>
+        </p:nvGrpSpPr>
+        <p:grpSpPr>
+          <a:xfrm>
+            <a:off x="-246392" y="36254"/>
+            <a:ext cx="161800" cy="422289"/>
+            <a:chOff x="-246392" y="36254"/>
+            <a:chExt cx="161800" cy="422289"/>
+          </a:xfrm>
+        </p:grpSpPr>
+        <p:sp>
+          <p:nvSpPr>
+            <p:cNvPr id="6" name="Retângulo 5">
+              <a:extLst>
+                <a:ext uri="{FF2B5EF4-FFF2-40B4-BE49-F238E27FC236}">
+                  <a16:creationId xmlns:a16="http://schemas.microsoft.com/office/drawing/2014/main" id="{99D89A96-48FD-4E5F-A192-246491AF313C}"/>
+                </a:ext>
+              </a:extLst>
+            </p:cNvPr>
+            <p:cNvSpPr/>
+            <p:nvPr/>
+          </p:nvSpPr>
+          <p:spPr>
+            <a:xfrm>
+              <a:off x="-241692" y="36254"/>
+              <a:ext cx="157100" cy="185297"/>
+            </a:xfrm>
+            <a:prstGeom prst="rect">
+              <a:avLst/>
+            </a:prstGeom>
+            <a:solidFill>
+              <a:srgbClr val="B5DE00"/>
+            </a:solidFill>
+            <a:ln>
+              <a:noFill/>
+            </a:ln>
+          </p:spPr>
+          <p:style>
+            <a:lnRef idx="2">
+              <a:schemeClr val="accent1">
+                <a:shade val="50000"/>
+              </a:schemeClr>
+            </a:lnRef>
+            <a:fillRef idx="1">
+              <a:schemeClr val="accent1"/>
+            </a:fillRef>
+            <a:effectRef idx="0">
+              <a:schemeClr val="accent1"/>
+            </a:effectRef>
+            <a:fontRef idx="minor">
+              <a:schemeClr val="lt1"/>
+            </a:fontRef>
+          </p:style>
+          <p:txBody>
+            <a:bodyPr rtlCol="0" anchor="ctr"/>
+            <a:lstStyle/>
+            <a:p>
+              <a:pPr algn="ctr"/>
+              <a:endParaRPr lang="pt-BR"/>
+            </a:p>
+          </p:txBody>
+        </p:sp>
+        <p:sp>
+          <p:nvSpPr>
+            <p:cNvPr id="7" name="Retângulo 6">
+              <a:extLst>
+                <a:ext uri="{FF2B5EF4-FFF2-40B4-BE49-F238E27FC236}">
+                  <a16:creationId xmlns:a16="http://schemas.microsoft.com/office/drawing/2014/main" id="{E967C132-D0BE-470E-AB3D-FB9C2B3B2393}"/>
+                </a:ext>
+              </a:extLst>
+            </p:cNvPr>
+            <p:cNvSpPr/>
+            <p:nvPr/>
+          </p:nvSpPr>
+          <p:spPr>
+            <a:xfrm>
+              <a:off x="-246392" y="273246"/>
+              <a:ext cx="157100" cy="185297"/>
+            </a:xfrm>
+            <a:prstGeom prst="rect">
+              <a:avLst/>
+            </a:prstGeom>
+            <a:solidFill>
+              <a:srgbClr val="34977E"/>
+            </a:solidFill>
+            <a:ln>
+              <a:noFill/>
+            </a:ln>
+          </p:spPr>
+          <p:style>
+            <a:lnRef idx="2">
+              <a:schemeClr val="accent1">
+                <a:shade val="50000"/>
+              </a:schemeClr>
+            </a:lnRef>
+            <a:fillRef idx="1">
+              <a:schemeClr val="accent1"/>
+            </a:fillRef>
+            <a:effectRef idx="0">
+              <a:schemeClr val="accent1"/>
+            </a:effectRef>
+            <a:fontRef idx="minor">
+              <a:schemeClr val="lt1"/>
+            </a:fontRef>
+          </p:style>
+          <p:txBody>
+            <a:bodyPr rtlCol="0" anchor="ctr"/>
+            <a:lstStyle/>
+            <a:p>
+              <a:pPr algn="ctr"/>
+              <a:endParaRPr lang="pt-BR"/>
+            </a:p>
+          </p:txBody>
+        </p:sp>
+      </p:grpSp>
+      <p:sp>
+        <p:nvSpPr>
+          <p:cNvPr id="8" name="Retângulo 7">
+            <a:extLst>
+              <a:ext uri="{FF2B5EF4-FFF2-40B4-BE49-F238E27FC236}">
+                <a16:creationId xmlns:a16="http://schemas.microsoft.com/office/drawing/2014/main" id="{F6C7D29A-9B99-4959-AB9C-7EA8C0FCCEA3}"/>
+              </a:ext>
+            </a:extLst>
+          </p:cNvPr>
+          <p:cNvSpPr/>
+          <p:nvPr/>
+        </p:nvSpPr>
+        <p:spPr>
+          <a:xfrm>
+            <a:off x="0" y="0"/>
+            <a:ext cx="1979612" cy="1979613"/>
+          </a:xfrm>
+          <a:prstGeom prst="rect">
+            <a:avLst/>
+          </a:prstGeom>
+          <a:noFill/>
+          <a:ln w="28575">
+            <a:solidFill>
+              <a:schemeClr val="bg1">
+                <a:lumMod val="95000"/>
+              </a:schemeClr>
+            </a:solidFill>
+          </a:ln>
+        </p:spPr>
+        <p:style>
+          <a:lnRef idx="2">
+            <a:schemeClr val="accent1">
+              <a:shade val="50000"/>
+            </a:schemeClr>
+          </a:lnRef>
+          <a:fillRef idx="1">
+            <a:schemeClr val="accent1"/>
+          </a:fillRef>
+          <a:effectRef idx="0">
+            <a:schemeClr val="accent1"/>
+          </a:effectRef>
+          <a:fontRef idx="minor">
+            <a:schemeClr val="lt1"/>
+          </a:fontRef>
+        </p:style>
+        <p:txBody>
+          <a:bodyPr rtlCol="0" anchor="ctr"/>
+          <a:lstStyle/>
+          <a:p>
+            <a:pPr algn="ctr"/>
+            <a:endParaRPr lang="pt-BR"/>
+          </a:p>
+        </p:txBody>
+      </p:sp>
+    </p:spTree>
+    <p:extLst>
+      <p:ext uri="{BB962C8B-B14F-4D97-AF65-F5344CB8AC3E}">
+        <p14:creationId xmlns:p14="http://schemas.microsoft.com/office/powerpoint/2010/main" val="2240063622"/>
       </p:ext>
     </p:extLst>
   </p:cSld>
